--- a/The impact of social media on education.pptx
+++ b/The impact of social media on education.pptx
@@ -2,7 +2,7 @@
 <file path=ppt/presentation.xml><?xml version="1.0" encoding="utf-8"?>
 <p:presentation xmlns:a="http://schemas.openxmlformats.org/drawingml/2006/main" xmlns:r="http://schemas.openxmlformats.org/officeDocument/2006/relationships" xmlns:p="http://schemas.openxmlformats.org/presentationml/2006/main" autoCompressPictures="0">
   <p:sldMasterIdLst>
-    <p:sldMasterId id="2147483648" r:id="rId1"/>
+    <p:sldMasterId id="2147483669" r:id="rId1"/>
   </p:sldMasterIdLst>
   <p:sldIdLst>
     <p:sldId id="256" r:id="rId2"/>
@@ -23,7 +23,7 @@
     <a:defPPr>
       <a:defRPr lang="en-US"/>
     </a:defPPr>
-    <a:lvl1pPr marL="0" algn="l" defTabSz="457200" rtl="0" eaLnBrk="1" latinLnBrk="0" hangingPunct="1">
+    <a:lvl1pPr marL="0" algn="l" defTabSz="914400" rtl="0" eaLnBrk="1" latinLnBrk="0" hangingPunct="1">
       <a:defRPr sz="1800" kern="1200">
         <a:solidFill>
           <a:schemeClr val="tx1"/>
@@ -33,7 +33,7 @@
         <a:cs typeface="+mn-cs"/>
       </a:defRPr>
     </a:lvl1pPr>
-    <a:lvl2pPr marL="457200" algn="l" defTabSz="457200" rtl="0" eaLnBrk="1" latinLnBrk="0" hangingPunct="1">
+    <a:lvl2pPr marL="457200" algn="l" defTabSz="914400" rtl="0" eaLnBrk="1" latinLnBrk="0" hangingPunct="1">
       <a:defRPr sz="1800" kern="1200">
         <a:solidFill>
           <a:schemeClr val="tx1"/>
@@ -43,7 +43,7 @@
         <a:cs typeface="+mn-cs"/>
       </a:defRPr>
     </a:lvl2pPr>
-    <a:lvl3pPr marL="914400" algn="l" defTabSz="457200" rtl="0" eaLnBrk="1" latinLnBrk="0" hangingPunct="1">
+    <a:lvl3pPr marL="914400" algn="l" defTabSz="914400" rtl="0" eaLnBrk="1" latinLnBrk="0" hangingPunct="1">
       <a:defRPr sz="1800" kern="1200">
         <a:solidFill>
           <a:schemeClr val="tx1"/>
@@ -53,7 +53,7 @@
         <a:cs typeface="+mn-cs"/>
       </a:defRPr>
     </a:lvl3pPr>
-    <a:lvl4pPr marL="1371600" algn="l" defTabSz="457200" rtl="0" eaLnBrk="1" latinLnBrk="0" hangingPunct="1">
+    <a:lvl4pPr marL="1371600" algn="l" defTabSz="914400" rtl="0" eaLnBrk="1" latinLnBrk="0" hangingPunct="1">
       <a:defRPr sz="1800" kern="1200">
         <a:solidFill>
           <a:schemeClr val="tx1"/>
@@ -63,7 +63,7 @@
         <a:cs typeface="+mn-cs"/>
       </a:defRPr>
     </a:lvl4pPr>
-    <a:lvl5pPr marL="1828800" algn="l" defTabSz="457200" rtl="0" eaLnBrk="1" latinLnBrk="0" hangingPunct="1">
+    <a:lvl5pPr marL="1828800" algn="l" defTabSz="914400" rtl="0" eaLnBrk="1" latinLnBrk="0" hangingPunct="1">
       <a:defRPr sz="1800" kern="1200">
         <a:solidFill>
           <a:schemeClr val="tx1"/>
@@ -73,7 +73,7 @@
         <a:cs typeface="+mn-cs"/>
       </a:defRPr>
     </a:lvl5pPr>
-    <a:lvl6pPr marL="2286000" algn="l" defTabSz="457200" rtl="0" eaLnBrk="1" latinLnBrk="0" hangingPunct="1">
+    <a:lvl6pPr marL="2286000" algn="l" defTabSz="914400" rtl="0" eaLnBrk="1" latinLnBrk="0" hangingPunct="1">
       <a:defRPr sz="1800" kern="1200">
         <a:solidFill>
           <a:schemeClr val="tx1"/>
@@ -83,7 +83,7 @@
         <a:cs typeface="+mn-cs"/>
       </a:defRPr>
     </a:lvl6pPr>
-    <a:lvl7pPr marL="2743200" algn="l" defTabSz="457200" rtl="0" eaLnBrk="1" latinLnBrk="0" hangingPunct="1">
+    <a:lvl7pPr marL="2743200" algn="l" defTabSz="914400" rtl="0" eaLnBrk="1" latinLnBrk="0" hangingPunct="1">
       <a:defRPr sz="1800" kern="1200">
         <a:solidFill>
           <a:schemeClr val="tx1"/>
@@ -93,7 +93,7 @@
         <a:cs typeface="+mn-cs"/>
       </a:defRPr>
     </a:lvl7pPr>
-    <a:lvl8pPr marL="3200400" algn="l" defTabSz="457200" rtl="0" eaLnBrk="1" latinLnBrk="0" hangingPunct="1">
+    <a:lvl8pPr marL="3200400" algn="l" defTabSz="914400" rtl="0" eaLnBrk="1" latinLnBrk="0" hangingPunct="1">
       <a:defRPr sz="1800" kern="1200">
         <a:solidFill>
           <a:schemeClr val="tx1"/>
@@ -103,7 +103,7 @@
         <a:cs typeface="+mn-cs"/>
       </a:defRPr>
     </a:lvl8pPr>
-    <a:lvl9pPr marL="3657600" algn="l" defTabSz="457200" rtl="0" eaLnBrk="1" latinLnBrk="0" hangingPunct="1">
+    <a:lvl9pPr marL="3657600" algn="l" defTabSz="914400" rtl="0" eaLnBrk="1" latinLnBrk="0" hangingPunct="1">
       <a:defRPr sz="1800" kern="1200">
         <a:solidFill>
           <a:schemeClr val="tx1"/>
@@ -139,36 +139,6 @@
           <a:chExt cx="0" cy="0"/>
         </a:xfrm>
       </p:grpSpPr>
-      <p:pic>
-        <p:nvPicPr>
-          <p:cNvPr id="7" name="Picture 6" descr="Droplets-HD-Title-R1d.png"/>
-          <p:cNvPicPr>
-            <a:picLocks noChangeAspect="1"/>
-          </p:cNvPicPr>
-          <p:nvPr/>
-        </p:nvPicPr>
-        <p:blipFill>
-          <a:blip r:embed="rId2">
-            <a:extLst>
-              <a:ext uri="{28A0092B-C50C-407E-A947-70E740481C1C}">
-                <a14:useLocalDpi xmlns:a14="http://schemas.microsoft.com/office/drawing/2010/main" val="0"/>
-              </a:ext>
-            </a:extLst>
-          </a:blip>
-          <a:stretch>
-            <a:fillRect/>
-          </a:stretch>
-        </p:blipFill>
-        <p:spPr>
-          <a:xfrm>
-            <a:off x="0" y="0"/>
-            <a:ext cx="12192000" cy="6858000"/>
-          </a:xfrm>
-          <a:prstGeom prst="rect">
-            <a:avLst/>
-          </a:prstGeom>
-        </p:spPr>
-      </p:pic>
       <p:sp>
         <p:nvSpPr>
           <p:cNvPr id="2" name="Title 1"/>
@@ -181,17 +151,15 @@
         </p:nvSpPr>
         <p:spPr>
           <a:xfrm>
-            <a:off x="1751012" y="1300785"/>
-            <a:ext cx="8689976" cy="2509213"/>
+            <a:off x="1524000" y="1122363"/>
+            <a:ext cx="9144000" cy="2387600"/>
           </a:xfrm>
         </p:spPr>
         <p:txBody>
-          <a:bodyPr anchor="b">
-            <a:normAutofit/>
-          </a:bodyPr>
+          <a:bodyPr anchor="b"/>
           <a:lstStyle>
             <a:lvl1pPr algn="ctr">
-              <a:defRPr sz="4800"/>
+              <a:defRPr sz="6000"/>
             </a:lvl1pPr>
           </a:lstStyle>
           <a:p>
@@ -199,7 +167,7 @@
               <a:rPr lang="en-US" smtClean="0"/>
               <a:t>Click to edit Master title style</a:t>
             </a:r>
-            <a:endParaRPr lang="en-US" dirty="0"/>
+            <a:endParaRPr lang="en-US"/>
           </a:p>
         </p:txBody>
       </p:sp>
@@ -215,24 +183,16 @@
         </p:nvSpPr>
         <p:spPr>
           <a:xfrm>
-            <a:off x="1751012" y="3886200"/>
-            <a:ext cx="8689976" cy="1371599"/>
+            <a:off x="1524000" y="3602038"/>
+            <a:ext cx="9144000" cy="1655762"/>
           </a:xfrm>
         </p:spPr>
         <p:txBody>
-          <a:bodyPr>
-            <a:normAutofit/>
-          </a:bodyPr>
+          <a:bodyPr/>
           <a:lstStyle>
             <a:lvl1pPr marL="0" indent="0" algn="ctr">
               <a:buNone/>
-              <a:defRPr sz="2200">
-                <a:solidFill>
-                  <a:schemeClr val="tx1">
-                    <a:lumMod val="75000"/>
-                  </a:schemeClr>
-                </a:solidFill>
-              </a:defRPr>
+              <a:defRPr sz="2400"/>
             </a:lvl1pPr>
             <a:lvl2pPr marL="457200" indent="0" algn="ctr">
               <a:buNone/>
@@ -272,7 +232,7 @@
               <a:rPr lang="en-US" smtClean="0"/>
               <a:t>Click to edit Master subtitle style</a:t>
             </a:r>
-            <a:endParaRPr lang="en-US" dirty="0"/>
+            <a:endParaRPr lang="en-US"/>
           </a:p>
         </p:txBody>
       </p:sp>
@@ -292,8 +252,8 @@
           <a:lstStyle/>
           <a:p>
             <a:fld id="{48A87A34-81AB-432B-8DAE-1953F412C126}" type="datetimeFigureOut">
-              <a:rPr lang="en-US" dirty="0"/>
-              <a:t>7/4/2025</a:t>
+              <a:rPr lang="en-US" smtClean="0"/>
+              <a:t>7/5/2025</a:t>
             </a:fld>
             <a:endParaRPr lang="en-US" dirty="0"/>
           </a:p>
@@ -334,7 +294,7 @@
           <a:lstStyle/>
           <a:p>
             <a:fld id="{6D22F896-40B5-4ADD-8801-0D06FADFA095}" type="slidenum">
-              <a:rPr lang="en-US" dirty="0"/>
+              <a:rPr lang="en-US" smtClean="0"/>
               <a:t>‹#›</a:t>
             </a:fld>
             <a:endParaRPr lang="en-US" dirty="0"/>
@@ -342,6 +302,11 @@
         </p:txBody>
       </p:sp>
     </p:spTree>
+    <p:extLst>
+      <p:ext uri="{BB962C8B-B14F-4D97-AF65-F5344CB8AC3E}">
+        <p14:creationId xmlns:p14="http://schemas.microsoft.com/office/powerpoint/2010/main" val="3634956191"/>
+      </p:ext>
+    </p:extLst>
   </p:cSld>
   <p:clrMapOvr>
     <a:masterClrMapping/>
@@ -350,2695 +315,6 @@
 </file>
 
 <file path=ppt/slideLayouts/slideLayout10.xml><?xml version="1.0" encoding="utf-8"?>
-<p:sldLayout xmlns:a="http://schemas.openxmlformats.org/drawingml/2006/main" xmlns:r="http://schemas.openxmlformats.org/officeDocument/2006/relationships" xmlns:p="http://schemas.openxmlformats.org/presentationml/2006/main" preserve="1">
-  <p:cSld name="Panoramic Picture with Caption">
-    <p:spTree>
-      <p:nvGrpSpPr>
-        <p:cNvPr id="1" name=""/>
-        <p:cNvGrpSpPr/>
-        <p:nvPr/>
-      </p:nvGrpSpPr>
-      <p:grpSpPr>
-        <a:xfrm>
-          <a:off x="0" y="0"/>
-          <a:ext cx="0" cy="0"/>
-          <a:chOff x="0" y="0"/>
-          <a:chExt cx="0" cy="0"/>
-        </a:xfrm>
-      </p:grpSpPr>
-      <p:pic>
-        <p:nvPicPr>
-          <p:cNvPr id="10" name="Picture 9" descr="Droplets-HD-Content-R1d.png"/>
-          <p:cNvPicPr>
-            <a:picLocks noChangeAspect="1"/>
-          </p:cNvPicPr>
-          <p:nvPr/>
-        </p:nvPicPr>
-        <p:blipFill>
-          <a:blip r:embed="rId2">
-            <a:extLst>
-              <a:ext uri="{28A0092B-C50C-407E-A947-70E740481C1C}">
-                <a14:useLocalDpi xmlns:a14="http://schemas.microsoft.com/office/drawing/2010/main" val="0"/>
-              </a:ext>
-            </a:extLst>
-          </a:blip>
-          <a:stretch>
-            <a:fillRect/>
-          </a:stretch>
-        </p:blipFill>
-        <p:spPr>
-          <a:xfrm>
-            <a:off x="0" y="0"/>
-            <a:ext cx="12192000" cy="6858000"/>
-          </a:xfrm>
-          <a:prstGeom prst="rect">
-            <a:avLst/>
-          </a:prstGeom>
-        </p:spPr>
-      </p:pic>
-      <p:sp>
-        <p:nvSpPr>
-          <p:cNvPr id="2" name="Title 1"/>
-          <p:cNvSpPr>
-            <a:spLocks noGrp="1"/>
-          </p:cNvSpPr>
-          <p:nvPr>
-            <p:ph type="title"/>
-          </p:nvPr>
-        </p:nvSpPr>
-        <p:spPr>
-          <a:xfrm>
-            <a:off x="913794" y="4289374"/>
-            <a:ext cx="10364432" cy="811610"/>
-          </a:xfrm>
-        </p:spPr>
-        <p:txBody>
-          <a:bodyPr anchor="b"/>
-          <a:lstStyle>
-            <a:lvl1pPr>
-              <a:defRPr sz="3200"/>
-            </a:lvl1pPr>
-          </a:lstStyle>
-          <a:p>
-            <a:r>
-              <a:rPr lang="en-US" smtClean="0"/>
-              <a:t>Click to edit Master title style</a:t>
-            </a:r>
-            <a:endParaRPr lang="en-US" dirty="0"/>
-          </a:p>
-        </p:txBody>
-      </p:sp>
-      <p:sp>
-        <p:nvSpPr>
-          <p:cNvPr id="3" name="Picture Placeholder 2"/>
-          <p:cNvSpPr>
-            <a:spLocks noGrp="1" noChangeAspect="1"/>
-          </p:cNvSpPr>
-          <p:nvPr>
-            <p:ph type="pic" idx="1"/>
-          </p:nvPr>
-        </p:nvSpPr>
-        <p:spPr>
-          <a:xfrm>
-            <a:off x="1184744" y="698261"/>
-            <a:ext cx="9822532" cy="3214136"/>
-          </a:xfrm>
-          <a:prstGeom prst="roundRect">
-            <a:avLst>
-              <a:gd name="adj" fmla="val 4944"/>
-            </a:avLst>
-          </a:prstGeom>
-          <a:noFill/>
-          <a:ln w="82550" cap="sq">
-            <a:solidFill>
-              <a:schemeClr val="bg2">
-                <a:lumMod val="60000"/>
-                <a:lumOff val="40000"/>
-              </a:schemeClr>
-            </a:solidFill>
-            <a:miter lim="800000"/>
-          </a:ln>
-          <a:effectLst/>
-          <a:scene3d>
-            <a:camera prst="orthographicFront"/>
-            <a:lightRig rig="threePt" dir="t">
-              <a:rot lat="0" lon="0" rev="2700000"/>
-            </a:lightRig>
-          </a:scene3d>
-          <a:sp3d contourW="6350">
-            <a:bevelT h="38100"/>
-            <a:contourClr>
-              <a:srgbClr val="C0C0C0"/>
-            </a:contourClr>
-          </a:sp3d>
-        </p:spPr>
-        <p:txBody>
-          <a:bodyPr anchor="t"/>
-          <a:lstStyle>
-            <a:lvl1pPr marL="0" indent="0" algn="ctr">
-              <a:buNone/>
-              <a:defRPr sz="3200"/>
-            </a:lvl1pPr>
-            <a:lvl2pPr marL="457200" indent="0">
-              <a:buNone/>
-              <a:defRPr sz="2800"/>
-            </a:lvl2pPr>
-            <a:lvl3pPr marL="914400" indent="0">
-              <a:buNone/>
-              <a:defRPr sz="2400"/>
-            </a:lvl3pPr>
-            <a:lvl4pPr marL="1371600" indent="0">
-              <a:buNone/>
-              <a:defRPr sz="2000"/>
-            </a:lvl4pPr>
-            <a:lvl5pPr marL="1828800" indent="0">
-              <a:buNone/>
-              <a:defRPr sz="2000"/>
-            </a:lvl5pPr>
-            <a:lvl6pPr marL="2286000" indent="0">
-              <a:buNone/>
-              <a:defRPr sz="2000"/>
-            </a:lvl6pPr>
-            <a:lvl7pPr marL="2743200" indent="0">
-              <a:buNone/>
-              <a:defRPr sz="2000"/>
-            </a:lvl7pPr>
-            <a:lvl8pPr marL="3200400" indent="0">
-              <a:buNone/>
-              <a:defRPr sz="2000"/>
-            </a:lvl8pPr>
-            <a:lvl9pPr marL="3657600" indent="0">
-              <a:buNone/>
-              <a:defRPr sz="2000"/>
-            </a:lvl9pPr>
-          </a:lstStyle>
-          <a:p>
-            <a:r>
-              <a:rPr lang="en-US" smtClean="0"/>
-              <a:t>Click icon to add picture</a:t>
-            </a:r>
-            <a:endParaRPr lang="en-US" dirty="0"/>
-          </a:p>
-        </p:txBody>
-      </p:sp>
-      <p:sp>
-        <p:nvSpPr>
-          <p:cNvPr id="4" name="Text Placeholder 3"/>
-          <p:cNvSpPr>
-            <a:spLocks noGrp="1"/>
-          </p:cNvSpPr>
-          <p:nvPr>
-            <p:ph type="body" sz="half" idx="2"/>
-          </p:nvPr>
-        </p:nvSpPr>
-        <p:spPr>
-          <a:xfrm>
-            <a:off x="913774" y="5108728"/>
-            <a:ext cx="10364452" cy="682472"/>
-          </a:xfrm>
-        </p:spPr>
-        <p:txBody>
-          <a:bodyPr/>
-          <a:lstStyle>
-            <a:lvl1pPr marL="0" indent="0" algn="ctr">
-              <a:buNone/>
-              <a:defRPr sz="1600"/>
-            </a:lvl1pPr>
-            <a:lvl2pPr marL="457200" indent="0">
-              <a:buNone/>
-              <a:defRPr sz="1400"/>
-            </a:lvl2pPr>
-            <a:lvl3pPr marL="914400" indent="0">
-              <a:buNone/>
-              <a:defRPr sz="1200"/>
-            </a:lvl3pPr>
-            <a:lvl4pPr marL="1371600" indent="0">
-              <a:buNone/>
-              <a:defRPr sz="1000"/>
-            </a:lvl4pPr>
-            <a:lvl5pPr marL="1828800" indent="0">
-              <a:buNone/>
-              <a:defRPr sz="1000"/>
-            </a:lvl5pPr>
-            <a:lvl6pPr marL="2286000" indent="0">
-              <a:buNone/>
-              <a:defRPr sz="1000"/>
-            </a:lvl6pPr>
-            <a:lvl7pPr marL="2743200" indent="0">
-              <a:buNone/>
-              <a:defRPr sz="1000"/>
-            </a:lvl7pPr>
-            <a:lvl8pPr marL="3200400" indent="0">
-              <a:buNone/>
-              <a:defRPr sz="1000"/>
-            </a:lvl8pPr>
-            <a:lvl9pPr marL="3657600" indent="0">
-              <a:buNone/>
-              <a:defRPr sz="1000"/>
-            </a:lvl9pPr>
-          </a:lstStyle>
-          <a:p>
-            <a:pPr lvl="0"/>
-            <a:r>
-              <a:rPr lang="en-US" smtClean="0"/>
-              <a:t>Edit Master text styles</a:t>
-            </a:r>
-          </a:p>
-        </p:txBody>
-      </p:sp>
-      <p:sp>
-        <p:nvSpPr>
-          <p:cNvPr id="5" name="Date Placeholder 4"/>
-          <p:cNvSpPr>
-            <a:spLocks noGrp="1"/>
-          </p:cNvSpPr>
-          <p:nvPr>
-            <p:ph type="dt" sz="half" idx="10"/>
-          </p:nvPr>
-        </p:nvSpPr>
-        <p:spPr/>
-        <p:txBody>
-          <a:bodyPr/>
-          <a:lstStyle/>
-          <a:p>
-            <a:fld id="{48A87A34-81AB-432B-8DAE-1953F412C126}" type="datetimeFigureOut">
-              <a:rPr lang="en-US" dirty="0"/>
-              <a:t>7/4/2025</a:t>
-            </a:fld>
-            <a:endParaRPr lang="en-US" dirty="0"/>
-          </a:p>
-        </p:txBody>
-      </p:sp>
-      <p:sp>
-        <p:nvSpPr>
-          <p:cNvPr id="6" name="Footer Placeholder 5"/>
-          <p:cNvSpPr>
-            <a:spLocks noGrp="1"/>
-          </p:cNvSpPr>
-          <p:nvPr>
-            <p:ph type="ftr" sz="quarter" idx="11"/>
-          </p:nvPr>
-        </p:nvSpPr>
-        <p:spPr/>
-        <p:txBody>
-          <a:bodyPr/>
-          <a:lstStyle/>
-          <a:p>
-            <a:endParaRPr lang="en-US" dirty="0"/>
-          </a:p>
-        </p:txBody>
-      </p:sp>
-      <p:sp>
-        <p:nvSpPr>
-          <p:cNvPr id="7" name="Slide Number Placeholder 6"/>
-          <p:cNvSpPr>
-            <a:spLocks noGrp="1"/>
-          </p:cNvSpPr>
-          <p:nvPr>
-            <p:ph type="sldNum" sz="quarter" idx="12"/>
-          </p:nvPr>
-        </p:nvSpPr>
-        <p:spPr/>
-        <p:txBody>
-          <a:bodyPr/>
-          <a:lstStyle/>
-          <a:p>
-            <a:fld id="{6D22F896-40B5-4ADD-8801-0D06FADFA095}" type="slidenum">
-              <a:rPr lang="en-US" dirty="0"/>
-              <a:t>‹#›</a:t>
-            </a:fld>
-            <a:endParaRPr lang="en-US" dirty="0"/>
-          </a:p>
-        </p:txBody>
-      </p:sp>
-    </p:spTree>
-  </p:cSld>
-  <p:clrMapOvr>
-    <a:masterClrMapping/>
-  </p:clrMapOvr>
-</p:sldLayout>
-</file>
-
-<file path=ppt/slideLayouts/slideLayout11.xml><?xml version="1.0" encoding="utf-8"?>
-<p:sldLayout xmlns:a="http://schemas.openxmlformats.org/drawingml/2006/main" xmlns:r="http://schemas.openxmlformats.org/officeDocument/2006/relationships" xmlns:p="http://schemas.openxmlformats.org/presentationml/2006/main" preserve="1">
-  <p:cSld name="Title and Caption">
-    <p:spTree>
-      <p:nvGrpSpPr>
-        <p:cNvPr id="1" name=""/>
-        <p:cNvGrpSpPr/>
-        <p:nvPr/>
-      </p:nvGrpSpPr>
-      <p:grpSpPr>
-        <a:xfrm>
-          <a:off x="0" y="0"/>
-          <a:ext cx="0" cy="0"/>
-          <a:chOff x="0" y="0"/>
-          <a:chExt cx="0" cy="0"/>
-        </a:xfrm>
-      </p:grpSpPr>
-      <p:pic>
-        <p:nvPicPr>
-          <p:cNvPr id="8" name="Picture 7" descr="Droplets-HD-Content-R1d.png"/>
-          <p:cNvPicPr>
-            <a:picLocks noChangeAspect="1"/>
-          </p:cNvPicPr>
-          <p:nvPr/>
-        </p:nvPicPr>
-        <p:blipFill>
-          <a:blip r:embed="rId2">
-            <a:extLst>
-              <a:ext uri="{28A0092B-C50C-407E-A947-70E740481C1C}">
-                <a14:useLocalDpi xmlns:a14="http://schemas.microsoft.com/office/drawing/2010/main" val="0"/>
-              </a:ext>
-            </a:extLst>
-          </a:blip>
-          <a:stretch>
-            <a:fillRect/>
-          </a:stretch>
-        </p:blipFill>
-        <p:spPr>
-          <a:xfrm>
-            <a:off x="0" y="0"/>
-            <a:ext cx="12192000" cy="6858000"/>
-          </a:xfrm>
-          <a:prstGeom prst="rect">
-            <a:avLst/>
-          </a:prstGeom>
-        </p:spPr>
-      </p:pic>
-      <p:sp>
-        <p:nvSpPr>
-          <p:cNvPr id="2" name="Title 1"/>
-          <p:cNvSpPr>
-            <a:spLocks noGrp="1"/>
-          </p:cNvSpPr>
-          <p:nvPr>
-            <p:ph type="title"/>
-          </p:nvPr>
-        </p:nvSpPr>
-        <p:spPr>
-          <a:xfrm>
-            <a:off x="913774" y="609599"/>
-            <a:ext cx="10364452" cy="3427245"/>
-          </a:xfrm>
-        </p:spPr>
-        <p:txBody>
-          <a:bodyPr anchor="ctr"/>
-          <a:lstStyle>
-            <a:lvl1pPr algn="ctr">
-              <a:defRPr sz="3200"/>
-            </a:lvl1pPr>
-          </a:lstStyle>
-          <a:p>
-            <a:r>
-              <a:rPr lang="en-US" smtClean="0"/>
-              <a:t>Click to edit Master title style</a:t>
-            </a:r>
-            <a:endParaRPr lang="en-US" dirty="0"/>
-          </a:p>
-        </p:txBody>
-      </p:sp>
-      <p:sp>
-        <p:nvSpPr>
-          <p:cNvPr id="4" name="Text Placeholder 3"/>
-          <p:cNvSpPr>
-            <a:spLocks noGrp="1"/>
-          </p:cNvSpPr>
-          <p:nvPr>
-            <p:ph type="body" sz="half" idx="2"/>
-          </p:nvPr>
-        </p:nvSpPr>
-        <p:spPr>
-          <a:xfrm>
-            <a:off x="913775" y="4204821"/>
-            <a:ext cx="10364452" cy="1586380"/>
-          </a:xfrm>
-        </p:spPr>
-        <p:txBody>
-          <a:bodyPr anchor="ctr"/>
-          <a:lstStyle>
-            <a:lvl1pPr marL="0" indent="0" algn="ctr">
-              <a:buNone/>
-              <a:defRPr sz="1600"/>
-            </a:lvl1pPr>
-            <a:lvl2pPr marL="457200" indent="0">
-              <a:buNone/>
-              <a:defRPr sz="1400"/>
-            </a:lvl2pPr>
-            <a:lvl3pPr marL="914400" indent="0">
-              <a:buNone/>
-              <a:defRPr sz="1200"/>
-            </a:lvl3pPr>
-            <a:lvl4pPr marL="1371600" indent="0">
-              <a:buNone/>
-              <a:defRPr sz="1000"/>
-            </a:lvl4pPr>
-            <a:lvl5pPr marL="1828800" indent="0">
-              <a:buNone/>
-              <a:defRPr sz="1000"/>
-            </a:lvl5pPr>
-            <a:lvl6pPr marL="2286000" indent="0">
-              <a:buNone/>
-              <a:defRPr sz="1000"/>
-            </a:lvl6pPr>
-            <a:lvl7pPr marL="2743200" indent="0">
-              <a:buNone/>
-              <a:defRPr sz="1000"/>
-            </a:lvl7pPr>
-            <a:lvl8pPr marL="3200400" indent="0">
-              <a:buNone/>
-              <a:defRPr sz="1000"/>
-            </a:lvl8pPr>
-            <a:lvl9pPr marL="3657600" indent="0">
-              <a:buNone/>
-              <a:defRPr sz="1000"/>
-            </a:lvl9pPr>
-          </a:lstStyle>
-          <a:p>
-            <a:pPr lvl="0"/>
-            <a:r>
-              <a:rPr lang="en-US" smtClean="0"/>
-              <a:t>Edit Master text styles</a:t>
-            </a:r>
-          </a:p>
-        </p:txBody>
-      </p:sp>
-      <p:sp>
-        <p:nvSpPr>
-          <p:cNvPr id="5" name="Date Placeholder 4"/>
-          <p:cNvSpPr>
-            <a:spLocks noGrp="1"/>
-          </p:cNvSpPr>
-          <p:nvPr>
-            <p:ph type="dt" sz="half" idx="10"/>
-          </p:nvPr>
-        </p:nvSpPr>
-        <p:spPr/>
-        <p:txBody>
-          <a:bodyPr/>
-          <a:lstStyle/>
-          <a:p>
-            <a:fld id="{48A87A34-81AB-432B-8DAE-1953F412C126}" type="datetimeFigureOut">
-              <a:rPr lang="en-US" dirty="0"/>
-              <a:t>7/4/2025</a:t>
-            </a:fld>
-            <a:endParaRPr lang="en-US" dirty="0"/>
-          </a:p>
-        </p:txBody>
-      </p:sp>
-      <p:sp>
-        <p:nvSpPr>
-          <p:cNvPr id="6" name="Footer Placeholder 5"/>
-          <p:cNvSpPr>
-            <a:spLocks noGrp="1"/>
-          </p:cNvSpPr>
-          <p:nvPr>
-            <p:ph type="ftr" sz="quarter" idx="11"/>
-          </p:nvPr>
-        </p:nvSpPr>
-        <p:spPr/>
-        <p:txBody>
-          <a:bodyPr/>
-          <a:lstStyle/>
-          <a:p>
-            <a:endParaRPr lang="en-US" dirty="0"/>
-          </a:p>
-        </p:txBody>
-      </p:sp>
-      <p:sp>
-        <p:nvSpPr>
-          <p:cNvPr id="7" name="Slide Number Placeholder 6"/>
-          <p:cNvSpPr>
-            <a:spLocks noGrp="1"/>
-          </p:cNvSpPr>
-          <p:nvPr>
-            <p:ph type="sldNum" sz="quarter" idx="12"/>
-          </p:nvPr>
-        </p:nvSpPr>
-        <p:spPr/>
-        <p:txBody>
-          <a:bodyPr/>
-          <a:lstStyle/>
-          <a:p>
-            <a:fld id="{6D22F896-40B5-4ADD-8801-0D06FADFA095}" type="slidenum">
-              <a:rPr lang="en-US" dirty="0"/>
-              <a:t>‹#›</a:t>
-            </a:fld>
-            <a:endParaRPr lang="en-US" dirty="0"/>
-          </a:p>
-        </p:txBody>
-      </p:sp>
-    </p:spTree>
-  </p:cSld>
-  <p:clrMapOvr>
-    <a:masterClrMapping/>
-  </p:clrMapOvr>
-</p:sldLayout>
-</file>
-
-<file path=ppt/slideLayouts/slideLayout12.xml><?xml version="1.0" encoding="utf-8"?>
-<p:sldLayout xmlns:a="http://schemas.openxmlformats.org/drawingml/2006/main" xmlns:r="http://schemas.openxmlformats.org/officeDocument/2006/relationships" xmlns:p="http://schemas.openxmlformats.org/presentationml/2006/main" preserve="1">
-  <p:cSld name="Quote with Caption">
-    <p:spTree>
-      <p:nvGrpSpPr>
-        <p:cNvPr id="1" name=""/>
-        <p:cNvGrpSpPr/>
-        <p:nvPr/>
-      </p:nvGrpSpPr>
-      <p:grpSpPr>
-        <a:xfrm>
-          <a:off x="0" y="0"/>
-          <a:ext cx="0" cy="0"/>
-          <a:chOff x="0" y="0"/>
-          <a:chExt cx="0" cy="0"/>
-        </a:xfrm>
-      </p:grpSpPr>
-      <p:pic>
-        <p:nvPicPr>
-          <p:cNvPr id="11" name="Picture 10" descr="Droplets-HD-Content-R1d.png"/>
-          <p:cNvPicPr>
-            <a:picLocks noChangeAspect="1"/>
-          </p:cNvPicPr>
-          <p:nvPr/>
-        </p:nvPicPr>
-        <p:blipFill>
-          <a:blip r:embed="rId2">
-            <a:extLst>
-              <a:ext uri="{28A0092B-C50C-407E-A947-70E740481C1C}">
-                <a14:useLocalDpi xmlns:a14="http://schemas.microsoft.com/office/drawing/2010/main" val="0"/>
-              </a:ext>
-            </a:extLst>
-          </a:blip>
-          <a:stretch>
-            <a:fillRect/>
-          </a:stretch>
-        </p:blipFill>
-        <p:spPr>
-          <a:xfrm>
-            <a:off x="0" y="0"/>
-            <a:ext cx="12192000" cy="6858000"/>
-          </a:xfrm>
-          <a:prstGeom prst="rect">
-            <a:avLst/>
-          </a:prstGeom>
-        </p:spPr>
-      </p:pic>
-      <p:sp>
-        <p:nvSpPr>
-          <p:cNvPr id="2" name="Title 1"/>
-          <p:cNvSpPr>
-            <a:spLocks noGrp="1"/>
-          </p:cNvSpPr>
-          <p:nvPr>
-            <p:ph type="title"/>
-          </p:nvPr>
-        </p:nvSpPr>
-        <p:spPr>
-          <a:xfrm>
-            <a:off x="1446212" y="609600"/>
-            <a:ext cx="9302752" cy="2992904"/>
-          </a:xfrm>
-        </p:spPr>
-        <p:txBody>
-          <a:bodyPr anchor="ctr"/>
-          <a:lstStyle>
-            <a:lvl1pPr>
-              <a:defRPr sz="3200"/>
-            </a:lvl1pPr>
-          </a:lstStyle>
-          <a:p>
-            <a:r>
-              <a:rPr lang="en-US" smtClean="0"/>
-              <a:t>Click to edit Master title style</a:t>
-            </a:r>
-            <a:endParaRPr lang="en-US" dirty="0"/>
-          </a:p>
-        </p:txBody>
-      </p:sp>
-      <p:sp>
-        <p:nvSpPr>
-          <p:cNvPr id="12" name="Text Placeholder 3"/>
-          <p:cNvSpPr>
-            <a:spLocks noGrp="1"/>
-          </p:cNvSpPr>
-          <p:nvPr>
-            <p:ph type="body" sz="half" idx="13"/>
-          </p:nvPr>
-        </p:nvSpPr>
-        <p:spPr>
-          <a:xfrm>
-            <a:off x="1720644" y="3610032"/>
-            <a:ext cx="8752299" cy="594788"/>
-          </a:xfrm>
-        </p:spPr>
-        <p:txBody>
-          <a:bodyPr anchor="t">
-            <a:normAutofit/>
-          </a:bodyPr>
-          <a:lstStyle>
-            <a:lvl1pPr marL="0" indent="0">
-              <a:buNone/>
-              <a:defRPr sz="1400"/>
-            </a:lvl1pPr>
-            <a:lvl2pPr marL="457200" indent="0">
-              <a:buNone/>
-              <a:defRPr sz="1400"/>
-            </a:lvl2pPr>
-            <a:lvl3pPr marL="914400" indent="0">
-              <a:buNone/>
-              <a:defRPr sz="1200"/>
-            </a:lvl3pPr>
-            <a:lvl4pPr marL="1371600" indent="0">
-              <a:buNone/>
-              <a:defRPr sz="1000"/>
-            </a:lvl4pPr>
-            <a:lvl5pPr marL="1828800" indent="0">
-              <a:buNone/>
-              <a:defRPr sz="1000"/>
-            </a:lvl5pPr>
-            <a:lvl6pPr marL="2286000" indent="0">
-              <a:buNone/>
-              <a:defRPr sz="1000"/>
-            </a:lvl6pPr>
-            <a:lvl7pPr marL="2743200" indent="0">
-              <a:buNone/>
-              <a:defRPr sz="1000"/>
-            </a:lvl7pPr>
-            <a:lvl8pPr marL="3200400" indent="0">
-              <a:buNone/>
-              <a:defRPr sz="1000"/>
-            </a:lvl8pPr>
-            <a:lvl9pPr marL="3657600" indent="0">
-              <a:buNone/>
-              <a:defRPr sz="1000"/>
-            </a:lvl9pPr>
-          </a:lstStyle>
-          <a:p>
-            <a:pPr lvl="0"/>
-            <a:r>
-              <a:rPr lang="en-US" smtClean="0"/>
-              <a:t>Edit Master text styles</a:t>
-            </a:r>
-          </a:p>
-        </p:txBody>
-      </p:sp>
-      <p:sp>
-        <p:nvSpPr>
-          <p:cNvPr id="4" name="Text Placeholder 3"/>
-          <p:cNvSpPr>
-            <a:spLocks noGrp="1"/>
-          </p:cNvSpPr>
-          <p:nvPr>
-            <p:ph type="body" sz="half" idx="2"/>
-          </p:nvPr>
-        </p:nvSpPr>
-        <p:spPr>
-          <a:xfrm>
-            <a:off x="913774" y="4372796"/>
-            <a:ext cx="10364452" cy="1421053"/>
-          </a:xfrm>
-        </p:spPr>
-        <p:txBody>
-          <a:bodyPr anchor="ctr">
-            <a:normAutofit/>
-          </a:bodyPr>
-          <a:lstStyle>
-            <a:lvl1pPr marL="0" indent="0" algn="ctr">
-              <a:buNone/>
-              <a:defRPr sz="1600"/>
-            </a:lvl1pPr>
-            <a:lvl2pPr marL="457200" indent="0">
-              <a:buNone/>
-              <a:defRPr sz="1400"/>
-            </a:lvl2pPr>
-            <a:lvl3pPr marL="914400" indent="0">
-              <a:buNone/>
-              <a:defRPr sz="1200"/>
-            </a:lvl3pPr>
-            <a:lvl4pPr marL="1371600" indent="0">
-              <a:buNone/>
-              <a:defRPr sz="1000"/>
-            </a:lvl4pPr>
-            <a:lvl5pPr marL="1828800" indent="0">
-              <a:buNone/>
-              <a:defRPr sz="1000"/>
-            </a:lvl5pPr>
-            <a:lvl6pPr marL="2286000" indent="0">
-              <a:buNone/>
-              <a:defRPr sz="1000"/>
-            </a:lvl6pPr>
-            <a:lvl7pPr marL="2743200" indent="0">
-              <a:buNone/>
-              <a:defRPr sz="1000"/>
-            </a:lvl7pPr>
-            <a:lvl8pPr marL="3200400" indent="0">
-              <a:buNone/>
-              <a:defRPr sz="1000"/>
-            </a:lvl8pPr>
-            <a:lvl9pPr marL="3657600" indent="0">
-              <a:buNone/>
-              <a:defRPr sz="1000"/>
-            </a:lvl9pPr>
-          </a:lstStyle>
-          <a:p>
-            <a:pPr lvl="0"/>
-            <a:r>
-              <a:rPr lang="en-US" smtClean="0"/>
-              <a:t>Edit Master text styles</a:t>
-            </a:r>
-          </a:p>
-        </p:txBody>
-      </p:sp>
-      <p:sp>
-        <p:nvSpPr>
-          <p:cNvPr id="5" name="Date Placeholder 4"/>
-          <p:cNvSpPr>
-            <a:spLocks noGrp="1"/>
-          </p:cNvSpPr>
-          <p:nvPr>
-            <p:ph type="dt" sz="half" idx="10"/>
-          </p:nvPr>
-        </p:nvSpPr>
-        <p:spPr/>
-        <p:txBody>
-          <a:bodyPr/>
-          <a:lstStyle/>
-          <a:p>
-            <a:fld id="{48A87A34-81AB-432B-8DAE-1953F412C126}" type="datetimeFigureOut">
-              <a:rPr lang="en-US" dirty="0"/>
-              <a:t>7/4/2025</a:t>
-            </a:fld>
-            <a:endParaRPr lang="en-US" dirty="0"/>
-          </a:p>
-        </p:txBody>
-      </p:sp>
-      <p:sp>
-        <p:nvSpPr>
-          <p:cNvPr id="6" name="Footer Placeholder 5"/>
-          <p:cNvSpPr>
-            <a:spLocks noGrp="1"/>
-          </p:cNvSpPr>
-          <p:nvPr>
-            <p:ph type="ftr" sz="quarter" idx="11"/>
-          </p:nvPr>
-        </p:nvSpPr>
-        <p:spPr/>
-        <p:txBody>
-          <a:bodyPr/>
-          <a:lstStyle/>
-          <a:p>
-            <a:endParaRPr lang="en-US" dirty="0"/>
-          </a:p>
-        </p:txBody>
-      </p:sp>
-      <p:sp>
-        <p:nvSpPr>
-          <p:cNvPr id="7" name="Slide Number Placeholder 6"/>
-          <p:cNvSpPr>
-            <a:spLocks noGrp="1"/>
-          </p:cNvSpPr>
-          <p:nvPr>
-            <p:ph type="sldNum" sz="quarter" idx="12"/>
-          </p:nvPr>
-        </p:nvSpPr>
-        <p:spPr/>
-        <p:txBody>
-          <a:bodyPr/>
-          <a:lstStyle/>
-          <a:p>
-            <a:fld id="{6D22F896-40B5-4ADD-8801-0D06FADFA095}" type="slidenum">
-              <a:rPr lang="en-US" dirty="0"/>
-              <a:t>‹#›</a:t>
-            </a:fld>
-            <a:endParaRPr lang="en-US" dirty="0"/>
-          </a:p>
-        </p:txBody>
-      </p:sp>
-      <p:sp>
-        <p:nvSpPr>
-          <p:cNvPr id="13" name="TextBox 12"/>
-          <p:cNvSpPr txBox="1"/>
-          <p:nvPr/>
-        </p:nvSpPr>
-        <p:spPr>
-          <a:xfrm>
-            <a:off x="1001488" y="754166"/>
-            <a:ext cx="609600" cy="584776"/>
-          </a:xfrm>
-          <a:prstGeom prst="rect">
-            <a:avLst/>
-          </a:prstGeom>
-        </p:spPr>
-        <p:txBody>
-          <a:bodyPr vert="horz" lIns="91440" tIns="45720" rIns="91440" bIns="45720" rtlCol="0" anchor="ctr">
-            <a:noAutofit/>
-          </a:bodyPr>
-          <a:lstStyle>
-            <a:lvl1pPr>
-              <a:spcBef>
-                <a:spcPct val="0"/>
-              </a:spcBef>
-              <a:buNone/>
-              <a:defRPr sz="3200" b="0" cap="all">
-                <a:ln w="3175" cmpd="sng">
-                  <a:noFill/>
-                </a:ln>
-                <a:effectLst>
-                  <a:glow rad="38100">
-                    <a:schemeClr val="bg1">
-                      <a:lumMod val="65000"/>
-                      <a:lumOff val="35000"/>
-                      <a:alpha val="40000"/>
-                    </a:schemeClr>
-                  </a:glow>
-                  <a:outerShdw blurRad="28575" dist="38100" dir="14040000" algn="tl" rotWithShape="0">
-                    <a:srgbClr val="000000">
-                      <a:alpha val="25000"/>
-                    </a:srgbClr>
-                  </a:outerShdw>
-                </a:effectLst>
-              </a:defRPr>
-            </a:lvl1pPr>
-            <a:lvl2pPr>
-              <a:defRPr>
-                <a:solidFill>
-                  <a:schemeClr val="tx2"/>
-                </a:solidFill>
-              </a:defRPr>
-            </a:lvl2pPr>
-            <a:lvl3pPr>
-              <a:defRPr>
-                <a:solidFill>
-                  <a:schemeClr val="tx2"/>
-                </a:solidFill>
-              </a:defRPr>
-            </a:lvl3pPr>
-            <a:lvl4pPr>
-              <a:defRPr>
-                <a:solidFill>
-                  <a:schemeClr val="tx2"/>
-                </a:solidFill>
-              </a:defRPr>
-            </a:lvl4pPr>
-            <a:lvl5pPr>
-              <a:defRPr>
-                <a:solidFill>
-                  <a:schemeClr val="tx2"/>
-                </a:solidFill>
-              </a:defRPr>
-            </a:lvl5pPr>
-            <a:lvl6pPr>
-              <a:defRPr>
-                <a:solidFill>
-                  <a:schemeClr val="tx2"/>
-                </a:solidFill>
-              </a:defRPr>
-            </a:lvl6pPr>
-            <a:lvl7pPr>
-              <a:defRPr>
-                <a:solidFill>
-                  <a:schemeClr val="tx2"/>
-                </a:solidFill>
-              </a:defRPr>
-            </a:lvl7pPr>
-            <a:lvl8pPr>
-              <a:defRPr>
-                <a:solidFill>
-                  <a:schemeClr val="tx2"/>
-                </a:solidFill>
-              </a:defRPr>
-            </a:lvl8pPr>
-            <a:lvl9pPr>
-              <a:defRPr>
-                <a:solidFill>
-                  <a:schemeClr val="tx2"/>
-                </a:solidFill>
-              </a:defRPr>
-            </a:lvl9pPr>
-          </a:lstStyle>
-          <a:p>
-            <a:pPr lvl="0"/>
-            <a:r>
-              <a:rPr lang="en-US" sz="8000" dirty="0">
-                <a:solidFill>
-                  <a:schemeClr val="tx1"/>
-                </a:solidFill>
-                <a:effectLst/>
-              </a:rPr>
-              <a:t>“</a:t>
-            </a:r>
-          </a:p>
-        </p:txBody>
-      </p:sp>
-      <p:sp>
-        <p:nvSpPr>
-          <p:cNvPr id="14" name="TextBox 13"/>
-          <p:cNvSpPr txBox="1"/>
-          <p:nvPr/>
-        </p:nvSpPr>
-        <p:spPr>
-          <a:xfrm>
-            <a:off x="10557558" y="2993578"/>
-            <a:ext cx="609600" cy="584776"/>
-          </a:xfrm>
-          <a:prstGeom prst="rect">
-            <a:avLst/>
-          </a:prstGeom>
-        </p:spPr>
-        <p:txBody>
-          <a:bodyPr vert="horz" lIns="91440" tIns="45720" rIns="91440" bIns="45720" rtlCol="0" anchor="ctr">
-            <a:noAutofit/>
-          </a:bodyPr>
-          <a:lstStyle>
-            <a:lvl1pPr>
-              <a:spcBef>
-                <a:spcPct val="0"/>
-              </a:spcBef>
-              <a:buNone/>
-              <a:defRPr sz="3200" b="0" cap="all">
-                <a:ln w="3175" cmpd="sng">
-                  <a:noFill/>
-                </a:ln>
-                <a:effectLst>
-                  <a:glow rad="38100">
-                    <a:schemeClr val="bg1">
-                      <a:lumMod val="65000"/>
-                      <a:lumOff val="35000"/>
-                      <a:alpha val="40000"/>
-                    </a:schemeClr>
-                  </a:glow>
-                  <a:outerShdw blurRad="28575" dist="38100" dir="14040000" algn="tl" rotWithShape="0">
-                    <a:srgbClr val="000000">
-                      <a:alpha val="25000"/>
-                    </a:srgbClr>
-                  </a:outerShdw>
-                </a:effectLst>
-              </a:defRPr>
-            </a:lvl1pPr>
-            <a:lvl2pPr>
-              <a:defRPr>
-                <a:solidFill>
-                  <a:schemeClr val="tx2"/>
-                </a:solidFill>
-              </a:defRPr>
-            </a:lvl2pPr>
-            <a:lvl3pPr>
-              <a:defRPr>
-                <a:solidFill>
-                  <a:schemeClr val="tx2"/>
-                </a:solidFill>
-              </a:defRPr>
-            </a:lvl3pPr>
-            <a:lvl4pPr>
-              <a:defRPr>
-                <a:solidFill>
-                  <a:schemeClr val="tx2"/>
-                </a:solidFill>
-              </a:defRPr>
-            </a:lvl4pPr>
-            <a:lvl5pPr>
-              <a:defRPr>
-                <a:solidFill>
-                  <a:schemeClr val="tx2"/>
-                </a:solidFill>
-              </a:defRPr>
-            </a:lvl5pPr>
-            <a:lvl6pPr>
-              <a:defRPr>
-                <a:solidFill>
-                  <a:schemeClr val="tx2"/>
-                </a:solidFill>
-              </a:defRPr>
-            </a:lvl6pPr>
-            <a:lvl7pPr>
-              <a:defRPr>
-                <a:solidFill>
-                  <a:schemeClr val="tx2"/>
-                </a:solidFill>
-              </a:defRPr>
-            </a:lvl7pPr>
-            <a:lvl8pPr>
-              <a:defRPr>
-                <a:solidFill>
-                  <a:schemeClr val="tx2"/>
-                </a:solidFill>
-              </a:defRPr>
-            </a:lvl8pPr>
-            <a:lvl9pPr>
-              <a:defRPr>
-                <a:solidFill>
-                  <a:schemeClr val="tx2"/>
-                </a:solidFill>
-              </a:defRPr>
-            </a:lvl9pPr>
-          </a:lstStyle>
-          <a:p>
-            <a:pPr lvl="0" algn="r"/>
-            <a:r>
-              <a:rPr lang="en-US" sz="8000" dirty="0">
-                <a:solidFill>
-                  <a:schemeClr val="tx1"/>
-                </a:solidFill>
-                <a:effectLst/>
-              </a:rPr>
-              <a:t>”</a:t>
-            </a:r>
-          </a:p>
-        </p:txBody>
-      </p:sp>
-    </p:spTree>
-  </p:cSld>
-  <p:clrMapOvr>
-    <a:masterClrMapping/>
-  </p:clrMapOvr>
-</p:sldLayout>
-</file>
-
-<file path=ppt/slideLayouts/slideLayout13.xml><?xml version="1.0" encoding="utf-8"?>
-<p:sldLayout xmlns:a="http://schemas.openxmlformats.org/drawingml/2006/main" xmlns:r="http://schemas.openxmlformats.org/officeDocument/2006/relationships" xmlns:p="http://schemas.openxmlformats.org/presentationml/2006/main" preserve="1">
-  <p:cSld name="Name Card">
-    <p:spTree>
-      <p:nvGrpSpPr>
-        <p:cNvPr id="1" name=""/>
-        <p:cNvGrpSpPr/>
-        <p:nvPr/>
-      </p:nvGrpSpPr>
-      <p:grpSpPr>
-        <a:xfrm>
-          <a:off x="0" y="0"/>
-          <a:ext cx="0" cy="0"/>
-          <a:chOff x="0" y="0"/>
-          <a:chExt cx="0" cy="0"/>
-        </a:xfrm>
-      </p:grpSpPr>
-      <p:pic>
-        <p:nvPicPr>
-          <p:cNvPr id="8" name="Picture 7" descr="Droplets-HD-Content-R1d.png"/>
-          <p:cNvPicPr>
-            <a:picLocks noChangeAspect="1"/>
-          </p:cNvPicPr>
-          <p:nvPr/>
-        </p:nvPicPr>
-        <p:blipFill>
-          <a:blip r:embed="rId2">
-            <a:extLst>
-              <a:ext uri="{28A0092B-C50C-407E-A947-70E740481C1C}">
-                <a14:useLocalDpi xmlns:a14="http://schemas.microsoft.com/office/drawing/2010/main" val="0"/>
-              </a:ext>
-            </a:extLst>
-          </a:blip>
-          <a:stretch>
-            <a:fillRect/>
-          </a:stretch>
-        </p:blipFill>
-        <p:spPr>
-          <a:xfrm>
-            <a:off x="0" y="0"/>
-            <a:ext cx="12192000" cy="6858000"/>
-          </a:xfrm>
-          <a:prstGeom prst="rect">
-            <a:avLst/>
-          </a:prstGeom>
-        </p:spPr>
-      </p:pic>
-      <p:sp>
-        <p:nvSpPr>
-          <p:cNvPr id="2" name="Title 1"/>
-          <p:cNvSpPr>
-            <a:spLocks noGrp="1"/>
-          </p:cNvSpPr>
-          <p:nvPr>
-            <p:ph type="title"/>
-          </p:nvPr>
-        </p:nvSpPr>
-        <p:spPr>
-          <a:xfrm>
-            <a:off x="913775" y="2138721"/>
-            <a:ext cx="10364452" cy="2511835"/>
-          </a:xfrm>
-        </p:spPr>
-        <p:txBody>
-          <a:bodyPr anchor="b"/>
-          <a:lstStyle>
-            <a:lvl1pPr algn="ctr">
-              <a:defRPr sz="3200"/>
-            </a:lvl1pPr>
-          </a:lstStyle>
-          <a:p>
-            <a:r>
-              <a:rPr lang="en-US" smtClean="0"/>
-              <a:t>Click to edit Master title style</a:t>
-            </a:r>
-            <a:endParaRPr lang="en-US" dirty="0"/>
-          </a:p>
-        </p:txBody>
-      </p:sp>
-      <p:sp>
-        <p:nvSpPr>
-          <p:cNvPr id="4" name="Text Placeholder 3"/>
-          <p:cNvSpPr>
-            <a:spLocks noGrp="1"/>
-          </p:cNvSpPr>
-          <p:nvPr>
-            <p:ph type="body" sz="half" idx="2"/>
-          </p:nvPr>
-        </p:nvSpPr>
-        <p:spPr>
-          <a:xfrm>
-            <a:off x="913775" y="4662335"/>
-            <a:ext cx="10364452" cy="1140644"/>
-          </a:xfrm>
-        </p:spPr>
-        <p:txBody>
-          <a:bodyPr anchor="t"/>
-          <a:lstStyle>
-            <a:lvl1pPr marL="0" indent="0" algn="ctr">
-              <a:buNone/>
-              <a:defRPr sz="1600"/>
-            </a:lvl1pPr>
-            <a:lvl2pPr marL="457200" indent="0">
-              <a:buNone/>
-              <a:defRPr sz="1400"/>
-            </a:lvl2pPr>
-            <a:lvl3pPr marL="914400" indent="0">
-              <a:buNone/>
-              <a:defRPr sz="1200"/>
-            </a:lvl3pPr>
-            <a:lvl4pPr marL="1371600" indent="0">
-              <a:buNone/>
-              <a:defRPr sz="1000"/>
-            </a:lvl4pPr>
-            <a:lvl5pPr marL="1828800" indent="0">
-              <a:buNone/>
-              <a:defRPr sz="1000"/>
-            </a:lvl5pPr>
-            <a:lvl6pPr marL="2286000" indent="0">
-              <a:buNone/>
-              <a:defRPr sz="1000"/>
-            </a:lvl6pPr>
-            <a:lvl7pPr marL="2743200" indent="0">
-              <a:buNone/>
-              <a:defRPr sz="1000"/>
-            </a:lvl7pPr>
-            <a:lvl8pPr marL="3200400" indent="0">
-              <a:buNone/>
-              <a:defRPr sz="1000"/>
-            </a:lvl8pPr>
-            <a:lvl9pPr marL="3657600" indent="0">
-              <a:buNone/>
-              <a:defRPr sz="1000"/>
-            </a:lvl9pPr>
-          </a:lstStyle>
-          <a:p>
-            <a:pPr lvl="0"/>
-            <a:r>
-              <a:rPr lang="en-US" smtClean="0"/>
-              <a:t>Edit Master text styles</a:t>
-            </a:r>
-          </a:p>
-        </p:txBody>
-      </p:sp>
-      <p:sp>
-        <p:nvSpPr>
-          <p:cNvPr id="5" name="Date Placeholder 4"/>
-          <p:cNvSpPr>
-            <a:spLocks noGrp="1"/>
-          </p:cNvSpPr>
-          <p:nvPr>
-            <p:ph type="dt" sz="half" idx="10"/>
-          </p:nvPr>
-        </p:nvSpPr>
-        <p:spPr/>
-        <p:txBody>
-          <a:bodyPr/>
-          <a:lstStyle/>
-          <a:p>
-            <a:fld id="{48A87A34-81AB-432B-8DAE-1953F412C126}" type="datetimeFigureOut">
-              <a:rPr lang="en-US" dirty="0"/>
-              <a:t>7/4/2025</a:t>
-            </a:fld>
-            <a:endParaRPr lang="en-US" dirty="0"/>
-          </a:p>
-        </p:txBody>
-      </p:sp>
-      <p:sp>
-        <p:nvSpPr>
-          <p:cNvPr id="6" name="Footer Placeholder 5"/>
-          <p:cNvSpPr>
-            <a:spLocks noGrp="1"/>
-          </p:cNvSpPr>
-          <p:nvPr>
-            <p:ph type="ftr" sz="quarter" idx="11"/>
-          </p:nvPr>
-        </p:nvSpPr>
-        <p:spPr/>
-        <p:txBody>
-          <a:bodyPr/>
-          <a:lstStyle/>
-          <a:p>
-            <a:endParaRPr lang="en-US" dirty="0"/>
-          </a:p>
-        </p:txBody>
-      </p:sp>
-      <p:sp>
-        <p:nvSpPr>
-          <p:cNvPr id="7" name="Slide Number Placeholder 6"/>
-          <p:cNvSpPr>
-            <a:spLocks noGrp="1"/>
-          </p:cNvSpPr>
-          <p:nvPr>
-            <p:ph type="sldNum" sz="quarter" idx="12"/>
-          </p:nvPr>
-        </p:nvSpPr>
-        <p:spPr/>
-        <p:txBody>
-          <a:bodyPr/>
-          <a:lstStyle/>
-          <a:p>
-            <a:fld id="{6D22F896-40B5-4ADD-8801-0D06FADFA095}" type="slidenum">
-              <a:rPr lang="en-US" dirty="0"/>
-              <a:t>‹#›</a:t>
-            </a:fld>
-            <a:endParaRPr lang="en-US" dirty="0"/>
-          </a:p>
-        </p:txBody>
-      </p:sp>
-    </p:spTree>
-  </p:cSld>
-  <p:clrMapOvr>
-    <a:masterClrMapping/>
-  </p:clrMapOvr>
-</p:sldLayout>
-</file>
-
-<file path=ppt/slideLayouts/slideLayout14.xml><?xml version="1.0" encoding="utf-8"?>
-<p:sldLayout xmlns:a="http://schemas.openxmlformats.org/drawingml/2006/main" xmlns:r="http://schemas.openxmlformats.org/officeDocument/2006/relationships" xmlns:p="http://schemas.openxmlformats.org/presentationml/2006/main" preserve="1">
-  <p:cSld name="3 Column">
-    <p:spTree>
-      <p:nvGrpSpPr>
-        <p:cNvPr id="1" name=""/>
-        <p:cNvGrpSpPr/>
-        <p:nvPr/>
-      </p:nvGrpSpPr>
-      <p:grpSpPr>
-        <a:xfrm>
-          <a:off x="0" y="0"/>
-          <a:ext cx="0" cy="0"/>
-          <a:chOff x="0" y="0"/>
-          <a:chExt cx="0" cy="0"/>
-        </a:xfrm>
-      </p:grpSpPr>
-      <p:pic>
-        <p:nvPicPr>
-          <p:cNvPr id="13" name="Picture 12" descr="Droplets-HD-Content-R1d.png"/>
-          <p:cNvPicPr>
-            <a:picLocks noChangeAspect="1"/>
-          </p:cNvPicPr>
-          <p:nvPr/>
-        </p:nvPicPr>
-        <p:blipFill>
-          <a:blip r:embed="rId2">
-            <a:extLst>
-              <a:ext uri="{28A0092B-C50C-407E-A947-70E740481C1C}">
-                <a14:useLocalDpi xmlns:a14="http://schemas.microsoft.com/office/drawing/2010/main" val="0"/>
-              </a:ext>
-            </a:extLst>
-          </a:blip>
-          <a:stretch>
-            <a:fillRect/>
-          </a:stretch>
-        </p:blipFill>
-        <p:spPr>
-          <a:xfrm>
-            <a:off x="0" y="0"/>
-            <a:ext cx="12192000" cy="6858000"/>
-          </a:xfrm>
-          <a:prstGeom prst="rect">
-            <a:avLst/>
-          </a:prstGeom>
-        </p:spPr>
-      </p:pic>
-      <p:sp>
-        <p:nvSpPr>
-          <p:cNvPr id="15" name="Title 1"/>
-          <p:cNvSpPr>
-            <a:spLocks noGrp="1"/>
-          </p:cNvSpPr>
-          <p:nvPr>
-            <p:ph type="title"/>
-          </p:nvPr>
-        </p:nvSpPr>
-        <p:spPr>
-          <a:xfrm>
-            <a:off x="913774" y="609600"/>
-            <a:ext cx="10364452" cy="1605094"/>
-          </a:xfrm>
-        </p:spPr>
-        <p:txBody>
-          <a:bodyPr/>
-          <a:lstStyle/>
-          <a:p>
-            <a:r>
-              <a:rPr lang="en-US" smtClean="0"/>
-              <a:t>Click to edit Master title style</a:t>
-            </a:r>
-            <a:endParaRPr lang="en-US" dirty="0"/>
-          </a:p>
-        </p:txBody>
-      </p:sp>
-      <p:sp>
-        <p:nvSpPr>
-          <p:cNvPr id="7" name="Text Placeholder 2"/>
-          <p:cNvSpPr>
-            <a:spLocks noGrp="1"/>
-          </p:cNvSpPr>
-          <p:nvPr>
-            <p:ph type="body" idx="1"/>
-          </p:nvPr>
-        </p:nvSpPr>
-        <p:spPr>
-          <a:xfrm>
-            <a:off x="913774" y="2367093"/>
-            <a:ext cx="3298976" cy="576262"/>
-          </a:xfrm>
-        </p:spPr>
-        <p:txBody>
-          <a:bodyPr anchor="b">
-            <a:noAutofit/>
-          </a:bodyPr>
-          <a:lstStyle>
-            <a:lvl1pPr marL="0" indent="0" algn="ctr">
-              <a:lnSpc>
-                <a:spcPct val="85000"/>
-              </a:lnSpc>
-              <a:buNone/>
-              <a:defRPr sz="2400" b="0">
-                <a:solidFill>
-                  <a:schemeClr val="tx1"/>
-                </a:solidFill>
-              </a:defRPr>
-            </a:lvl1pPr>
-            <a:lvl2pPr marL="457200" indent="0">
-              <a:buNone/>
-              <a:defRPr sz="2000" b="1"/>
-            </a:lvl2pPr>
-            <a:lvl3pPr marL="914400" indent="0">
-              <a:buNone/>
-              <a:defRPr sz="1800" b="1"/>
-            </a:lvl3pPr>
-            <a:lvl4pPr marL="1371600" indent="0">
-              <a:buNone/>
-              <a:defRPr sz="1600" b="1"/>
-            </a:lvl4pPr>
-            <a:lvl5pPr marL="1828800" indent="0">
-              <a:buNone/>
-              <a:defRPr sz="1600" b="1"/>
-            </a:lvl5pPr>
-            <a:lvl6pPr marL="2286000" indent="0">
-              <a:buNone/>
-              <a:defRPr sz="1600" b="1"/>
-            </a:lvl6pPr>
-            <a:lvl7pPr marL="2743200" indent="0">
-              <a:buNone/>
-              <a:defRPr sz="1600" b="1"/>
-            </a:lvl7pPr>
-            <a:lvl8pPr marL="3200400" indent="0">
-              <a:buNone/>
-              <a:defRPr sz="1600" b="1"/>
-            </a:lvl8pPr>
-            <a:lvl9pPr marL="3657600" indent="0">
-              <a:buNone/>
-              <a:defRPr sz="1600" b="1"/>
-            </a:lvl9pPr>
-          </a:lstStyle>
-          <a:p>
-            <a:pPr lvl="0"/>
-            <a:r>
-              <a:rPr lang="en-US" smtClean="0"/>
-              <a:t>Edit Master text styles</a:t>
-            </a:r>
-          </a:p>
-        </p:txBody>
-      </p:sp>
-      <p:sp>
-        <p:nvSpPr>
-          <p:cNvPr id="8" name="Text Placeholder 3"/>
-          <p:cNvSpPr>
-            <a:spLocks noGrp="1"/>
-          </p:cNvSpPr>
-          <p:nvPr>
-            <p:ph type="body" sz="half" idx="15"/>
-          </p:nvPr>
-        </p:nvSpPr>
-        <p:spPr>
-          <a:xfrm>
-            <a:off x="913774" y="2943355"/>
-            <a:ext cx="3298976" cy="2847845"/>
-          </a:xfrm>
-        </p:spPr>
-        <p:txBody>
-          <a:bodyPr anchor="t">
-            <a:normAutofit/>
-          </a:bodyPr>
-          <a:lstStyle>
-            <a:lvl1pPr marL="0" indent="0" algn="ctr">
-              <a:buNone/>
-              <a:defRPr sz="1400"/>
-            </a:lvl1pPr>
-            <a:lvl2pPr marL="457200" indent="0">
-              <a:buNone/>
-              <a:defRPr sz="1200"/>
-            </a:lvl2pPr>
-            <a:lvl3pPr marL="914400" indent="0">
-              <a:buNone/>
-              <a:defRPr sz="1000"/>
-            </a:lvl3pPr>
-            <a:lvl4pPr marL="1371600" indent="0">
-              <a:buNone/>
-              <a:defRPr sz="900"/>
-            </a:lvl4pPr>
-            <a:lvl5pPr marL="1828800" indent="0">
-              <a:buNone/>
-              <a:defRPr sz="900"/>
-            </a:lvl5pPr>
-            <a:lvl6pPr marL="2286000" indent="0">
-              <a:buNone/>
-              <a:defRPr sz="900"/>
-            </a:lvl6pPr>
-            <a:lvl7pPr marL="2743200" indent="0">
-              <a:buNone/>
-              <a:defRPr sz="900"/>
-            </a:lvl7pPr>
-            <a:lvl8pPr marL="3200400" indent="0">
-              <a:buNone/>
-              <a:defRPr sz="900"/>
-            </a:lvl8pPr>
-            <a:lvl9pPr marL="3657600" indent="0">
-              <a:buNone/>
-              <a:defRPr sz="900"/>
-            </a:lvl9pPr>
-          </a:lstStyle>
-          <a:p>
-            <a:pPr lvl="0"/>
-            <a:r>
-              <a:rPr lang="en-US" smtClean="0"/>
-              <a:t>Edit Master text styles</a:t>
-            </a:r>
-          </a:p>
-        </p:txBody>
-      </p:sp>
-      <p:sp>
-        <p:nvSpPr>
-          <p:cNvPr id="9" name="Text Placeholder 4"/>
-          <p:cNvSpPr>
-            <a:spLocks noGrp="1"/>
-          </p:cNvSpPr>
-          <p:nvPr>
-            <p:ph type="body" sz="quarter" idx="3"/>
-          </p:nvPr>
-        </p:nvSpPr>
-        <p:spPr>
-          <a:xfrm>
-            <a:off x="4452389" y="2367093"/>
-            <a:ext cx="3291521" cy="576262"/>
-          </a:xfrm>
-        </p:spPr>
-        <p:txBody>
-          <a:bodyPr anchor="b">
-            <a:noAutofit/>
-          </a:bodyPr>
-          <a:lstStyle>
-            <a:lvl1pPr marL="0" indent="0" algn="ctr">
-              <a:lnSpc>
-                <a:spcPct val="85000"/>
-              </a:lnSpc>
-              <a:buNone/>
-              <a:defRPr sz="2400" b="0">
-                <a:solidFill>
-                  <a:schemeClr val="tx1"/>
-                </a:solidFill>
-              </a:defRPr>
-            </a:lvl1pPr>
-            <a:lvl2pPr marL="457200" indent="0">
-              <a:buNone/>
-              <a:defRPr sz="2000" b="1"/>
-            </a:lvl2pPr>
-            <a:lvl3pPr marL="914400" indent="0">
-              <a:buNone/>
-              <a:defRPr sz="1800" b="1"/>
-            </a:lvl3pPr>
-            <a:lvl4pPr marL="1371600" indent="0">
-              <a:buNone/>
-              <a:defRPr sz="1600" b="1"/>
-            </a:lvl4pPr>
-            <a:lvl5pPr marL="1828800" indent="0">
-              <a:buNone/>
-              <a:defRPr sz="1600" b="1"/>
-            </a:lvl5pPr>
-            <a:lvl6pPr marL="2286000" indent="0">
-              <a:buNone/>
-              <a:defRPr sz="1600" b="1"/>
-            </a:lvl6pPr>
-            <a:lvl7pPr marL="2743200" indent="0">
-              <a:buNone/>
-              <a:defRPr sz="1600" b="1"/>
-            </a:lvl7pPr>
-            <a:lvl8pPr marL="3200400" indent="0">
-              <a:buNone/>
-              <a:defRPr sz="1600" b="1"/>
-            </a:lvl8pPr>
-            <a:lvl9pPr marL="3657600" indent="0">
-              <a:buNone/>
-              <a:defRPr sz="1600" b="1"/>
-            </a:lvl9pPr>
-          </a:lstStyle>
-          <a:p>
-            <a:pPr lvl="0"/>
-            <a:r>
-              <a:rPr lang="en-US" smtClean="0"/>
-              <a:t>Edit Master text styles</a:t>
-            </a:r>
-          </a:p>
-        </p:txBody>
-      </p:sp>
-      <p:sp>
-        <p:nvSpPr>
-          <p:cNvPr id="10" name="Text Placeholder 3"/>
-          <p:cNvSpPr>
-            <a:spLocks noGrp="1"/>
-          </p:cNvSpPr>
-          <p:nvPr>
-            <p:ph type="body" sz="half" idx="16"/>
-          </p:nvPr>
-        </p:nvSpPr>
-        <p:spPr>
-          <a:xfrm>
-            <a:off x="4441348" y="2943355"/>
-            <a:ext cx="3303351" cy="2847845"/>
-          </a:xfrm>
-        </p:spPr>
-        <p:txBody>
-          <a:bodyPr anchor="t">
-            <a:normAutofit/>
-          </a:bodyPr>
-          <a:lstStyle>
-            <a:lvl1pPr marL="0" indent="0" algn="ctr">
-              <a:buNone/>
-              <a:defRPr sz="1400"/>
-            </a:lvl1pPr>
-            <a:lvl2pPr marL="457200" indent="0">
-              <a:buNone/>
-              <a:defRPr sz="1200"/>
-            </a:lvl2pPr>
-            <a:lvl3pPr marL="914400" indent="0">
-              <a:buNone/>
-              <a:defRPr sz="1000"/>
-            </a:lvl3pPr>
-            <a:lvl4pPr marL="1371600" indent="0">
-              <a:buNone/>
-              <a:defRPr sz="900"/>
-            </a:lvl4pPr>
-            <a:lvl5pPr marL="1828800" indent="0">
-              <a:buNone/>
-              <a:defRPr sz="900"/>
-            </a:lvl5pPr>
-            <a:lvl6pPr marL="2286000" indent="0">
-              <a:buNone/>
-              <a:defRPr sz="900"/>
-            </a:lvl6pPr>
-            <a:lvl7pPr marL="2743200" indent="0">
-              <a:buNone/>
-              <a:defRPr sz="900"/>
-            </a:lvl7pPr>
-            <a:lvl8pPr marL="3200400" indent="0">
-              <a:buNone/>
-              <a:defRPr sz="900"/>
-            </a:lvl8pPr>
-            <a:lvl9pPr marL="3657600" indent="0">
-              <a:buNone/>
-              <a:defRPr sz="900"/>
-            </a:lvl9pPr>
-          </a:lstStyle>
-          <a:p>
-            <a:pPr lvl="0"/>
-            <a:r>
-              <a:rPr lang="en-US" smtClean="0"/>
-              <a:t>Edit Master text styles</a:t>
-            </a:r>
-          </a:p>
-        </p:txBody>
-      </p:sp>
-      <p:sp>
-        <p:nvSpPr>
-          <p:cNvPr id="11" name="Text Placeholder 4"/>
-          <p:cNvSpPr>
-            <a:spLocks noGrp="1"/>
-          </p:cNvSpPr>
-          <p:nvPr>
-            <p:ph type="body" sz="quarter" idx="13"/>
-          </p:nvPr>
-        </p:nvSpPr>
-        <p:spPr>
-          <a:xfrm>
-            <a:off x="7973298" y="2367093"/>
-            <a:ext cx="3304928" cy="576262"/>
-          </a:xfrm>
-        </p:spPr>
-        <p:txBody>
-          <a:bodyPr anchor="b">
-            <a:noAutofit/>
-          </a:bodyPr>
-          <a:lstStyle>
-            <a:lvl1pPr marL="0" indent="0" algn="ctr">
-              <a:lnSpc>
-                <a:spcPct val="85000"/>
-              </a:lnSpc>
-              <a:buNone/>
-              <a:defRPr sz="2400" b="0">
-                <a:solidFill>
-                  <a:schemeClr val="tx1"/>
-                </a:solidFill>
-              </a:defRPr>
-            </a:lvl1pPr>
-            <a:lvl2pPr marL="457200" indent="0">
-              <a:buNone/>
-              <a:defRPr sz="2000" b="1"/>
-            </a:lvl2pPr>
-            <a:lvl3pPr marL="914400" indent="0">
-              <a:buNone/>
-              <a:defRPr sz="1800" b="1"/>
-            </a:lvl3pPr>
-            <a:lvl4pPr marL="1371600" indent="0">
-              <a:buNone/>
-              <a:defRPr sz="1600" b="1"/>
-            </a:lvl4pPr>
-            <a:lvl5pPr marL="1828800" indent="0">
-              <a:buNone/>
-              <a:defRPr sz="1600" b="1"/>
-            </a:lvl5pPr>
-            <a:lvl6pPr marL="2286000" indent="0">
-              <a:buNone/>
-              <a:defRPr sz="1600" b="1"/>
-            </a:lvl6pPr>
-            <a:lvl7pPr marL="2743200" indent="0">
-              <a:buNone/>
-              <a:defRPr sz="1600" b="1"/>
-            </a:lvl7pPr>
-            <a:lvl8pPr marL="3200400" indent="0">
-              <a:buNone/>
-              <a:defRPr sz="1600" b="1"/>
-            </a:lvl8pPr>
-            <a:lvl9pPr marL="3657600" indent="0">
-              <a:buNone/>
-              <a:defRPr sz="1600" b="1"/>
-            </a:lvl9pPr>
-          </a:lstStyle>
-          <a:p>
-            <a:pPr lvl="0"/>
-            <a:r>
-              <a:rPr lang="en-US" smtClean="0"/>
-              <a:t>Edit Master text styles</a:t>
-            </a:r>
-          </a:p>
-        </p:txBody>
-      </p:sp>
-      <p:sp>
-        <p:nvSpPr>
-          <p:cNvPr id="12" name="Text Placeholder 3"/>
-          <p:cNvSpPr>
-            <a:spLocks noGrp="1"/>
-          </p:cNvSpPr>
-          <p:nvPr>
-            <p:ph type="body" sz="half" idx="17"/>
-          </p:nvPr>
-        </p:nvSpPr>
-        <p:spPr>
-          <a:xfrm>
-            <a:off x="7973298" y="2943355"/>
-            <a:ext cx="3304928" cy="2847845"/>
-          </a:xfrm>
-        </p:spPr>
-        <p:txBody>
-          <a:bodyPr anchor="t">
-            <a:normAutofit/>
-          </a:bodyPr>
-          <a:lstStyle>
-            <a:lvl1pPr marL="0" indent="0" algn="ctr">
-              <a:buNone/>
-              <a:defRPr sz="1400"/>
-            </a:lvl1pPr>
-            <a:lvl2pPr marL="457200" indent="0">
-              <a:buNone/>
-              <a:defRPr sz="1200"/>
-            </a:lvl2pPr>
-            <a:lvl3pPr marL="914400" indent="0">
-              <a:buNone/>
-              <a:defRPr sz="1000"/>
-            </a:lvl3pPr>
-            <a:lvl4pPr marL="1371600" indent="0">
-              <a:buNone/>
-              <a:defRPr sz="900"/>
-            </a:lvl4pPr>
-            <a:lvl5pPr marL="1828800" indent="0">
-              <a:buNone/>
-              <a:defRPr sz="900"/>
-            </a:lvl5pPr>
-            <a:lvl6pPr marL="2286000" indent="0">
-              <a:buNone/>
-              <a:defRPr sz="900"/>
-            </a:lvl6pPr>
-            <a:lvl7pPr marL="2743200" indent="0">
-              <a:buNone/>
-              <a:defRPr sz="900"/>
-            </a:lvl7pPr>
-            <a:lvl8pPr marL="3200400" indent="0">
-              <a:buNone/>
-              <a:defRPr sz="900"/>
-            </a:lvl8pPr>
-            <a:lvl9pPr marL="3657600" indent="0">
-              <a:buNone/>
-              <a:defRPr sz="900"/>
-            </a:lvl9pPr>
-          </a:lstStyle>
-          <a:p>
-            <a:pPr lvl="0"/>
-            <a:r>
-              <a:rPr lang="en-US" smtClean="0"/>
-              <a:t>Edit Master text styles</a:t>
-            </a:r>
-          </a:p>
-        </p:txBody>
-      </p:sp>
-      <p:sp>
-        <p:nvSpPr>
-          <p:cNvPr id="3" name="Date Placeholder 2"/>
-          <p:cNvSpPr>
-            <a:spLocks noGrp="1"/>
-          </p:cNvSpPr>
-          <p:nvPr>
-            <p:ph type="dt" sz="half" idx="10"/>
-          </p:nvPr>
-        </p:nvSpPr>
-        <p:spPr/>
-        <p:txBody>
-          <a:bodyPr/>
-          <a:lstStyle/>
-          <a:p>
-            <a:fld id="{48A87A34-81AB-432B-8DAE-1953F412C126}" type="datetimeFigureOut">
-              <a:rPr lang="en-US" dirty="0"/>
-              <a:t>7/4/2025</a:t>
-            </a:fld>
-            <a:endParaRPr lang="en-US" dirty="0"/>
-          </a:p>
-        </p:txBody>
-      </p:sp>
-      <p:sp>
-        <p:nvSpPr>
-          <p:cNvPr id="4" name="Footer Placeholder 3"/>
-          <p:cNvSpPr>
-            <a:spLocks noGrp="1"/>
-          </p:cNvSpPr>
-          <p:nvPr>
-            <p:ph type="ftr" sz="quarter" idx="11"/>
-          </p:nvPr>
-        </p:nvSpPr>
-        <p:spPr/>
-        <p:txBody>
-          <a:bodyPr/>
-          <a:lstStyle/>
-          <a:p>
-            <a:endParaRPr lang="en-US" dirty="0"/>
-          </a:p>
-        </p:txBody>
-      </p:sp>
-      <p:sp>
-        <p:nvSpPr>
-          <p:cNvPr id="5" name="Slide Number Placeholder 4"/>
-          <p:cNvSpPr>
-            <a:spLocks noGrp="1"/>
-          </p:cNvSpPr>
-          <p:nvPr>
-            <p:ph type="sldNum" sz="quarter" idx="12"/>
-          </p:nvPr>
-        </p:nvSpPr>
-        <p:spPr/>
-        <p:txBody>
-          <a:bodyPr/>
-          <a:lstStyle/>
-          <a:p>
-            <a:fld id="{6D22F896-40B5-4ADD-8801-0D06FADFA095}" type="slidenum">
-              <a:rPr lang="en-US" dirty="0"/>
-              <a:t>‹#›</a:t>
-            </a:fld>
-            <a:endParaRPr lang="en-US" dirty="0"/>
-          </a:p>
-        </p:txBody>
-      </p:sp>
-    </p:spTree>
-  </p:cSld>
-  <p:clrMapOvr>
-    <a:masterClrMapping/>
-  </p:clrMapOvr>
-</p:sldLayout>
-</file>
-
-<file path=ppt/slideLayouts/slideLayout15.xml><?xml version="1.0" encoding="utf-8"?>
-<p:sldLayout xmlns:a="http://schemas.openxmlformats.org/drawingml/2006/main" xmlns:r="http://schemas.openxmlformats.org/officeDocument/2006/relationships" xmlns:p="http://schemas.openxmlformats.org/presentationml/2006/main" preserve="1">
-  <p:cSld name="3 Picture Column">
-    <p:spTree>
-      <p:nvGrpSpPr>
-        <p:cNvPr id="1" name=""/>
-        <p:cNvGrpSpPr/>
-        <p:nvPr/>
-      </p:nvGrpSpPr>
-      <p:grpSpPr>
-        <a:xfrm>
-          <a:off x="0" y="0"/>
-          <a:ext cx="0" cy="0"/>
-          <a:chOff x="0" y="0"/>
-          <a:chExt cx="0" cy="0"/>
-        </a:xfrm>
-      </p:grpSpPr>
-      <p:pic>
-        <p:nvPicPr>
-          <p:cNvPr id="16" name="Picture 15" descr="Droplets-HD-Content-R1d.png"/>
-          <p:cNvPicPr>
-            <a:picLocks noChangeAspect="1"/>
-          </p:cNvPicPr>
-          <p:nvPr/>
-        </p:nvPicPr>
-        <p:blipFill>
-          <a:blip r:embed="rId2">
-            <a:extLst>
-              <a:ext uri="{28A0092B-C50C-407E-A947-70E740481C1C}">
-                <a14:useLocalDpi xmlns:a14="http://schemas.microsoft.com/office/drawing/2010/main" val="0"/>
-              </a:ext>
-            </a:extLst>
-          </a:blip>
-          <a:stretch>
-            <a:fillRect/>
-          </a:stretch>
-        </p:blipFill>
-        <p:spPr>
-          <a:xfrm>
-            <a:off x="0" y="0"/>
-            <a:ext cx="12192000" cy="6858000"/>
-          </a:xfrm>
-          <a:prstGeom prst="rect">
-            <a:avLst/>
-          </a:prstGeom>
-        </p:spPr>
-      </p:pic>
-      <p:sp>
-        <p:nvSpPr>
-          <p:cNvPr id="30" name="Title 1"/>
-          <p:cNvSpPr>
-            <a:spLocks noGrp="1"/>
-          </p:cNvSpPr>
-          <p:nvPr>
-            <p:ph type="title"/>
-          </p:nvPr>
-        </p:nvSpPr>
-        <p:spPr>
-          <a:xfrm>
-            <a:off x="913774" y="610772"/>
-            <a:ext cx="10364452" cy="1603922"/>
-          </a:xfrm>
-        </p:spPr>
-        <p:txBody>
-          <a:bodyPr/>
-          <a:lstStyle/>
-          <a:p>
-            <a:r>
-              <a:rPr lang="en-US" smtClean="0"/>
-              <a:t>Click to edit Master title style</a:t>
-            </a:r>
-            <a:endParaRPr lang="en-US" dirty="0"/>
-          </a:p>
-        </p:txBody>
-      </p:sp>
-      <p:sp>
-        <p:nvSpPr>
-          <p:cNvPr id="19" name="Text Placeholder 2"/>
-          <p:cNvSpPr>
-            <a:spLocks noGrp="1"/>
-          </p:cNvSpPr>
-          <p:nvPr>
-            <p:ph type="body" idx="1"/>
-          </p:nvPr>
-        </p:nvSpPr>
-        <p:spPr>
-          <a:xfrm>
-            <a:off x="913774" y="4204820"/>
-            <a:ext cx="3296409" cy="576262"/>
-          </a:xfrm>
-        </p:spPr>
-        <p:txBody>
-          <a:bodyPr anchor="b">
-            <a:noAutofit/>
-          </a:bodyPr>
-          <a:lstStyle>
-            <a:lvl1pPr marL="0" indent="0" algn="ctr">
-              <a:lnSpc>
-                <a:spcPct val="85000"/>
-              </a:lnSpc>
-              <a:buNone/>
-              <a:defRPr sz="2200" b="0">
-                <a:solidFill>
-                  <a:schemeClr val="tx1"/>
-                </a:solidFill>
-              </a:defRPr>
-            </a:lvl1pPr>
-            <a:lvl2pPr marL="457200" indent="0">
-              <a:buNone/>
-              <a:defRPr sz="2000" b="1"/>
-            </a:lvl2pPr>
-            <a:lvl3pPr marL="914400" indent="0">
-              <a:buNone/>
-              <a:defRPr sz="1800" b="1"/>
-            </a:lvl3pPr>
-            <a:lvl4pPr marL="1371600" indent="0">
-              <a:buNone/>
-              <a:defRPr sz="1600" b="1"/>
-            </a:lvl4pPr>
-            <a:lvl5pPr marL="1828800" indent="0">
-              <a:buNone/>
-              <a:defRPr sz="1600" b="1"/>
-            </a:lvl5pPr>
-            <a:lvl6pPr marL="2286000" indent="0">
-              <a:buNone/>
-              <a:defRPr sz="1600" b="1"/>
-            </a:lvl6pPr>
-            <a:lvl7pPr marL="2743200" indent="0">
-              <a:buNone/>
-              <a:defRPr sz="1600" b="1"/>
-            </a:lvl7pPr>
-            <a:lvl8pPr marL="3200400" indent="0">
-              <a:buNone/>
-              <a:defRPr sz="1600" b="1"/>
-            </a:lvl8pPr>
-            <a:lvl9pPr marL="3657600" indent="0">
-              <a:buNone/>
-              <a:defRPr sz="1600" b="1"/>
-            </a:lvl9pPr>
-          </a:lstStyle>
-          <a:p>
-            <a:pPr lvl="0"/>
-            <a:r>
-              <a:rPr lang="en-US" smtClean="0"/>
-              <a:t>Edit Master text styles</a:t>
-            </a:r>
-          </a:p>
-        </p:txBody>
-      </p:sp>
-      <p:sp>
-        <p:nvSpPr>
-          <p:cNvPr id="20" name="Picture Placeholder 2"/>
-          <p:cNvSpPr>
-            <a:spLocks noGrp="1" noChangeAspect="1"/>
-          </p:cNvSpPr>
-          <p:nvPr>
-            <p:ph type="pic" idx="15"/>
-          </p:nvPr>
-        </p:nvSpPr>
-        <p:spPr>
-          <a:xfrm>
-            <a:off x="913774" y="2367093"/>
-            <a:ext cx="3296409" cy="1524000"/>
-          </a:xfrm>
-          <a:prstGeom prst="roundRect">
-            <a:avLst>
-              <a:gd name="adj" fmla="val 9363"/>
-            </a:avLst>
-          </a:prstGeom>
-          <a:noFill/>
-          <a:ln w="82550" cap="sq">
-            <a:solidFill>
-              <a:schemeClr val="bg2">
-                <a:lumMod val="60000"/>
-                <a:lumOff val="40000"/>
-              </a:schemeClr>
-            </a:solidFill>
-            <a:miter lim="800000"/>
-          </a:ln>
-          <a:effectLst/>
-          <a:scene3d>
-            <a:camera prst="orthographicFront"/>
-            <a:lightRig rig="threePt" dir="t">
-              <a:rot lat="0" lon="0" rev="2700000"/>
-            </a:lightRig>
-          </a:scene3d>
-          <a:sp3d contourW="6350">
-            <a:bevelT h="38100"/>
-            <a:contourClr>
-              <a:srgbClr val="C0C0C0"/>
-            </a:contourClr>
-          </a:sp3d>
-        </p:spPr>
-        <p:txBody>
-          <a:bodyPr anchor="t">
-            <a:normAutofit/>
-          </a:bodyPr>
-          <a:lstStyle>
-            <a:lvl1pPr marL="0" indent="0" algn="ctr">
-              <a:buNone/>
-              <a:defRPr sz="1600"/>
-            </a:lvl1pPr>
-            <a:lvl2pPr marL="457200" indent="0">
-              <a:buNone/>
-              <a:defRPr sz="1600"/>
-            </a:lvl2pPr>
-            <a:lvl3pPr marL="914400" indent="0">
-              <a:buNone/>
-              <a:defRPr sz="1600"/>
-            </a:lvl3pPr>
-            <a:lvl4pPr marL="1371600" indent="0">
-              <a:buNone/>
-              <a:defRPr sz="1600"/>
-            </a:lvl4pPr>
-            <a:lvl5pPr marL="1828800" indent="0">
-              <a:buNone/>
-              <a:defRPr sz="1600"/>
-            </a:lvl5pPr>
-            <a:lvl6pPr marL="2286000" indent="0">
-              <a:buNone/>
-              <a:defRPr sz="1600"/>
-            </a:lvl6pPr>
-            <a:lvl7pPr marL="2743200" indent="0">
-              <a:buNone/>
-              <a:defRPr sz="1600"/>
-            </a:lvl7pPr>
-            <a:lvl8pPr marL="3200400" indent="0">
-              <a:buNone/>
-              <a:defRPr sz="1600"/>
-            </a:lvl8pPr>
-            <a:lvl9pPr marL="3657600" indent="0">
-              <a:buNone/>
-              <a:defRPr sz="1600"/>
-            </a:lvl9pPr>
-          </a:lstStyle>
-          <a:p>
-            <a:r>
-              <a:rPr lang="en-US" smtClean="0"/>
-              <a:t>Click icon to add picture</a:t>
-            </a:r>
-            <a:endParaRPr lang="en-US" dirty="0"/>
-          </a:p>
-        </p:txBody>
-      </p:sp>
-      <p:sp>
-        <p:nvSpPr>
-          <p:cNvPr id="21" name="Text Placeholder 3"/>
-          <p:cNvSpPr>
-            <a:spLocks noGrp="1"/>
-          </p:cNvSpPr>
-          <p:nvPr>
-            <p:ph type="body" sz="half" idx="18"/>
-          </p:nvPr>
-        </p:nvSpPr>
-        <p:spPr>
-          <a:xfrm>
-            <a:off x="913774" y="4781082"/>
-            <a:ext cx="3296409" cy="1010118"/>
-          </a:xfrm>
-        </p:spPr>
-        <p:txBody>
-          <a:bodyPr anchor="t">
-            <a:normAutofit/>
-          </a:bodyPr>
-          <a:lstStyle>
-            <a:lvl1pPr marL="0" indent="0" algn="ctr">
-              <a:buNone/>
-              <a:defRPr sz="1400"/>
-            </a:lvl1pPr>
-            <a:lvl2pPr marL="457200" indent="0">
-              <a:buNone/>
-              <a:defRPr sz="1200"/>
-            </a:lvl2pPr>
-            <a:lvl3pPr marL="914400" indent="0">
-              <a:buNone/>
-              <a:defRPr sz="1000"/>
-            </a:lvl3pPr>
-            <a:lvl4pPr marL="1371600" indent="0">
-              <a:buNone/>
-              <a:defRPr sz="900"/>
-            </a:lvl4pPr>
-            <a:lvl5pPr marL="1828800" indent="0">
-              <a:buNone/>
-              <a:defRPr sz="900"/>
-            </a:lvl5pPr>
-            <a:lvl6pPr marL="2286000" indent="0">
-              <a:buNone/>
-              <a:defRPr sz="900"/>
-            </a:lvl6pPr>
-            <a:lvl7pPr marL="2743200" indent="0">
-              <a:buNone/>
-              <a:defRPr sz="900"/>
-            </a:lvl7pPr>
-            <a:lvl8pPr marL="3200400" indent="0">
-              <a:buNone/>
-              <a:defRPr sz="900"/>
-            </a:lvl8pPr>
-            <a:lvl9pPr marL="3657600" indent="0">
-              <a:buNone/>
-              <a:defRPr sz="900"/>
-            </a:lvl9pPr>
-          </a:lstStyle>
-          <a:p>
-            <a:pPr lvl="0"/>
-            <a:r>
-              <a:rPr lang="en-US" smtClean="0"/>
-              <a:t>Edit Master text styles</a:t>
-            </a:r>
-          </a:p>
-        </p:txBody>
-      </p:sp>
-      <p:sp>
-        <p:nvSpPr>
-          <p:cNvPr id="22" name="Text Placeholder 4"/>
-          <p:cNvSpPr>
-            <a:spLocks noGrp="1"/>
-          </p:cNvSpPr>
-          <p:nvPr>
-            <p:ph type="body" sz="quarter" idx="3"/>
-          </p:nvPr>
-        </p:nvSpPr>
-        <p:spPr>
-          <a:xfrm>
-            <a:off x="4442759" y="4204820"/>
-            <a:ext cx="3301828" cy="576262"/>
-          </a:xfrm>
-        </p:spPr>
-        <p:txBody>
-          <a:bodyPr anchor="b">
-            <a:noAutofit/>
-          </a:bodyPr>
-          <a:lstStyle>
-            <a:lvl1pPr marL="0" indent="0" algn="ctr">
-              <a:lnSpc>
-                <a:spcPct val="85000"/>
-              </a:lnSpc>
-              <a:buNone/>
-              <a:defRPr sz="2200" b="0">
-                <a:solidFill>
-                  <a:schemeClr val="tx1"/>
-                </a:solidFill>
-              </a:defRPr>
-            </a:lvl1pPr>
-            <a:lvl2pPr marL="457200" indent="0">
-              <a:buNone/>
-              <a:defRPr sz="2000" b="1"/>
-            </a:lvl2pPr>
-            <a:lvl3pPr marL="914400" indent="0">
-              <a:buNone/>
-              <a:defRPr sz="1800" b="1"/>
-            </a:lvl3pPr>
-            <a:lvl4pPr marL="1371600" indent="0">
-              <a:buNone/>
-              <a:defRPr sz="1600" b="1"/>
-            </a:lvl4pPr>
-            <a:lvl5pPr marL="1828800" indent="0">
-              <a:buNone/>
-              <a:defRPr sz="1600" b="1"/>
-            </a:lvl5pPr>
-            <a:lvl6pPr marL="2286000" indent="0">
-              <a:buNone/>
-              <a:defRPr sz="1600" b="1"/>
-            </a:lvl6pPr>
-            <a:lvl7pPr marL="2743200" indent="0">
-              <a:buNone/>
-              <a:defRPr sz="1600" b="1"/>
-            </a:lvl7pPr>
-            <a:lvl8pPr marL="3200400" indent="0">
-              <a:buNone/>
-              <a:defRPr sz="1600" b="1"/>
-            </a:lvl8pPr>
-            <a:lvl9pPr marL="3657600" indent="0">
-              <a:buNone/>
-              <a:defRPr sz="1600" b="1"/>
-            </a:lvl9pPr>
-          </a:lstStyle>
-          <a:p>
-            <a:pPr lvl="0"/>
-            <a:r>
-              <a:rPr lang="en-US" smtClean="0"/>
-              <a:t>Edit Master text styles</a:t>
-            </a:r>
-          </a:p>
-        </p:txBody>
-      </p:sp>
-      <p:sp>
-        <p:nvSpPr>
-          <p:cNvPr id="23" name="Picture Placeholder 2"/>
-          <p:cNvSpPr>
-            <a:spLocks noGrp="1" noChangeAspect="1"/>
-          </p:cNvSpPr>
-          <p:nvPr>
-            <p:ph type="pic" idx="21"/>
-          </p:nvPr>
-        </p:nvSpPr>
-        <p:spPr>
-          <a:xfrm>
-            <a:off x="4441348" y="2367093"/>
-            <a:ext cx="3303352" cy="1524000"/>
-          </a:xfrm>
-          <a:prstGeom prst="roundRect">
-            <a:avLst>
-              <a:gd name="adj" fmla="val 8841"/>
-            </a:avLst>
-          </a:prstGeom>
-          <a:noFill/>
-          <a:ln w="82550" cap="sq">
-            <a:solidFill>
-              <a:schemeClr val="bg2">
-                <a:lumMod val="60000"/>
-                <a:lumOff val="40000"/>
-              </a:schemeClr>
-            </a:solidFill>
-            <a:miter lim="800000"/>
-          </a:ln>
-          <a:effectLst/>
-          <a:scene3d>
-            <a:camera prst="orthographicFront"/>
-            <a:lightRig rig="threePt" dir="t">
-              <a:rot lat="0" lon="0" rev="2700000"/>
-            </a:lightRig>
-          </a:scene3d>
-          <a:sp3d contourW="6350">
-            <a:bevelT h="38100"/>
-            <a:contourClr>
-              <a:srgbClr val="C0C0C0"/>
-            </a:contourClr>
-          </a:sp3d>
-        </p:spPr>
-        <p:txBody>
-          <a:bodyPr anchor="t">
-            <a:normAutofit/>
-          </a:bodyPr>
-          <a:lstStyle>
-            <a:lvl1pPr marL="0" indent="0" algn="ctr">
-              <a:buNone/>
-              <a:defRPr sz="1600"/>
-            </a:lvl1pPr>
-            <a:lvl2pPr marL="457200" indent="0">
-              <a:buNone/>
-              <a:defRPr sz="1600"/>
-            </a:lvl2pPr>
-            <a:lvl3pPr marL="914400" indent="0">
-              <a:buNone/>
-              <a:defRPr sz="1600"/>
-            </a:lvl3pPr>
-            <a:lvl4pPr marL="1371600" indent="0">
-              <a:buNone/>
-              <a:defRPr sz="1600"/>
-            </a:lvl4pPr>
-            <a:lvl5pPr marL="1828800" indent="0">
-              <a:buNone/>
-              <a:defRPr sz="1600"/>
-            </a:lvl5pPr>
-            <a:lvl6pPr marL="2286000" indent="0">
-              <a:buNone/>
-              <a:defRPr sz="1600"/>
-            </a:lvl6pPr>
-            <a:lvl7pPr marL="2743200" indent="0">
-              <a:buNone/>
-              <a:defRPr sz="1600"/>
-            </a:lvl7pPr>
-            <a:lvl8pPr marL="3200400" indent="0">
-              <a:buNone/>
-              <a:defRPr sz="1600"/>
-            </a:lvl8pPr>
-            <a:lvl9pPr marL="3657600" indent="0">
-              <a:buNone/>
-              <a:defRPr sz="1600"/>
-            </a:lvl9pPr>
-          </a:lstStyle>
-          <a:p>
-            <a:r>
-              <a:rPr lang="en-US" smtClean="0"/>
-              <a:t>Click icon to add picture</a:t>
-            </a:r>
-            <a:endParaRPr lang="en-US" dirty="0"/>
-          </a:p>
-        </p:txBody>
-      </p:sp>
-      <p:sp>
-        <p:nvSpPr>
-          <p:cNvPr id="24" name="Text Placeholder 3"/>
-          <p:cNvSpPr>
-            <a:spLocks noGrp="1"/>
-          </p:cNvSpPr>
-          <p:nvPr>
-            <p:ph type="body" sz="half" idx="19"/>
-          </p:nvPr>
-        </p:nvSpPr>
-        <p:spPr>
-          <a:xfrm>
-            <a:off x="4441348" y="4781080"/>
-            <a:ext cx="3303352" cy="1010119"/>
-          </a:xfrm>
-        </p:spPr>
-        <p:txBody>
-          <a:bodyPr anchor="t">
-            <a:normAutofit/>
-          </a:bodyPr>
-          <a:lstStyle>
-            <a:lvl1pPr marL="0" indent="0" algn="ctr">
-              <a:buNone/>
-              <a:defRPr sz="1400"/>
-            </a:lvl1pPr>
-            <a:lvl2pPr marL="457200" indent="0">
-              <a:buNone/>
-              <a:defRPr sz="1200"/>
-            </a:lvl2pPr>
-            <a:lvl3pPr marL="914400" indent="0">
-              <a:buNone/>
-              <a:defRPr sz="1000"/>
-            </a:lvl3pPr>
-            <a:lvl4pPr marL="1371600" indent="0">
-              <a:buNone/>
-              <a:defRPr sz="900"/>
-            </a:lvl4pPr>
-            <a:lvl5pPr marL="1828800" indent="0">
-              <a:buNone/>
-              <a:defRPr sz="900"/>
-            </a:lvl5pPr>
-            <a:lvl6pPr marL="2286000" indent="0">
-              <a:buNone/>
-              <a:defRPr sz="900"/>
-            </a:lvl6pPr>
-            <a:lvl7pPr marL="2743200" indent="0">
-              <a:buNone/>
-              <a:defRPr sz="900"/>
-            </a:lvl7pPr>
-            <a:lvl8pPr marL="3200400" indent="0">
-              <a:buNone/>
-              <a:defRPr sz="900"/>
-            </a:lvl8pPr>
-            <a:lvl9pPr marL="3657600" indent="0">
-              <a:buNone/>
-              <a:defRPr sz="900"/>
-            </a:lvl9pPr>
-          </a:lstStyle>
-          <a:p>
-            <a:pPr lvl="0"/>
-            <a:r>
-              <a:rPr lang="en-US" smtClean="0"/>
-              <a:t>Edit Master text styles</a:t>
-            </a:r>
-          </a:p>
-        </p:txBody>
-      </p:sp>
-      <p:sp>
-        <p:nvSpPr>
-          <p:cNvPr id="25" name="Text Placeholder 4"/>
-          <p:cNvSpPr>
-            <a:spLocks noGrp="1"/>
-          </p:cNvSpPr>
-          <p:nvPr>
-            <p:ph type="body" sz="quarter" idx="13"/>
-          </p:nvPr>
-        </p:nvSpPr>
-        <p:spPr>
-          <a:xfrm>
-            <a:off x="7973298" y="4204820"/>
-            <a:ext cx="3300681" cy="576262"/>
-          </a:xfrm>
-        </p:spPr>
-        <p:txBody>
-          <a:bodyPr anchor="b">
-            <a:noAutofit/>
-          </a:bodyPr>
-          <a:lstStyle>
-            <a:lvl1pPr marL="0" indent="0" algn="ctr">
-              <a:lnSpc>
-                <a:spcPct val="85000"/>
-              </a:lnSpc>
-              <a:buNone/>
-              <a:defRPr sz="2200" b="0">
-                <a:solidFill>
-                  <a:schemeClr val="tx1"/>
-                </a:solidFill>
-              </a:defRPr>
-            </a:lvl1pPr>
-            <a:lvl2pPr marL="457200" indent="0">
-              <a:buNone/>
-              <a:defRPr sz="2000" b="1"/>
-            </a:lvl2pPr>
-            <a:lvl3pPr marL="914400" indent="0">
-              <a:buNone/>
-              <a:defRPr sz="1800" b="1"/>
-            </a:lvl3pPr>
-            <a:lvl4pPr marL="1371600" indent="0">
-              <a:buNone/>
-              <a:defRPr sz="1600" b="1"/>
-            </a:lvl4pPr>
-            <a:lvl5pPr marL="1828800" indent="0">
-              <a:buNone/>
-              <a:defRPr sz="1600" b="1"/>
-            </a:lvl5pPr>
-            <a:lvl6pPr marL="2286000" indent="0">
-              <a:buNone/>
-              <a:defRPr sz="1600" b="1"/>
-            </a:lvl6pPr>
-            <a:lvl7pPr marL="2743200" indent="0">
-              <a:buNone/>
-              <a:defRPr sz="1600" b="1"/>
-            </a:lvl7pPr>
-            <a:lvl8pPr marL="3200400" indent="0">
-              <a:buNone/>
-              <a:defRPr sz="1600" b="1"/>
-            </a:lvl8pPr>
-            <a:lvl9pPr marL="3657600" indent="0">
-              <a:buNone/>
-              <a:defRPr sz="1600" b="1"/>
-            </a:lvl9pPr>
-          </a:lstStyle>
-          <a:p>
-            <a:pPr lvl="0"/>
-            <a:r>
-              <a:rPr lang="en-US" smtClean="0"/>
-              <a:t>Edit Master text styles</a:t>
-            </a:r>
-          </a:p>
-        </p:txBody>
-      </p:sp>
-      <p:sp>
-        <p:nvSpPr>
-          <p:cNvPr id="26" name="Picture Placeholder 2"/>
-          <p:cNvSpPr>
-            <a:spLocks noGrp="1" noChangeAspect="1"/>
-          </p:cNvSpPr>
-          <p:nvPr>
-            <p:ph type="pic" idx="22"/>
-          </p:nvPr>
-        </p:nvSpPr>
-        <p:spPr>
-          <a:xfrm>
-            <a:off x="7973298" y="2367093"/>
-            <a:ext cx="3304928" cy="1524000"/>
-          </a:xfrm>
-          <a:prstGeom prst="roundRect">
-            <a:avLst>
-              <a:gd name="adj" fmla="val 8841"/>
-            </a:avLst>
-          </a:prstGeom>
-          <a:noFill/>
-          <a:ln w="82550" cap="sq">
-            <a:solidFill>
-              <a:schemeClr val="bg2">
-                <a:lumMod val="60000"/>
-                <a:lumOff val="40000"/>
-              </a:schemeClr>
-            </a:solidFill>
-            <a:miter lim="800000"/>
-          </a:ln>
-          <a:effectLst/>
-          <a:scene3d>
-            <a:camera prst="orthographicFront"/>
-            <a:lightRig rig="threePt" dir="t">
-              <a:rot lat="0" lon="0" rev="2700000"/>
-            </a:lightRig>
-          </a:scene3d>
-          <a:sp3d contourW="6350">
-            <a:bevelT h="38100"/>
-            <a:contourClr>
-              <a:srgbClr val="C0C0C0"/>
-            </a:contourClr>
-          </a:sp3d>
-        </p:spPr>
-        <p:txBody>
-          <a:bodyPr anchor="t">
-            <a:normAutofit/>
-          </a:bodyPr>
-          <a:lstStyle>
-            <a:lvl1pPr marL="0" indent="0" algn="ctr">
-              <a:buNone/>
-              <a:defRPr sz="1600"/>
-            </a:lvl1pPr>
-            <a:lvl2pPr marL="457200" indent="0">
-              <a:buNone/>
-              <a:defRPr sz="1600"/>
-            </a:lvl2pPr>
-            <a:lvl3pPr marL="914400" indent="0">
-              <a:buNone/>
-              <a:defRPr sz="1600"/>
-            </a:lvl3pPr>
-            <a:lvl4pPr marL="1371600" indent="0">
-              <a:buNone/>
-              <a:defRPr sz="1600"/>
-            </a:lvl4pPr>
-            <a:lvl5pPr marL="1828800" indent="0">
-              <a:buNone/>
-              <a:defRPr sz="1600"/>
-            </a:lvl5pPr>
-            <a:lvl6pPr marL="2286000" indent="0">
-              <a:buNone/>
-              <a:defRPr sz="1600"/>
-            </a:lvl6pPr>
-            <a:lvl7pPr marL="2743200" indent="0">
-              <a:buNone/>
-              <a:defRPr sz="1600"/>
-            </a:lvl7pPr>
-            <a:lvl8pPr marL="3200400" indent="0">
-              <a:buNone/>
-              <a:defRPr sz="1600"/>
-            </a:lvl8pPr>
-            <a:lvl9pPr marL="3657600" indent="0">
-              <a:buNone/>
-              <a:defRPr sz="1600"/>
-            </a:lvl9pPr>
-          </a:lstStyle>
-          <a:p>
-            <a:r>
-              <a:rPr lang="en-US" smtClean="0"/>
-              <a:t>Click icon to add picture</a:t>
-            </a:r>
-            <a:endParaRPr lang="en-US" dirty="0"/>
-          </a:p>
-        </p:txBody>
-      </p:sp>
-      <p:sp>
-        <p:nvSpPr>
-          <p:cNvPr id="27" name="Text Placeholder 3"/>
-          <p:cNvSpPr>
-            <a:spLocks noGrp="1"/>
-          </p:cNvSpPr>
-          <p:nvPr>
-            <p:ph type="body" sz="half" idx="20"/>
-          </p:nvPr>
-        </p:nvSpPr>
-        <p:spPr>
-          <a:xfrm>
-            <a:off x="7973173" y="4781078"/>
-            <a:ext cx="3305053" cy="1010121"/>
-          </a:xfrm>
-        </p:spPr>
-        <p:txBody>
-          <a:bodyPr anchor="t">
-            <a:normAutofit/>
-          </a:bodyPr>
-          <a:lstStyle>
-            <a:lvl1pPr marL="0" indent="0" algn="ctr">
-              <a:buNone/>
-              <a:defRPr sz="1400"/>
-            </a:lvl1pPr>
-            <a:lvl2pPr marL="457200" indent="0">
-              <a:buNone/>
-              <a:defRPr sz="1200"/>
-            </a:lvl2pPr>
-            <a:lvl3pPr marL="914400" indent="0">
-              <a:buNone/>
-              <a:defRPr sz="1000"/>
-            </a:lvl3pPr>
-            <a:lvl4pPr marL="1371600" indent="0">
-              <a:buNone/>
-              <a:defRPr sz="900"/>
-            </a:lvl4pPr>
-            <a:lvl5pPr marL="1828800" indent="0">
-              <a:buNone/>
-              <a:defRPr sz="900"/>
-            </a:lvl5pPr>
-            <a:lvl6pPr marL="2286000" indent="0">
-              <a:buNone/>
-              <a:defRPr sz="900"/>
-            </a:lvl6pPr>
-            <a:lvl7pPr marL="2743200" indent="0">
-              <a:buNone/>
-              <a:defRPr sz="900"/>
-            </a:lvl7pPr>
-            <a:lvl8pPr marL="3200400" indent="0">
-              <a:buNone/>
-              <a:defRPr sz="900"/>
-            </a:lvl8pPr>
-            <a:lvl9pPr marL="3657600" indent="0">
-              <a:buNone/>
-              <a:defRPr sz="900"/>
-            </a:lvl9pPr>
-          </a:lstStyle>
-          <a:p>
-            <a:pPr lvl="0"/>
-            <a:r>
-              <a:rPr lang="en-US" smtClean="0"/>
-              <a:t>Edit Master text styles</a:t>
-            </a:r>
-          </a:p>
-        </p:txBody>
-      </p:sp>
-      <p:sp>
-        <p:nvSpPr>
-          <p:cNvPr id="3" name="Date Placeholder 2"/>
-          <p:cNvSpPr>
-            <a:spLocks noGrp="1"/>
-          </p:cNvSpPr>
-          <p:nvPr>
-            <p:ph type="dt" sz="half" idx="10"/>
-          </p:nvPr>
-        </p:nvSpPr>
-        <p:spPr/>
-        <p:txBody>
-          <a:bodyPr/>
-          <a:lstStyle/>
-          <a:p>
-            <a:fld id="{48A87A34-81AB-432B-8DAE-1953F412C126}" type="datetimeFigureOut">
-              <a:rPr lang="en-US" dirty="0"/>
-              <a:t>7/4/2025</a:t>
-            </a:fld>
-            <a:endParaRPr lang="en-US" dirty="0"/>
-          </a:p>
-        </p:txBody>
-      </p:sp>
-      <p:sp>
-        <p:nvSpPr>
-          <p:cNvPr id="4" name="Footer Placeholder 3"/>
-          <p:cNvSpPr>
-            <a:spLocks noGrp="1"/>
-          </p:cNvSpPr>
-          <p:nvPr>
-            <p:ph type="ftr" sz="quarter" idx="11"/>
-          </p:nvPr>
-        </p:nvSpPr>
-        <p:spPr/>
-        <p:txBody>
-          <a:bodyPr/>
-          <a:lstStyle/>
-          <a:p>
-            <a:endParaRPr lang="en-US" dirty="0"/>
-          </a:p>
-        </p:txBody>
-      </p:sp>
-      <p:sp>
-        <p:nvSpPr>
-          <p:cNvPr id="5" name="Slide Number Placeholder 4"/>
-          <p:cNvSpPr>
-            <a:spLocks noGrp="1"/>
-          </p:cNvSpPr>
-          <p:nvPr>
-            <p:ph type="sldNum" sz="quarter" idx="12"/>
-          </p:nvPr>
-        </p:nvSpPr>
-        <p:spPr/>
-        <p:txBody>
-          <a:bodyPr/>
-          <a:lstStyle/>
-          <a:p>
-            <a:fld id="{6D22F896-40B5-4ADD-8801-0D06FADFA095}" type="slidenum">
-              <a:rPr lang="en-US" dirty="0"/>
-              <a:t>‹#›</a:t>
-            </a:fld>
-            <a:endParaRPr lang="en-US" dirty="0"/>
-          </a:p>
-        </p:txBody>
-      </p:sp>
-    </p:spTree>
-  </p:cSld>
-  <p:clrMapOvr>
-    <a:masterClrMapping/>
-  </p:clrMapOvr>
-</p:sldLayout>
-</file>
-
-<file path=ppt/slideLayouts/slideLayout16.xml><?xml version="1.0" encoding="utf-8"?>
 <p:sldLayout xmlns:a="http://schemas.openxmlformats.org/drawingml/2006/main" xmlns:r="http://schemas.openxmlformats.org/officeDocument/2006/relationships" xmlns:p="http://schemas.openxmlformats.org/presentationml/2006/main" type="vertTx" preserve="1">
   <p:cSld name="Title and Vertical Text">
     <p:spTree>
@@ -3055,36 +331,6 @@
           <a:chExt cx="0" cy="0"/>
         </a:xfrm>
       </p:grpSpPr>
-      <p:pic>
-        <p:nvPicPr>
-          <p:cNvPr id="8" name="Picture 7" descr="Droplets-HD-Content-R1d.png"/>
-          <p:cNvPicPr>
-            <a:picLocks noChangeAspect="1"/>
-          </p:cNvPicPr>
-          <p:nvPr/>
-        </p:nvPicPr>
-        <p:blipFill>
-          <a:blip r:embed="rId2">
-            <a:extLst>
-              <a:ext uri="{28A0092B-C50C-407E-A947-70E740481C1C}">
-                <a14:useLocalDpi xmlns:a14="http://schemas.microsoft.com/office/drawing/2010/main" val="0"/>
-              </a:ext>
-            </a:extLst>
-          </a:blip>
-          <a:stretch>
-            <a:fillRect/>
-          </a:stretch>
-        </p:blipFill>
-        <p:spPr>
-          <a:xfrm>
-            <a:off x="0" y="0"/>
-            <a:ext cx="12192000" cy="6858000"/>
-          </a:xfrm>
-          <a:prstGeom prst="rect">
-            <a:avLst/>
-          </a:prstGeom>
-        </p:spPr>
-      </p:pic>
       <p:sp>
         <p:nvSpPr>
           <p:cNvPr id="2" name="Title 1"/>
@@ -3104,26 +350,21 @@
               <a:rPr lang="en-US" smtClean="0"/>
               <a:t>Click to edit Master title style</a:t>
             </a:r>
-            <a:endParaRPr lang="en-US" dirty="0"/>
+            <a:endParaRPr lang="en-US"/>
           </a:p>
         </p:txBody>
       </p:sp>
       <p:sp>
         <p:nvSpPr>
-          <p:cNvPr id="11" name="Vertical Text Placeholder 2"/>
+          <p:cNvPr id="3" name="Vertical Text Placeholder 2"/>
           <p:cNvSpPr>
             <a:spLocks noGrp="1"/>
           </p:cNvSpPr>
           <p:nvPr>
-            <p:ph type="body" orient="vert" sz="quarter" idx="13"/>
+            <p:ph type="body" orient="vert" idx="1"/>
           </p:nvPr>
         </p:nvSpPr>
-        <p:spPr>
-          <a:xfrm>
-            <a:off x="913775" y="2367093"/>
-            <a:ext cx="10364452" cy="3424107"/>
-          </a:xfrm>
-        </p:spPr>
+        <p:spPr/>
         <p:txBody>
           <a:bodyPr vert="eaVert"/>
           <a:lstStyle/>
@@ -3161,7 +402,7 @@
               <a:rPr lang="en-US" smtClean="0"/>
               <a:t>Fifth level</a:t>
             </a:r>
-            <a:endParaRPr lang="en-US" dirty="0"/>
+            <a:endParaRPr lang="en-US"/>
           </a:p>
         </p:txBody>
       </p:sp>
@@ -3181,8 +422,8 @@
           <a:lstStyle/>
           <a:p>
             <a:fld id="{48A87A34-81AB-432B-8DAE-1953F412C126}" type="datetimeFigureOut">
-              <a:rPr lang="en-US" dirty="0"/>
-              <a:t>7/4/2025</a:t>
+              <a:rPr lang="en-US" smtClean="0"/>
+              <a:t>7/5/2025</a:t>
             </a:fld>
             <a:endParaRPr lang="en-US" dirty="0"/>
           </a:p>
@@ -3223,7 +464,7 @@
           <a:lstStyle/>
           <a:p>
             <a:fld id="{6D22F896-40B5-4ADD-8801-0D06FADFA095}" type="slidenum">
-              <a:rPr lang="en-US" dirty="0"/>
+              <a:rPr lang="en-US" smtClean="0"/>
               <a:t>‹#›</a:t>
             </a:fld>
             <a:endParaRPr lang="en-US" dirty="0"/>
@@ -3231,6 +472,11 @@
         </p:txBody>
       </p:sp>
     </p:spTree>
+    <p:extLst>
+      <p:ext uri="{BB962C8B-B14F-4D97-AF65-F5344CB8AC3E}">
+        <p14:creationId xmlns:p14="http://schemas.microsoft.com/office/powerpoint/2010/main" val="2907528548"/>
+      </p:ext>
+    </p:extLst>
   </p:cSld>
   <p:clrMapOvr>
     <a:masterClrMapping/>
@@ -3238,7 +484,7 @@
 </p:sldLayout>
 </file>
 
-<file path=ppt/slideLayouts/slideLayout17.xml><?xml version="1.0" encoding="utf-8"?>
+<file path=ppt/slideLayouts/slideLayout11.xml><?xml version="1.0" encoding="utf-8"?>
 <p:sldLayout xmlns:a="http://schemas.openxmlformats.org/drawingml/2006/main" xmlns:r="http://schemas.openxmlformats.org/officeDocument/2006/relationships" xmlns:p="http://schemas.openxmlformats.org/presentationml/2006/main" type="vertTitleAndTx" preserve="1">
   <p:cSld name="Vertical Title and Text">
     <p:spTree>
@@ -3255,36 +501,6 @@
           <a:chExt cx="0" cy="0"/>
         </a:xfrm>
       </p:grpSpPr>
-      <p:pic>
-        <p:nvPicPr>
-          <p:cNvPr id="9" name="Picture 8" descr="Droplets-HD-Content-R1d.png"/>
-          <p:cNvPicPr>
-            <a:picLocks noChangeAspect="1"/>
-          </p:cNvPicPr>
-          <p:nvPr/>
-        </p:nvPicPr>
-        <p:blipFill>
-          <a:blip r:embed="rId2">
-            <a:extLst>
-              <a:ext uri="{28A0092B-C50C-407E-A947-70E740481C1C}">
-                <a14:useLocalDpi xmlns:a14="http://schemas.microsoft.com/office/drawing/2010/main" val="0"/>
-              </a:ext>
-            </a:extLst>
-          </a:blip>
-          <a:stretch>
-            <a:fillRect/>
-          </a:stretch>
-        </p:blipFill>
-        <p:spPr>
-          <a:xfrm>
-            <a:off x="0" y="0"/>
-            <a:ext cx="12192000" cy="6858000"/>
-          </a:xfrm>
-          <a:prstGeom prst="rect">
-            <a:avLst/>
-          </a:prstGeom>
-        </p:spPr>
-      </p:pic>
       <p:sp>
         <p:nvSpPr>
           <p:cNvPr id="2" name="Vertical Title 1"/>
@@ -3297,46 +513,42 @@
         </p:nvSpPr>
         <p:spPr>
           <a:xfrm>
-            <a:off x="8724900" y="609601"/>
-            <a:ext cx="2553326" cy="5181599"/>
-          </a:xfrm>
-        </p:spPr>
-        <p:txBody>
-          <a:bodyPr vert="eaVert"/>
-          <a:lstStyle>
-            <a:lvl1pPr algn="l">
-              <a:defRPr/>
-            </a:lvl1pPr>
-          </a:lstStyle>
-          <a:p>
-            <a:r>
-              <a:rPr lang="en-US" smtClean="0"/>
-              <a:t>Click to edit Master title style</a:t>
-            </a:r>
-            <a:endParaRPr lang="en-US" dirty="0"/>
-          </a:p>
-        </p:txBody>
-      </p:sp>
-      <p:sp>
-        <p:nvSpPr>
-          <p:cNvPr id="8" name="Vertical Text Placeholder 2"/>
-          <p:cNvSpPr>
-            <a:spLocks noGrp="1"/>
-          </p:cNvSpPr>
-          <p:nvPr>
-            <p:ph type="body" orient="vert" sz="quarter" idx="13"/>
-          </p:nvPr>
-        </p:nvSpPr>
-        <p:spPr>
-          <a:xfrm>
-            <a:off x="913775" y="609601"/>
-            <a:ext cx="7658724" cy="5181599"/>
+            <a:off x="8724900" y="365125"/>
+            <a:ext cx="2628900" cy="5811838"/>
           </a:xfrm>
         </p:spPr>
         <p:txBody>
           <a:bodyPr vert="eaVert"/>
           <a:lstStyle/>
           <a:p>
+            <a:r>
+              <a:rPr lang="en-US" smtClean="0"/>
+              <a:t>Click to edit Master title style</a:t>
+            </a:r>
+            <a:endParaRPr lang="en-US"/>
+          </a:p>
+        </p:txBody>
+      </p:sp>
+      <p:sp>
+        <p:nvSpPr>
+          <p:cNvPr id="3" name="Vertical Text Placeholder 2"/>
+          <p:cNvSpPr>
+            <a:spLocks noGrp="1"/>
+          </p:cNvSpPr>
+          <p:nvPr>
+            <p:ph type="body" orient="vert" idx="1"/>
+          </p:nvPr>
+        </p:nvSpPr>
+        <p:spPr>
+          <a:xfrm>
+            <a:off x="838200" y="365125"/>
+            <a:ext cx="7734300" cy="5811838"/>
+          </a:xfrm>
+        </p:spPr>
+        <p:txBody>
+          <a:bodyPr vert="eaVert"/>
+          <a:lstStyle/>
+          <a:p>
             <a:pPr lvl="0"/>
             <a:r>
               <a:rPr lang="en-US" smtClean="0"/>
@@ -3370,7 +582,7 @@
               <a:rPr lang="en-US" smtClean="0"/>
               <a:t>Fifth level</a:t>
             </a:r>
-            <a:endParaRPr lang="en-US" dirty="0"/>
+            <a:endParaRPr lang="en-US"/>
           </a:p>
         </p:txBody>
       </p:sp>
@@ -3390,8 +602,8 @@
           <a:lstStyle/>
           <a:p>
             <a:fld id="{48A87A34-81AB-432B-8DAE-1953F412C126}" type="datetimeFigureOut">
-              <a:rPr lang="en-US" dirty="0"/>
-              <a:t>7/4/2025</a:t>
+              <a:rPr lang="en-US" smtClean="0"/>
+              <a:t>7/5/2025</a:t>
             </a:fld>
             <a:endParaRPr lang="en-US" dirty="0"/>
           </a:p>
@@ -3432,7 +644,7 @@
           <a:lstStyle/>
           <a:p>
             <a:fld id="{6D22F896-40B5-4ADD-8801-0D06FADFA095}" type="slidenum">
-              <a:rPr lang="en-US" dirty="0"/>
+              <a:rPr lang="en-US" smtClean="0"/>
               <a:t>‹#›</a:t>
             </a:fld>
             <a:endParaRPr lang="en-US" dirty="0"/>
@@ -3440,6 +652,11 @@
         </p:txBody>
       </p:sp>
     </p:spTree>
+    <p:extLst>
+      <p:ext uri="{BB962C8B-B14F-4D97-AF65-F5344CB8AC3E}">
+        <p14:creationId xmlns:p14="http://schemas.microsoft.com/office/powerpoint/2010/main" val="1139675391"/>
+      </p:ext>
+    </p:extLst>
   </p:cSld>
   <p:clrMapOvr>
     <a:masterClrMapping/>
@@ -3464,36 +681,6 @@
           <a:chExt cx="0" cy="0"/>
         </a:xfrm>
       </p:grpSpPr>
-      <p:pic>
-        <p:nvPicPr>
-          <p:cNvPr id="3" name="Picture 2" descr="Droplets-HD-Content-R1d.png"/>
-          <p:cNvPicPr>
-            <a:picLocks noChangeAspect="1"/>
-          </p:cNvPicPr>
-          <p:nvPr/>
-        </p:nvPicPr>
-        <p:blipFill>
-          <a:blip r:embed="rId2">
-            <a:extLst>
-              <a:ext uri="{28A0092B-C50C-407E-A947-70E740481C1C}">
-                <a14:useLocalDpi xmlns:a14="http://schemas.microsoft.com/office/drawing/2010/main" val="0"/>
-              </a:ext>
-            </a:extLst>
-          </a:blip>
-          <a:stretch>
-            <a:fillRect/>
-          </a:stretch>
-        </p:blipFill>
-        <p:spPr>
-          <a:xfrm>
-            <a:off x="0" y="0"/>
-            <a:ext cx="12192000" cy="6858000"/>
-          </a:xfrm>
-          <a:prstGeom prst="rect">
-            <a:avLst/>
-          </a:prstGeom>
-        </p:spPr>
-      </p:pic>
       <p:sp>
         <p:nvSpPr>
           <p:cNvPr id="2" name="Title 1"/>
@@ -3513,26 +700,21 @@
               <a:rPr lang="en-US" smtClean="0"/>
               <a:t>Click to edit Master title style</a:t>
             </a:r>
-            <a:endParaRPr lang="en-US" dirty="0"/>
+            <a:endParaRPr lang="en-US"/>
           </a:p>
         </p:txBody>
       </p:sp>
       <p:sp>
         <p:nvSpPr>
-          <p:cNvPr id="12" name="Content Placeholder 2"/>
+          <p:cNvPr id="3" name="Content Placeholder 2"/>
           <p:cNvSpPr>
             <a:spLocks noGrp="1"/>
           </p:cNvSpPr>
           <p:nvPr>
-            <p:ph sz="quarter" idx="13"/>
+            <p:ph idx="1"/>
           </p:nvPr>
         </p:nvSpPr>
-        <p:spPr>
-          <a:xfrm>
-            <a:off x="913774" y="2367092"/>
-            <a:ext cx="10363826" cy="3424107"/>
-          </a:xfrm>
-        </p:spPr>
+        <p:spPr/>
         <p:txBody>
           <a:bodyPr/>
           <a:lstStyle/>
@@ -3570,7 +752,7 @@
               <a:rPr lang="en-US" smtClean="0"/>
               <a:t>Fifth level</a:t>
             </a:r>
-            <a:endParaRPr lang="en-US" dirty="0"/>
+            <a:endParaRPr lang="en-US"/>
           </a:p>
         </p:txBody>
       </p:sp>
@@ -3590,8 +772,8 @@
           <a:lstStyle/>
           <a:p>
             <a:fld id="{48A87A34-81AB-432B-8DAE-1953F412C126}" type="datetimeFigureOut">
-              <a:rPr lang="en-US" dirty="0"/>
-              <a:t>7/4/2025</a:t>
+              <a:rPr lang="en-US" smtClean="0"/>
+              <a:t>7/5/2025</a:t>
             </a:fld>
             <a:endParaRPr lang="en-US" dirty="0"/>
           </a:p>
@@ -3632,7 +814,7 @@
           <a:lstStyle/>
           <a:p>
             <a:fld id="{6D22F896-40B5-4ADD-8801-0D06FADFA095}" type="slidenum">
-              <a:rPr lang="en-US" dirty="0"/>
+              <a:rPr lang="en-US" smtClean="0"/>
               <a:t>‹#›</a:t>
             </a:fld>
             <a:endParaRPr lang="en-US" dirty="0"/>
@@ -3640,6 +822,11 @@
         </p:txBody>
       </p:sp>
     </p:spTree>
+    <p:extLst>
+      <p:ext uri="{BB962C8B-B14F-4D97-AF65-F5344CB8AC3E}">
+        <p14:creationId xmlns:p14="http://schemas.microsoft.com/office/powerpoint/2010/main" val="3516698987"/>
+      </p:ext>
+    </p:extLst>
   </p:cSld>
   <p:clrMapOvr>
     <a:masterClrMapping/>
@@ -3664,36 +851,6 @@
           <a:chExt cx="0" cy="0"/>
         </a:xfrm>
       </p:grpSpPr>
-      <p:pic>
-        <p:nvPicPr>
-          <p:cNvPr id="9" name="Picture 8" descr="Droplets-HD-Content-R1d.png"/>
-          <p:cNvPicPr>
-            <a:picLocks noChangeAspect="1"/>
-          </p:cNvPicPr>
-          <p:nvPr/>
-        </p:nvPicPr>
-        <p:blipFill>
-          <a:blip r:embed="rId2">
-            <a:extLst>
-              <a:ext uri="{28A0092B-C50C-407E-A947-70E740481C1C}">
-                <a14:useLocalDpi xmlns:a14="http://schemas.microsoft.com/office/drawing/2010/main" val="0"/>
-              </a:ext>
-            </a:extLst>
-          </a:blip>
-          <a:stretch>
-            <a:fillRect/>
-          </a:stretch>
-        </p:blipFill>
-        <p:spPr>
-          <a:xfrm>
-            <a:off x="0" y="0"/>
-            <a:ext cx="12192000" cy="6858000"/>
-          </a:xfrm>
-          <a:prstGeom prst="rect">
-            <a:avLst/>
-          </a:prstGeom>
-        </p:spPr>
-      </p:pic>
       <p:sp>
         <p:nvSpPr>
           <p:cNvPr id="2" name="Title 1"/>
@@ -3706,17 +863,15 @@
         </p:nvSpPr>
         <p:spPr>
           <a:xfrm>
-            <a:off x="913774" y="828563"/>
-            <a:ext cx="10351752" cy="2736819"/>
+            <a:off x="831850" y="1709738"/>
+            <a:ext cx="10515600" cy="2852737"/>
           </a:xfrm>
         </p:spPr>
         <p:txBody>
-          <a:bodyPr anchor="b">
-            <a:normAutofit/>
-          </a:bodyPr>
+          <a:bodyPr anchor="b"/>
           <a:lstStyle>
             <a:lvl1pPr>
-              <a:defRPr sz="4000"/>
+              <a:defRPr sz="6000"/>
             </a:lvl1pPr>
           </a:lstStyle>
           <a:p>
@@ -3724,7 +879,7 @@
               <a:rPr lang="en-US" smtClean="0"/>
               <a:t>Click to edit Master title style</a:t>
             </a:r>
-            <a:endParaRPr lang="en-US" dirty="0"/>
+            <a:endParaRPr lang="en-US"/>
           </a:p>
         </p:txBody>
       </p:sp>
@@ -3740,21 +895,19 @@
         </p:nvSpPr>
         <p:spPr>
           <a:xfrm>
-            <a:off x="913774" y="3657457"/>
-            <a:ext cx="10351752" cy="1368183"/>
+            <a:off x="831850" y="4589463"/>
+            <a:ext cx="10515600" cy="1500187"/>
           </a:xfrm>
         </p:spPr>
         <p:txBody>
-          <a:bodyPr>
-            <a:normAutofit/>
-          </a:bodyPr>
+          <a:bodyPr/>
           <a:lstStyle>
-            <a:lvl1pPr marL="0" indent="0" algn="ctr">
+            <a:lvl1pPr marL="0" indent="0">
               <a:buNone/>
-              <a:defRPr sz="2000">
+              <a:defRPr sz="2400">
                 <a:solidFill>
                   <a:schemeClr val="tx1">
-                    <a:lumMod val="75000"/>
+                    <a:tint val="75000"/>
                   </a:schemeClr>
                 </a:solidFill>
               </a:defRPr>
@@ -3865,8 +1018,8 @@
           <a:lstStyle/>
           <a:p>
             <a:fld id="{48A87A34-81AB-432B-8DAE-1953F412C126}" type="datetimeFigureOut">
-              <a:rPr lang="en-US" dirty="0"/>
-              <a:t>7/4/2025</a:t>
+              <a:rPr lang="en-US" smtClean="0"/>
+              <a:t>7/5/2025</a:t>
             </a:fld>
             <a:endParaRPr lang="en-US" dirty="0"/>
           </a:p>
@@ -3907,7 +1060,7 @@
           <a:lstStyle/>
           <a:p>
             <a:fld id="{6D22F896-40B5-4ADD-8801-0D06FADFA095}" type="slidenum">
-              <a:rPr lang="en-US" dirty="0"/>
+              <a:rPr lang="en-US" smtClean="0"/>
               <a:t>‹#›</a:t>
             </a:fld>
             <a:endParaRPr lang="en-US" dirty="0"/>
@@ -3915,6 +1068,11 @@
         </p:txBody>
       </p:sp>
     </p:spTree>
+    <p:extLst>
+      <p:ext uri="{BB962C8B-B14F-4D97-AF65-F5344CB8AC3E}">
+        <p14:creationId xmlns:p14="http://schemas.microsoft.com/office/powerpoint/2010/main" val="2056229991"/>
+      </p:ext>
+    </p:extLst>
   </p:cSld>
   <p:clrMapOvr>
     <a:masterClrMapping/>
@@ -3939,39 +1097,9 @@
           <a:chExt cx="0" cy="0"/>
         </a:xfrm>
       </p:grpSpPr>
-      <p:pic>
-        <p:nvPicPr>
-          <p:cNvPr id="10" name="Picture 9" descr="Droplets-HD-Content-R1d.png"/>
-          <p:cNvPicPr>
-            <a:picLocks noChangeAspect="1"/>
-          </p:cNvPicPr>
-          <p:nvPr/>
-        </p:nvPicPr>
-        <p:blipFill>
-          <a:blip r:embed="rId2">
-            <a:extLst>
-              <a:ext uri="{28A0092B-C50C-407E-A947-70E740481C1C}">
-                <a14:useLocalDpi xmlns:a14="http://schemas.microsoft.com/office/drawing/2010/main" val="0"/>
-              </a:ext>
-            </a:extLst>
-          </a:blip>
-          <a:stretch>
-            <a:fillRect/>
-          </a:stretch>
-        </p:blipFill>
-        <p:spPr>
-          <a:xfrm>
-            <a:off x="0" y="0"/>
-            <a:ext cx="12192000" cy="6858000"/>
-          </a:xfrm>
-          <a:prstGeom prst="rect">
-            <a:avLst/>
-          </a:prstGeom>
-        </p:spPr>
-      </p:pic>
       <p:sp>
         <p:nvSpPr>
-          <p:cNvPr id="14" name="Title 1"/>
+          <p:cNvPr id="2" name="Title 1"/>
           <p:cNvSpPr>
             <a:spLocks noGrp="1"/>
           </p:cNvSpPr>
@@ -3979,38 +1107,90 @@
             <p:ph type="title"/>
           </p:nvPr>
         </p:nvSpPr>
+        <p:spPr/>
+        <p:txBody>
+          <a:bodyPr/>
+          <a:lstStyle/>
+          <a:p>
+            <a:r>
+              <a:rPr lang="en-US" smtClean="0"/>
+              <a:t>Click to edit Master title style</a:t>
+            </a:r>
+            <a:endParaRPr lang="en-US"/>
+          </a:p>
+        </p:txBody>
+      </p:sp>
+      <p:sp>
+        <p:nvSpPr>
+          <p:cNvPr id="3" name="Content Placeholder 2"/>
+          <p:cNvSpPr>
+            <a:spLocks noGrp="1"/>
+          </p:cNvSpPr>
+          <p:nvPr>
+            <p:ph sz="half" idx="1"/>
+          </p:nvPr>
+        </p:nvSpPr>
         <p:spPr>
           <a:xfrm>
-            <a:off x="913775" y="618517"/>
-            <a:ext cx="10364451" cy="1596177"/>
+            <a:off x="838200" y="1825625"/>
+            <a:ext cx="5181600" cy="4351338"/>
           </a:xfrm>
         </p:spPr>
         <p:txBody>
           <a:bodyPr/>
           <a:lstStyle/>
           <a:p>
+            <a:pPr lvl="0"/>
             <a:r>
               <a:rPr lang="en-US" smtClean="0"/>
-              <a:t>Click to edit Master title style</a:t>
-            </a:r>
-            <a:endParaRPr lang="en-US" dirty="0"/>
+              <a:t>Edit Master text styles</a:t>
+            </a:r>
+          </a:p>
+          <a:p>
+            <a:pPr lvl="1"/>
+            <a:r>
+              <a:rPr lang="en-US" smtClean="0"/>
+              <a:t>Second level</a:t>
+            </a:r>
+          </a:p>
+          <a:p>
+            <a:pPr lvl="2"/>
+            <a:r>
+              <a:rPr lang="en-US" smtClean="0"/>
+              <a:t>Third level</a:t>
+            </a:r>
+          </a:p>
+          <a:p>
+            <a:pPr lvl="3"/>
+            <a:r>
+              <a:rPr lang="en-US" smtClean="0"/>
+              <a:t>Fourth level</a:t>
+            </a:r>
+          </a:p>
+          <a:p>
+            <a:pPr lvl="4"/>
+            <a:r>
+              <a:rPr lang="en-US" smtClean="0"/>
+              <a:t>Fifth level</a:t>
+            </a:r>
+            <a:endParaRPr lang="en-US"/>
           </a:p>
         </p:txBody>
       </p:sp>
       <p:sp>
         <p:nvSpPr>
-          <p:cNvPr id="12" name="Content Placeholder 2"/>
+          <p:cNvPr id="4" name="Content Placeholder 3"/>
           <p:cNvSpPr>
             <a:spLocks noGrp="1"/>
           </p:cNvSpPr>
           <p:nvPr>
-            <p:ph sz="quarter" idx="13"/>
+            <p:ph sz="half" idx="2"/>
           </p:nvPr>
         </p:nvSpPr>
         <p:spPr>
           <a:xfrm>
-            <a:off x="913774" y="2367092"/>
-            <a:ext cx="5106026" cy="3424107"/>
+            <a:off x="6172200" y="1825625"/>
+            <a:ext cx="5181600" cy="4351338"/>
           </a:xfrm>
         </p:spPr>
         <p:txBody>
@@ -4050,64 +1230,7 @@
               <a:rPr lang="en-US" smtClean="0"/>
               <a:t>Fifth level</a:t>
             </a:r>
-            <a:endParaRPr lang="en-US" dirty="0"/>
-          </a:p>
-        </p:txBody>
-      </p:sp>
-      <p:sp>
-        <p:nvSpPr>
-          <p:cNvPr id="13" name="Content Placeholder 3"/>
-          <p:cNvSpPr>
-            <a:spLocks noGrp="1"/>
-          </p:cNvSpPr>
-          <p:nvPr>
-            <p:ph sz="quarter" idx="14"/>
-          </p:nvPr>
-        </p:nvSpPr>
-        <p:spPr>
-          <a:xfrm>
-            <a:off x="6172200" y="2367092"/>
-            <a:ext cx="5105400" cy="3424107"/>
-          </a:xfrm>
-        </p:spPr>
-        <p:txBody>
-          <a:bodyPr/>
-          <a:lstStyle/>
-          <a:p>
-            <a:pPr lvl="0"/>
-            <a:r>
-              <a:rPr lang="en-US" smtClean="0"/>
-              <a:t>Edit Master text styles</a:t>
-            </a:r>
-          </a:p>
-          <a:p>
-            <a:pPr lvl="1"/>
-            <a:r>
-              <a:rPr lang="en-US" smtClean="0"/>
-              <a:t>Second level</a:t>
-            </a:r>
-          </a:p>
-          <a:p>
-            <a:pPr lvl="2"/>
-            <a:r>
-              <a:rPr lang="en-US" smtClean="0"/>
-              <a:t>Third level</a:t>
-            </a:r>
-          </a:p>
-          <a:p>
-            <a:pPr lvl="3"/>
-            <a:r>
-              <a:rPr lang="en-US" smtClean="0"/>
-              <a:t>Fourth level</a:t>
-            </a:r>
-          </a:p>
-          <a:p>
-            <a:pPr lvl="4"/>
-            <a:r>
-              <a:rPr lang="en-US" smtClean="0"/>
-              <a:t>Fifth level</a:t>
-            </a:r>
-            <a:endParaRPr lang="en-US" dirty="0"/>
+            <a:endParaRPr lang="en-US"/>
           </a:p>
         </p:txBody>
       </p:sp>
@@ -4127,8 +1250,8 @@
           <a:lstStyle/>
           <a:p>
             <a:fld id="{48A87A34-81AB-432B-8DAE-1953F412C126}" type="datetimeFigureOut">
-              <a:rPr lang="en-US" dirty="0"/>
-              <a:t>7/4/2025</a:t>
+              <a:rPr lang="en-US" smtClean="0"/>
+              <a:t>7/5/2025</a:t>
             </a:fld>
             <a:endParaRPr lang="en-US" dirty="0"/>
           </a:p>
@@ -4169,7 +1292,7 @@
           <a:lstStyle/>
           <a:p>
             <a:fld id="{6D22F896-40B5-4ADD-8801-0D06FADFA095}" type="slidenum">
-              <a:rPr lang="en-US" dirty="0"/>
+              <a:rPr lang="en-US" smtClean="0"/>
               <a:t>‹#›</a:t>
             </a:fld>
             <a:endParaRPr lang="en-US" dirty="0"/>
@@ -4177,6 +1300,11 @@
         </p:txBody>
       </p:sp>
     </p:spTree>
+    <p:extLst>
+      <p:ext uri="{BB962C8B-B14F-4D97-AF65-F5344CB8AC3E}">
+        <p14:creationId xmlns:p14="http://schemas.microsoft.com/office/powerpoint/2010/main" val="796319027"/>
+      </p:ext>
+    </p:extLst>
   </p:cSld>
   <p:clrMapOvr>
     <a:masterClrMapping/>
@@ -4201,39 +1329,9 @@
           <a:chExt cx="0" cy="0"/>
         </a:xfrm>
       </p:grpSpPr>
-      <p:pic>
-        <p:nvPicPr>
-          <p:cNvPr id="15" name="Picture 14" descr="Droplets-HD-Content-R1d.png"/>
-          <p:cNvPicPr>
-            <a:picLocks noChangeAspect="1"/>
-          </p:cNvPicPr>
-          <p:nvPr/>
-        </p:nvPicPr>
-        <p:blipFill>
-          <a:blip r:embed="rId2">
-            <a:extLst>
-              <a:ext uri="{28A0092B-C50C-407E-A947-70E740481C1C}">
-                <a14:useLocalDpi xmlns:a14="http://schemas.microsoft.com/office/drawing/2010/main" val="0"/>
-              </a:ext>
-            </a:extLst>
-          </a:blip>
-          <a:stretch>
-            <a:fillRect/>
-          </a:stretch>
-        </p:blipFill>
-        <p:spPr>
-          <a:xfrm>
-            <a:off x="0" y="0"/>
-            <a:ext cx="12192000" cy="6858000"/>
-          </a:xfrm>
-          <a:prstGeom prst="rect">
-            <a:avLst/>
-          </a:prstGeom>
-        </p:spPr>
-      </p:pic>
       <p:sp>
         <p:nvSpPr>
-          <p:cNvPr id="14" name="Title 1"/>
+          <p:cNvPr id="2" name="Title 1"/>
           <p:cNvSpPr>
             <a:spLocks noGrp="1"/>
           </p:cNvSpPr>
@@ -4243,8 +1341,8 @@
         </p:nvSpPr>
         <p:spPr>
           <a:xfrm>
-            <a:off x="913775" y="618517"/>
-            <a:ext cx="10364451" cy="1596177"/>
+            <a:off x="839788" y="365125"/>
+            <a:ext cx="10515600" cy="1325563"/>
           </a:xfrm>
         </p:spPr>
         <p:txBody>
@@ -4255,7 +1353,7 @@
               <a:rPr lang="en-US" smtClean="0"/>
               <a:t>Click to edit Master title style</a:t>
             </a:r>
-            <a:endParaRPr lang="en-US" dirty="0"/>
+            <a:endParaRPr lang="en-US"/>
           </a:p>
         </p:txBody>
       </p:sp>
@@ -4271,25 +1369,16 @@
         </p:nvSpPr>
         <p:spPr>
           <a:xfrm>
-            <a:off x="1146328" y="2371018"/>
-            <a:ext cx="4873474" cy="679994"/>
+            <a:off x="839788" y="1681163"/>
+            <a:ext cx="5157787" cy="823912"/>
           </a:xfrm>
         </p:spPr>
         <p:txBody>
-          <a:bodyPr anchor="b">
-            <a:noAutofit/>
-          </a:bodyPr>
+          <a:bodyPr anchor="b"/>
           <a:lstStyle>
             <a:lvl1pPr marL="0" indent="0">
-              <a:lnSpc>
-                <a:spcPct val="85000"/>
-              </a:lnSpc>
               <a:buNone/>
-              <a:defRPr sz="2600" b="0">
-                <a:solidFill>
-                  <a:schemeClr val="tx1"/>
-                </a:solidFill>
-              </a:defRPr>
+              <a:defRPr sz="2400" b="1"/>
             </a:lvl1pPr>
             <a:lvl2pPr marL="457200" indent="0">
               <a:buNone/>
@@ -4335,18 +1424,18 @@
       </p:sp>
       <p:sp>
         <p:nvSpPr>
-          <p:cNvPr id="12" name="Content Placeholder 3"/>
+          <p:cNvPr id="4" name="Content Placeholder 3"/>
           <p:cNvSpPr>
             <a:spLocks noGrp="1"/>
           </p:cNvSpPr>
           <p:nvPr>
-            <p:ph sz="quarter" idx="13"/>
+            <p:ph sz="half" idx="2"/>
           </p:nvPr>
         </p:nvSpPr>
         <p:spPr>
           <a:xfrm>
-            <a:off x="913774" y="3051012"/>
-            <a:ext cx="5106027" cy="2740187"/>
+            <a:off x="839788" y="2505075"/>
+            <a:ext cx="5157787" cy="3684588"/>
           </a:xfrm>
         </p:spPr>
         <p:txBody>
@@ -4386,7 +1475,7 @@
               <a:rPr lang="en-US" smtClean="0"/>
               <a:t>Fifth level</a:t>
             </a:r>
-            <a:endParaRPr lang="en-US" dirty="0"/>
+            <a:endParaRPr lang="en-US"/>
           </a:p>
         </p:txBody>
       </p:sp>
@@ -4402,25 +1491,16 @@
         </p:nvSpPr>
         <p:spPr>
           <a:xfrm>
-            <a:off x="6396423" y="2371018"/>
-            <a:ext cx="4881804" cy="679994"/>
+            <a:off x="6172200" y="1681163"/>
+            <a:ext cx="5183188" cy="823912"/>
           </a:xfrm>
         </p:spPr>
         <p:txBody>
-          <a:bodyPr anchor="b">
-            <a:noAutofit/>
-          </a:bodyPr>
+          <a:bodyPr anchor="b"/>
           <a:lstStyle>
             <a:lvl1pPr marL="0" indent="0">
-              <a:lnSpc>
-                <a:spcPct val="85000"/>
-              </a:lnSpc>
               <a:buNone/>
-              <a:defRPr sz="2600" b="0">
-                <a:solidFill>
-                  <a:schemeClr val="tx1"/>
-                </a:solidFill>
-              </a:defRPr>
+              <a:defRPr sz="2400" b="1"/>
             </a:lvl1pPr>
             <a:lvl2pPr marL="457200" indent="0">
               <a:buNone/>
@@ -4466,18 +1546,18 @@
       </p:sp>
       <p:sp>
         <p:nvSpPr>
-          <p:cNvPr id="13" name="Content Placeholder 5"/>
+          <p:cNvPr id="6" name="Content Placeholder 5"/>
           <p:cNvSpPr>
             <a:spLocks noGrp="1"/>
           </p:cNvSpPr>
           <p:nvPr>
-            <p:ph sz="quarter" idx="14"/>
+            <p:ph sz="quarter" idx="4"/>
           </p:nvPr>
         </p:nvSpPr>
         <p:spPr>
           <a:xfrm>
-            <a:off x="6172200" y="3051012"/>
-            <a:ext cx="5105401" cy="2740187"/>
+            <a:off x="6172200" y="2505075"/>
+            <a:ext cx="5183188" cy="3684588"/>
           </a:xfrm>
         </p:spPr>
         <p:txBody>
@@ -4517,7 +1597,7 @@
               <a:rPr lang="en-US" smtClean="0"/>
               <a:t>Fifth level</a:t>
             </a:r>
-            <a:endParaRPr lang="en-US" dirty="0"/>
+            <a:endParaRPr lang="en-US"/>
           </a:p>
         </p:txBody>
       </p:sp>
@@ -4537,8 +1617,8 @@
           <a:lstStyle/>
           <a:p>
             <a:fld id="{48A87A34-81AB-432B-8DAE-1953F412C126}" type="datetimeFigureOut">
-              <a:rPr lang="en-US" dirty="0"/>
-              <a:t>7/4/2025</a:t>
+              <a:rPr lang="en-US" smtClean="0"/>
+              <a:t>7/5/2025</a:t>
             </a:fld>
             <a:endParaRPr lang="en-US" dirty="0"/>
           </a:p>
@@ -4579,7 +1659,7 @@
           <a:lstStyle/>
           <a:p>
             <a:fld id="{6D22F896-40B5-4ADD-8801-0D06FADFA095}" type="slidenum">
-              <a:rPr lang="en-US" dirty="0"/>
+              <a:rPr lang="en-US" smtClean="0"/>
               <a:t>‹#›</a:t>
             </a:fld>
             <a:endParaRPr lang="en-US" dirty="0"/>
@@ -4587,6 +1667,11 @@
         </p:txBody>
       </p:sp>
     </p:spTree>
+    <p:extLst>
+      <p:ext uri="{BB962C8B-B14F-4D97-AF65-F5344CB8AC3E}">
+        <p14:creationId xmlns:p14="http://schemas.microsoft.com/office/powerpoint/2010/main" val="4253485312"/>
+      </p:ext>
+    </p:extLst>
   </p:cSld>
   <p:clrMapOvr>
     <a:masterClrMapping/>
@@ -4611,36 +1696,6 @@
           <a:chExt cx="0" cy="0"/>
         </a:xfrm>
       </p:grpSpPr>
-      <p:pic>
-        <p:nvPicPr>
-          <p:cNvPr id="8" name="Picture 7" descr="Droplets-HD-Content-R1d.png"/>
-          <p:cNvPicPr>
-            <a:picLocks noChangeAspect="1"/>
-          </p:cNvPicPr>
-          <p:nvPr/>
-        </p:nvPicPr>
-        <p:blipFill>
-          <a:blip r:embed="rId2">
-            <a:extLst>
-              <a:ext uri="{28A0092B-C50C-407E-A947-70E740481C1C}">
-                <a14:useLocalDpi xmlns:a14="http://schemas.microsoft.com/office/drawing/2010/main" val="0"/>
-              </a:ext>
-            </a:extLst>
-          </a:blip>
-          <a:stretch>
-            <a:fillRect/>
-          </a:stretch>
-        </p:blipFill>
-        <p:spPr>
-          <a:xfrm>
-            <a:off x="0" y="0"/>
-            <a:ext cx="12192000" cy="6858000"/>
-          </a:xfrm>
-          <a:prstGeom prst="rect">
-            <a:avLst/>
-          </a:prstGeom>
-        </p:spPr>
-      </p:pic>
       <p:sp>
         <p:nvSpPr>
           <p:cNvPr id="2" name="Title 1"/>
@@ -4660,7 +1715,7 @@
               <a:rPr lang="en-US" smtClean="0"/>
               <a:t>Click to edit Master title style</a:t>
             </a:r>
-            <a:endParaRPr lang="en-US" dirty="0"/>
+            <a:endParaRPr lang="en-US"/>
           </a:p>
         </p:txBody>
       </p:sp>
@@ -4680,8 +1735,8 @@
           <a:lstStyle/>
           <a:p>
             <a:fld id="{48A87A34-81AB-432B-8DAE-1953F412C126}" type="datetimeFigureOut">
-              <a:rPr lang="en-US" dirty="0"/>
-              <a:t>7/4/2025</a:t>
+              <a:rPr lang="en-US" smtClean="0"/>
+              <a:t>7/5/2025</a:t>
             </a:fld>
             <a:endParaRPr lang="en-US" dirty="0"/>
           </a:p>
@@ -4722,7 +1777,7 @@
           <a:lstStyle/>
           <a:p>
             <a:fld id="{6D22F896-40B5-4ADD-8801-0D06FADFA095}" type="slidenum">
-              <a:rPr lang="en-US" dirty="0"/>
+              <a:rPr lang="en-US" smtClean="0"/>
               <a:t>‹#›</a:t>
             </a:fld>
             <a:endParaRPr lang="en-US" dirty="0"/>
@@ -4730,6 +1785,11 @@
         </p:txBody>
       </p:sp>
     </p:spTree>
+    <p:extLst>
+      <p:ext uri="{BB962C8B-B14F-4D97-AF65-F5344CB8AC3E}">
+        <p14:creationId xmlns:p14="http://schemas.microsoft.com/office/powerpoint/2010/main" val="3809244065"/>
+      </p:ext>
+    </p:extLst>
   </p:cSld>
   <p:clrMapOvr>
     <a:masterClrMapping/>
@@ -4754,36 +1814,6 @@
           <a:chExt cx="0" cy="0"/>
         </a:xfrm>
       </p:grpSpPr>
-      <p:pic>
-        <p:nvPicPr>
-          <p:cNvPr id="7" name="Picture 6" descr="Droplets-HD-Content-R1d.png"/>
-          <p:cNvPicPr>
-            <a:picLocks noChangeAspect="1"/>
-          </p:cNvPicPr>
-          <p:nvPr/>
-        </p:nvPicPr>
-        <p:blipFill>
-          <a:blip r:embed="rId2">
-            <a:extLst>
-              <a:ext uri="{28A0092B-C50C-407E-A947-70E740481C1C}">
-                <a14:useLocalDpi xmlns:a14="http://schemas.microsoft.com/office/drawing/2010/main" val="0"/>
-              </a:ext>
-            </a:extLst>
-          </a:blip>
-          <a:stretch>
-            <a:fillRect/>
-          </a:stretch>
-        </p:blipFill>
-        <p:spPr>
-          <a:xfrm>
-            <a:off x="0" y="0"/>
-            <a:ext cx="12192000" cy="6858000"/>
-          </a:xfrm>
-          <a:prstGeom prst="rect">
-            <a:avLst/>
-          </a:prstGeom>
-        </p:spPr>
-      </p:pic>
       <p:sp>
         <p:nvSpPr>
           <p:cNvPr id="2" name="Date Placeholder 1"/>
@@ -4800,8 +1830,8 @@
           <a:lstStyle/>
           <a:p>
             <a:fld id="{48A87A34-81AB-432B-8DAE-1953F412C126}" type="datetimeFigureOut">
-              <a:rPr lang="en-US" dirty="0"/>
-              <a:t>7/4/2025</a:t>
+              <a:rPr lang="en-US" smtClean="0"/>
+              <a:t>7/5/2025</a:t>
             </a:fld>
             <a:endParaRPr lang="en-US" dirty="0"/>
           </a:p>
@@ -4842,7 +1872,7 @@
           <a:lstStyle/>
           <a:p>
             <a:fld id="{6D22F896-40B5-4ADD-8801-0D06FADFA095}" type="slidenum">
-              <a:rPr lang="en-US" dirty="0"/>
+              <a:rPr lang="en-US" smtClean="0"/>
               <a:t>‹#›</a:t>
             </a:fld>
             <a:endParaRPr lang="en-US" dirty="0"/>
@@ -4850,6 +1880,11 @@
         </p:txBody>
       </p:sp>
     </p:spTree>
+    <p:extLst>
+      <p:ext uri="{BB962C8B-B14F-4D97-AF65-F5344CB8AC3E}">
+        <p14:creationId xmlns:p14="http://schemas.microsoft.com/office/powerpoint/2010/main" val="3750625868"/>
+      </p:ext>
+    </p:extLst>
   </p:cSld>
   <p:clrMapOvr>
     <a:masterClrMapping/>
@@ -4874,36 +1909,6 @@
           <a:chExt cx="0" cy="0"/>
         </a:xfrm>
       </p:grpSpPr>
-      <p:pic>
-        <p:nvPicPr>
-          <p:cNvPr id="11" name="Picture 10" descr="Droplets-HD-Content-R1d.png"/>
-          <p:cNvPicPr>
-            <a:picLocks noChangeAspect="1"/>
-          </p:cNvPicPr>
-          <p:nvPr/>
-        </p:nvPicPr>
-        <p:blipFill>
-          <a:blip r:embed="rId2">
-            <a:extLst>
-              <a:ext uri="{28A0092B-C50C-407E-A947-70E740481C1C}">
-                <a14:useLocalDpi xmlns:a14="http://schemas.microsoft.com/office/drawing/2010/main" val="0"/>
-              </a:ext>
-            </a:extLst>
-          </a:blip>
-          <a:stretch>
-            <a:fillRect/>
-          </a:stretch>
-        </p:blipFill>
-        <p:spPr>
-          <a:xfrm>
-            <a:off x="0" y="0"/>
-            <a:ext cx="12192000" cy="6858000"/>
-          </a:xfrm>
-          <a:prstGeom prst="rect">
-            <a:avLst/>
-          </a:prstGeom>
-        </p:spPr>
-      </p:pic>
       <p:sp>
         <p:nvSpPr>
           <p:cNvPr id="2" name="Title 1"/>
@@ -4916,14 +1921,14 @@
         </p:nvSpPr>
         <p:spPr>
           <a:xfrm>
-            <a:off x="913775" y="609600"/>
-            <a:ext cx="3935688" cy="2023252"/>
+            <a:off x="839788" y="457200"/>
+            <a:ext cx="3932237" cy="1600200"/>
           </a:xfrm>
         </p:spPr>
         <p:txBody>
           <a:bodyPr anchor="b"/>
           <a:lstStyle>
-            <a:lvl1pPr algn="ctr">
+            <a:lvl1pPr>
               <a:defRPr sz="3200"/>
             </a:lvl1pPr>
           </a:lstStyle>
@@ -4932,29 +1937,57 @@
               <a:rPr lang="en-US" smtClean="0"/>
               <a:t>Click to edit Master title style</a:t>
             </a:r>
-            <a:endParaRPr lang="en-US" dirty="0"/>
+            <a:endParaRPr lang="en-US"/>
           </a:p>
         </p:txBody>
       </p:sp>
       <p:sp>
         <p:nvSpPr>
-          <p:cNvPr id="10" name="Content Placeholder 2"/>
+          <p:cNvPr id="3" name="Content Placeholder 2"/>
           <p:cNvSpPr>
             <a:spLocks noGrp="1"/>
           </p:cNvSpPr>
           <p:nvPr>
-            <p:ph sz="quarter" idx="13"/>
+            <p:ph idx="1"/>
           </p:nvPr>
         </p:nvSpPr>
         <p:spPr>
           <a:xfrm>
-            <a:off x="5078062" y="609600"/>
-            <a:ext cx="6200163" cy="5181599"/>
+            <a:off x="5183188" y="987425"/>
+            <a:ext cx="6172200" cy="4873625"/>
           </a:xfrm>
         </p:spPr>
         <p:txBody>
           <a:bodyPr/>
-          <a:lstStyle/>
+          <a:lstStyle>
+            <a:lvl1pPr>
+              <a:defRPr sz="3200"/>
+            </a:lvl1pPr>
+            <a:lvl2pPr>
+              <a:defRPr sz="2800"/>
+            </a:lvl2pPr>
+            <a:lvl3pPr>
+              <a:defRPr sz="2400"/>
+            </a:lvl3pPr>
+            <a:lvl4pPr>
+              <a:defRPr sz="2000"/>
+            </a:lvl4pPr>
+            <a:lvl5pPr>
+              <a:defRPr sz="2000"/>
+            </a:lvl5pPr>
+            <a:lvl6pPr>
+              <a:defRPr sz="2000"/>
+            </a:lvl6pPr>
+            <a:lvl7pPr>
+              <a:defRPr sz="2000"/>
+            </a:lvl7pPr>
+            <a:lvl8pPr>
+              <a:defRPr sz="2000"/>
+            </a:lvl8pPr>
+            <a:lvl9pPr>
+              <a:defRPr sz="2000"/>
+            </a:lvl9pPr>
+          </a:lstStyle>
           <a:p>
             <a:pPr lvl="0"/>
             <a:r>
@@ -4989,7 +2022,7 @@
               <a:rPr lang="en-US" smtClean="0"/>
               <a:t>Fifth level</a:t>
             </a:r>
-            <a:endParaRPr lang="en-US" dirty="0"/>
+            <a:endParaRPr lang="en-US"/>
           </a:p>
         </p:txBody>
       </p:sp>
@@ -5005,14 +2038,14 @@
         </p:nvSpPr>
         <p:spPr>
           <a:xfrm>
-            <a:off x="913774" y="2632852"/>
-            <a:ext cx="3935689" cy="3158348"/>
+            <a:off x="839788" y="2057400"/>
+            <a:ext cx="3932237" cy="3811588"/>
           </a:xfrm>
         </p:spPr>
         <p:txBody>
           <a:bodyPr/>
           <a:lstStyle>
-            <a:lvl1pPr marL="0" indent="0" algn="ctr">
+            <a:lvl1pPr marL="0" indent="0">
               <a:buNone/>
               <a:defRPr sz="1600"/>
             </a:lvl1pPr>
@@ -5074,8 +2107,8 @@
           <a:lstStyle/>
           <a:p>
             <a:fld id="{48A87A34-81AB-432B-8DAE-1953F412C126}" type="datetimeFigureOut">
-              <a:rPr lang="en-US" dirty="0"/>
-              <a:t>7/4/2025</a:t>
+              <a:rPr lang="en-US" smtClean="0"/>
+              <a:t>7/5/2025</a:t>
             </a:fld>
             <a:endParaRPr lang="en-US" dirty="0"/>
           </a:p>
@@ -5116,7 +2149,7 @@
           <a:lstStyle/>
           <a:p>
             <a:fld id="{6D22F896-40B5-4ADD-8801-0D06FADFA095}" type="slidenum">
-              <a:rPr lang="en-US" dirty="0"/>
+              <a:rPr lang="en-US" smtClean="0"/>
               <a:t>‹#›</a:t>
             </a:fld>
             <a:endParaRPr lang="en-US" dirty="0"/>
@@ -5124,6 +2157,11 @@
         </p:txBody>
       </p:sp>
     </p:spTree>
+    <p:extLst>
+      <p:ext uri="{BB962C8B-B14F-4D97-AF65-F5344CB8AC3E}">
+        <p14:creationId xmlns:p14="http://schemas.microsoft.com/office/powerpoint/2010/main" val="3265040395"/>
+      </p:ext>
+    </p:extLst>
   </p:cSld>
   <p:clrMapOvr>
     <a:masterClrMapping/>
@@ -5148,36 +2186,6 @@
           <a:chExt cx="0" cy="0"/>
         </a:xfrm>
       </p:grpSpPr>
-      <p:pic>
-        <p:nvPicPr>
-          <p:cNvPr id="10" name="Picture 9" descr="Droplets-HD-Content-R1d.png"/>
-          <p:cNvPicPr>
-            <a:picLocks noChangeAspect="1"/>
-          </p:cNvPicPr>
-          <p:nvPr/>
-        </p:nvPicPr>
-        <p:blipFill>
-          <a:blip r:embed="rId2">
-            <a:extLst>
-              <a:ext uri="{28A0092B-C50C-407E-A947-70E740481C1C}">
-                <a14:useLocalDpi xmlns:a14="http://schemas.microsoft.com/office/drawing/2010/main" val="0"/>
-              </a:ext>
-            </a:extLst>
-          </a:blip>
-          <a:stretch>
-            <a:fillRect/>
-          </a:stretch>
-        </p:blipFill>
-        <p:spPr>
-          <a:xfrm>
-            <a:off x="0" y="0"/>
-            <a:ext cx="12192000" cy="6858000"/>
-          </a:xfrm>
-          <a:prstGeom prst="rect">
-            <a:avLst/>
-          </a:prstGeom>
-        </p:spPr>
-      </p:pic>
       <p:sp>
         <p:nvSpPr>
           <p:cNvPr id="2" name="Title 1"/>
@@ -5190,14 +2198,14 @@
         </p:nvSpPr>
         <p:spPr>
           <a:xfrm>
-            <a:off x="913774" y="609600"/>
-            <a:ext cx="5934969" cy="2023254"/>
+            <a:off x="839788" y="457200"/>
+            <a:ext cx="3932237" cy="1600200"/>
           </a:xfrm>
         </p:spPr>
         <p:txBody>
           <a:bodyPr anchor="b"/>
           <a:lstStyle>
-            <a:lvl1pPr algn="ctr">
+            <a:lvl1pPr>
               <a:defRPr sz="3200"/>
             </a:lvl1pPr>
           </a:lstStyle>
@@ -5206,7 +2214,7 @@
               <a:rPr lang="en-US" smtClean="0"/>
               <a:t>Click to edit Master title style</a:t>
             </a:r>
-            <a:endParaRPr lang="en-US" dirty="0"/>
+            <a:endParaRPr lang="en-US"/>
           </a:p>
         </p:txBody>
       </p:sp>
@@ -5214,7 +2222,7 @@
         <p:nvSpPr>
           <p:cNvPr id="3" name="Picture Placeholder 2"/>
           <p:cNvSpPr>
-            <a:spLocks noGrp="1" noChangeAspect="1"/>
+            <a:spLocks noGrp="1"/>
           </p:cNvSpPr>
           <p:nvPr>
             <p:ph type="pic" idx="1"/>
@@ -5222,40 +2230,12 @@
         </p:nvSpPr>
         <p:spPr>
           <a:xfrm>
-            <a:off x="7424803" y="609601"/>
-            <a:ext cx="3255358" cy="5181600"/>
+            <a:off x="5183188" y="987425"/>
+            <a:ext cx="6172200" cy="4873625"/>
           </a:xfrm>
-          <a:prstGeom prst="roundRect">
-            <a:avLst>
-              <a:gd name="adj" fmla="val 4943"/>
-            </a:avLst>
-          </a:prstGeom>
-          <a:noFill/>
-          <a:ln w="82550" cap="sq">
-            <a:solidFill>
-              <a:schemeClr val="bg2">
-                <a:lumMod val="60000"/>
-                <a:lumOff val="40000"/>
-              </a:schemeClr>
-            </a:solidFill>
-            <a:miter lim="800000"/>
-          </a:ln>
-          <a:effectLst/>
-          <a:scene3d>
-            <a:camera prst="orthographicFront"/>
-            <a:lightRig rig="threePt" dir="t">
-              <a:rot lat="0" lon="0" rev="2700000"/>
-            </a:lightRig>
-          </a:scene3d>
-          <a:sp3d contourW="6350">
-            <a:bevelT h="38100"/>
-            <a:contourClr>
-              <a:srgbClr val="C0C0C0"/>
-            </a:contourClr>
-          </a:sp3d>
         </p:spPr>
         <p:txBody>
-          <a:bodyPr anchor="t"/>
+          <a:bodyPr/>
           <a:lstStyle>
             <a:lvl1pPr marL="0" indent="0">
               <a:buNone/>
@@ -5295,11 +2275,7 @@
             </a:lvl9pPr>
           </a:lstStyle>
           <a:p>
-            <a:r>
-              <a:rPr lang="en-US" smtClean="0"/>
-              <a:t>Click icon to add picture</a:t>
-            </a:r>
-            <a:endParaRPr lang="en-US" dirty="0"/>
+            <a:endParaRPr lang="en-US"/>
           </a:p>
         </p:txBody>
       </p:sp>
@@ -5315,14 +2291,14 @@
         </p:nvSpPr>
         <p:spPr>
           <a:xfrm>
-            <a:off x="913794" y="2632852"/>
-            <a:ext cx="5934949" cy="3158347"/>
+            <a:off x="839788" y="2057400"/>
+            <a:ext cx="3932237" cy="3811588"/>
           </a:xfrm>
         </p:spPr>
         <p:txBody>
           <a:bodyPr/>
           <a:lstStyle>
-            <a:lvl1pPr marL="0" indent="0" algn="ctr">
+            <a:lvl1pPr marL="0" indent="0">
               <a:buNone/>
               <a:defRPr sz="1600"/>
             </a:lvl1pPr>
@@ -5384,8 +2360,8 @@
           <a:lstStyle/>
           <a:p>
             <a:fld id="{48A87A34-81AB-432B-8DAE-1953F412C126}" type="datetimeFigureOut">
-              <a:rPr lang="en-US" dirty="0"/>
-              <a:t>7/4/2025</a:t>
+              <a:rPr lang="en-US" smtClean="0"/>
+              <a:t>7/5/2025</a:t>
             </a:fld>
             <a:endParaRPr lang="en-US" dirty="0"/>
           </a:p>
@@ -5426,7 +2402,7 @@
           <a:lstStyle/>
           <a:p>
             <a:fld id="{6D22F896-40B5-4ADD-8801-0D06FADFA095}" type="slidenum">
-              <a:rPr lang="en-US" dirty="0"/>
+              <a:rPr lang="en-US" smtClean="0"/>
               <a:t>‹#›</a:t>
             </a:fld>
             <a:endParaRPr lang="en-US" dirty="0"/>
@@ -5434,6 +2410,11 @@
         </p:txBody>
       </p:sp>
     </p:spTree>
+    <p:extLst>
+      <p:ext uri="{BB962C8B-B14F-4D97-AF65-F5344CB8AC3E}">
+        <p14:creationId xmlns:p14="http://schemas.microsoft.com/office/powerpoint/2010/main" val="617570905"/>
+      </p:ext>
+    </p:extLst>
   </p:cSld>
   <p:clrMapOvr>
     <a:masterClrMapping/>
@@ -5463,48 +2444,6 @@
           <a:chExt cx="0" cy="0"/>
         </a:xfrm>
       </p:grpSpPr>
-      <p:pic>
-        <p:nvPicPr>
-          <p:cNvPr id="1026" name="Picture 2" descr="\\DROBO-FS\QuickDrops\JB\PPTX NG\Droplets\LightingOverlay.png"/>
-          <p:cNvPicPr>
-            <a:picLocks noChangeAspect="1" noChangeArrowheads="1"/>
-          </p:cNvPicPr>
-          <p:nvPr/>
-        </p:nvPicPr>
-        <p:blipFill>
-          <a:blip r:embed="rId19">
-            <a:alphaModFix amt="40000"/>
-            <a:extLst>
-              <a:ext uri="{28A0092B-C50C-407E-A947-70E740481C1C}">
-                <a14:useLocalDpi xmlns:a14="http://schemas.microsoft.com/office/drawing/2010/main" val="0"/>
-              </a:ext>
-            </a:extLst>
-          </a:blip>
-          <a:srcRect/>
-          <a:stretch>
-            <a:fillRect/>
-          </a:stretch>
-        </p:blipFill>
-        <p:spPr bwMode="auto">
-          <a:xfrm>
-            <a:off x="0" y="0"/>
-            <a:ext cx="12192003" cy="6858001"/>
-          </a:xfrm>
-          <a:prstGeom prst="rect">
-            <a:avLst/>
-          </a:prstGeom>
-          <a:noFill/>
-          <a:extLst>
-            <a:ext uri="{909E8E84-426E-40DD-AFC4-6F175D3DCCD1}">
-              <a14:hiddenFill xmlns:a14="http://schemas.microsoft.com/office/drawing/2010/main">
-                <a:solidFill>
-                  <a:srgbClr val="FFFFFF"/>
-                </a:solidFill>
-              </a14:hiddenFill>
-            </a:ext>
-          </a:extLst>
-        </p:spPr>
-      </p:pic>
       <p:sp>
         <p:nvSpPr>
           <p:cNvPr id="2" name="Title Placeholder 1"/>
@@ -5517,8 +2456,8 @@
         </p:nvSpPr>
         <p:spPr>
           <a:xfrm>
-            <a:off x="913775" y="618517"/>
-            <a:ext cx="10364451" cy="1596177"/>
+            <a:off x="838200" y="365125"/>
+            <a:ext cx="10515600" cy="1325563"/>
           </a:xfrm>
           <a:prstGeom prst="rect">
             <a:avLst/>
@@ -5534,7 +2473,7 @@
               <a:rPr lang="en-US" smtClean="0"/>
               <a:t>Click to edit Master title style</a:t>
             </a:r>
-            <a:endParaRPr lang="en-US" dirty="0"/>
+            <a:endParaRPr lang="en-US"/>
           </a:p>
         </p:txBody>
       </p:sp>
@@ -5550,8 +2489,8 @@
         </p:nvSpPr>
         <p:spPr>
           <a:xfrm>
-            <a:off x="913775" y="2367093"/>
-            <a:ext cx="10364452" cy="3424107"/>
+            <a:off x="838200" y="1825625"/>
+            <a:ext cx="10515600" cy="4351338"/>
           </a:xfrm>
           <a:prstGeom prst="rect">
             <a:avLst/>
@@ -5596,7 +2535,7 @@
               <a:rPr lang="en-US" smtClean="0"/>
               <a:t>Fifth level</a:t>
             </a:r>
-            <a:endParaRPr lang="en-US" dirty="0"/>
+            <a:endParaRPr lang="en-US"/>
           </a:p>
         </p:txBody>
       </p:sp>
@@ -5612,7 +2551,7 @@
         </p:nvSpPr>
         <p:spPr>
           <a:xfrm>
-            <a:off x="7678737" y="5883275"/>
+            <a:off x="838200" y="6356350"/>
             <a:ext cx="2743200" cy="365125"/>
           </a:xfrm>
           <a:prstGeom prst="rect">
@@ -5622,19 +2561,21 @@
         <p:txBody>
           <a:bodyPr vert="horz" lIns="91440" tIns="45720" rIns="91440" bIns="45720" rtlCol="0" anchor="ctr"/>
           <a:lstStyle>
-            <a:lvl1pPr algn="r">
-              <a:defRPr sz="1000">
+            <a:lvl1pPr algn="l">
+              <a:defRPr sz="1200">
                 <a:solidFill>
-                  <a:schemeClr val="tx1"/>
+                  <a:schemeClr val="tx1">
+                    <a:tint val="75000"/>
+                  </a:schemeClr>
                 </a:solidFill>
               </a:defRPr>
             </a:lvl1pPr>
           </a:lstStyle>
           <a:p>
             <a:fld id="{48A87A34-81AB-432B-8DAE-1953F412C126}" type="datetimeFigureOut">
-              <a:rPr lang="en-US" dirty="0"/>
+              <a:rPr lang="en-US" smtClean="0"/>
               <a:pPr/>
-              <a:t>7/4/2025</a:t>
+              <a:t>7/5/2025</a:t>
             </a:fld>
             <a:endParaRPr lang="en-US" dirty="0"/>
           </a:p>
@@ -5652,8 +2593,8 @@
         </p:nvSpPr>
         <p:spPr>
           <a:xfrm>
-            <a:off x="913774" y="5883275"/>
-            <a:ext cx="6672887" cy="365125"/>
+            <a:off x="4038600" y="6356350"/>
+            <a:ext cx="4114800" cy="365125"/>
           </a:xfrm>
           <a:prstGeom prst="rect">
             <a:avLst/>
@@ -5662,10 +2603,12 @@
         <p:txBody>
           <a:bodyPr vert="horz" lIns="91440" tIns="45720" rIns="91440" bIns="45720" rtlCol="0" anchor="ctr"/>
           <a:lstStyle>
-            <a:lvl1pPr algn="l">
-              <a:defRPr sz="1000">
+            <a:lvl1pPr algn="ctr">
+              <a:defRPr sz="1200">
                 <a:solidFill>
-                  <a:schemeClr val="tx1"/>
+                  <a:schemeClr val="tx1">
+                    <a:tint val="75000"/>
+                  </a:schemeClr>
                 </a:solidFill>
               </a:defRPr>
             </a:lvl1pPr>
@@ -5687,8 +2630,8 @@
         </p:nvSpPr>
         <p:spPr>
           <a:xfrm>
-            <a:off x="10514011" y="5883275"/>
-            <a:ext cx="764215" cy="365125"/>
+            <a:off x="8610600" y="6356350"/>
+            <a:ext cx="2743200" cy="365125"/>
           </a:xfrm>
           <a:prstGeom prst="rect">
             <a:avLst/>
@@ -5698,16 +2641,18 @@
           <a:bodyPr vert="horz" lIns="91440" tIns="45720" rIns="91440" bIns="45720" rtlCol="0" anchor="ctr"/>
           <a:lstStyle>
             <a:lvl1pPr algn="r">
-              <a:defRPr sz="1000">
+              <a:defRPr sz="1200">
                 <a:solidFill>
-                  <a:schemeClr val="tx1"/>
+                  <a:schemeClr val="tx1">
+                    <a:tint val="75000"/>
+                  </a:schemeClr>
                 </a:solidFill>
               </a:defRPr>
             </a:lvl1pPr>
           </a:lstStyle>
           <a:p>
             <a:fld id="{6D22F896-40B5-4ADD-8801-0D06FADFA095}" type="slidenum">
-              <a:rPr lang="en-US" dirty="0"/>
+              <a:rPr lang="en-US" smtClean="0"/>
               <a:pPr/>
               <a:t>‹#›</a:t>
             </a:fld>
@@ -5716,30 +2661,29 @@
         </p:txBody>
       </p:sp>
     </p:spTree>
+    <p:extLst>
+      <p:ext uri="{BB962C8B-B14F-4D97-AF65-F5344CB8AC3E}">
+        <p14:creationId xmlns:p14="http://schemas.microsoft.com/office/powerpoint/2010/main" val="2685858982"/>
+      </p:ext>
+    </p:extLst>
   </p:cSld>
-  <p:clrMap bg1="dk1" tx1="lt1" bg2="dk2" tx2="lt2" accent1="accent1" accent2="accent2" accent3="accent3" accent4="accent4" accent5="accent5" accent6="accent6" hlink="hlink" folHlink="folHlink"/>
+  <p:clrMap bg1="lt1" tx1="dk1" bg2="lt2" tx2="dk2" accent1="accent1" accent2="accent2" accent3="accent3" accent4="accent4" accent5="accent5" accent6="accent6" hlink="hlink" folHlink="folHlink"/>
   <p:sldLayoutIdLst>
-    <p:sldLayoutId id="2147483649" r:id="rId1"/>
-    <p:sldLayoutId id="2147483650" r:id="rId2"/>
-    <p:sldLayoutId id="2147483651" r:id="rId3"/>
-    <p:sldLayoutId id="2147483652" r:id="rId4"/>
-    <p:sldLayoutId id="2147483653" r:id="rId5"/>
-    <p:sldLayoutId id="2147483654" r:id="rId6"/>
-    <p:sldLayoutId id="2147483655" r:id="rId7"/>
-    <p:sldLayoutId id="2147483656" r:id="rId8"/>
-    <p:sldLayoutId id="2147483657" r:id="rId9"/>
-    <p:sldLayoutId id="2147483660" r:id="rId10"/>
-    <p:sldLayoutId id="2147483661" r:id="rId11"/>
-    <p:sldLayoutId id="2147483666" r:id="rId12"/>
-    <p:sldLayoutId id="2147483663" r:id="rId13"/>
-    <p:sldLayoutId id="2147483667" r:id="rId14"/>
-    <p:sldLayoutId id="2147483668" r:id="rId15"/>
-    <p:sldLayoutId id="2147483658" r:id="rId16"/>
-    <p:sldLayoutId id="2147483659" r:id="rId17"/>
+    <p:sldLayoutId id="2147483670" r:id="rId1"/>
+    <p:sldLayoutId id="2147483671" r:id="rId2"/>
+    <p:sldLayoutId id="2147483672" r:id="rId3"/>
+    <p:sldLayoutId id="2147483673" r:id="rId4"/>
+    <p:sldLayoutId id="2147483674" r:id="rId5"/>
+    <p:sldLayoutId id="2147483675" r:id="rId6"/>
+    <p:sldLayoutId id="2147483676" r:id="rId7"/>
+    <p:sldLayoutId id="2147483677" r:id="rId8"/>
+    <p:sldLayoutId id="2147483678" r:id="rId9"/>
+    <p:sldLayoutId id="2147483679" r:id="rId10"/>
+    <p:sldLayoutId id="2147483680" r:id="rId11"/>
   </p:sldLayoutIdLst>
   <p:txStyles>
     <p:titleStyle>
-      <a:lvl1pPr algn="ctr" defTabSz="914400" rtl="0" eaLnBrk="1" latinLnBrk="0" hangingPunct="1">
+      <a:lvl1pPr algn="l" defTabSz="914400" rtl="0" eaLnBrk="1" latinLnBrk="0" hangingPunct="1">
         <a:lnSpc>
           <a:spcPct val="90000"/>
         </a:lnSpc>
@@ -5747,17 +2691,10 @@
           <a:spcPct val="0"/>
         </a:spcBef>
         <a:buNone/>
-        <a:defRPr sz="3600" kern="1200" cap="all" baseline="0">
+        <a:defRPr sz="4400" kern="1200">
           <a:solidFill>
             <a:schemeClr val="tx1"/>
           </a:solidFill>
-          <a:effectLst>
-            <a:outerShdw blurRad="38100" dist="38100" dir="2700000" algn="tl">
-              <a:srgbClr val="000000">
-                <a:alpha val="43137"/>
-              </a:srgbClr>
-            </a:outerShdw>
-          </a:effectLst>
           <a:latin typeface="+mj-lt"/>
           <a:ea typeface="+mj-ea"/>
           <a:cs typeface="+mj-cs"/>
@@ -5767,27 +2704,17 @@
     <p:bodyStyle>
       <a:lvl1pPr marL="228600" indent="-228600" algn="l" defTabSz="914400" rtl="0" eaLnBrk="1" latinLnBrk="0" hangingPunct="1">
         <a:lnSpc>
-          <a:spcPct val="120000"/>
+          <a:spcPct val="90000"/>
         </a:lnSpc>
         <a:spcBef>
           <a:spcPts val="1000"/>
         </a:spcBef>
-        <a:buClr>
-          <a:schemeClr val="tx1"/>
-        </a:buClr>
         <a:buFont typeface="Arial" panose="020B0604020202020204" pitchFamily="34" charset="0"/>
         <a:buChar char="•"/>
-        <a:defRPr sz="2000" kern="1200" cap="all" baseline="0">
+        <a:defRPr sz="2800" kern="1200">
           <a:solidFill>
             <a:schemeClr val="tx1"/>
           </a:solidFill>
-          <a:effectLst>
-            <a:outerShdw blurRad="47625" dist="12700" dir="2700000" algn="tl" rotWithShape="0">
-              <a:srgbClr val="000000">
-                <a:alpha val="36000"/>
-              </a:srgbClr>
-            </a:outerShdw>
-          </a:effectLst>
           <a:latin typeface="+mn-lt"/>
           <a:ea typeface="+mn-ea"/>
           <a:cs typeface="+mn-cs"/>
@@ -5795,27 +2722,17 @@
       </a:lvl1pPr>
       <a:lvl2pPr marL="685800" indent="-228600" algn="l" defTabSz="914400" rtl="0" eaLnBrk="1" latinLnBrk="0" hangingPunct="1">
         <a:lnSpc>
-          <a:spcPct val="120000"/>
+          <a:spcPct val="90000"/>
         </a:lnSpc>
         <a:spcBef>
           <a:spcPts val="500"/>
         </a:spcBef>
-        <a:buClr>
-          <a:schemeClr val="tx1"/>
-        </a:buClr>
         <a:buFont typeface="Arial" panose="020B0604020202020204" pitchFamily="34" charset="0"/>
         <a:buChar char="•"/>
-        <a:defRPr sz="1800" kern="1200" cap="all" baseline="0">
+        <a:defRPr sz="2400" kern="1200">
           <a:solidFill>
             <a:schemeClr val="tx1"/>
           </a:solidFill>
-          <a:effectLst>
-            <a:outerShdw blurRad="47625" dist="12700" dir="2700000" algn="tl" rotWithShape="0">
-              <a:srgbClr val="000000">
-                <a:alpha val="36000"/>
-              </a:srgbClr>
-            </a:outerShdw>
-          </a:effectLst>
           <a:latin typeface="+mn-lt"/>
           <a:ea typeface="+mn-ea"/>
           <a:cs typeface="+mn-cs"/>
@@ -5823,27 +2740,17 @@
       </a:lvl2pPr>
       <a:lvl3pPr marL="1143000" indent="-228600" algn="l" defTabSz="914400" rtl="0" eaLnBrk="1" latinLnBrk="0" hangingPunct="1">
         <a:lnSpc>
-          <a:spcPct val="120000"/>
+          <a:spcPct val="90000"/>
         </a:lnSpc>
         <a:spcBef>
           <a:spcPts val="500"/>
         </a:spcBef>
-        <a:buClr>
-          <a:schemeClr val="tx1"/>
-        </a:buClr>
         <a:buFont typeface="Arial" panose="020B0604020202020204" pitchFamily="34" charset="0"/>
         <a:buChar char="•"/>
-        <a:defRPr sz="1600" kern="1200" cap="all" baseline="0">
+        <a:defRPr sz="2000" kern="1200">
           <a:solidFill>
             <a:schemeClr val="tx1"/>
           </a:solidFill>
-          <a:effectLst>
-            <a:outerShdw blurRad="47625" dist="12700" dir="2700000" algn="tl" rotWithShape="0">
-              <a:srgbClr val="000000">
-                <a:alpha val="36000"/>
-              </a:srgbClr>
-            </a:outerShdw>
-          </a:effectLst>
           <a:latin typeface="+mn-lt"/>
           <a:ea typeface="+mn-ea"/>
           <a:cs typeface="+mn-cs"/>
@@ -5851,27 +2758,17 @@
       </a:lvl3pPr>
       <a:lvl4pPr marL="1600200" indent="-228600" algn="l" defTabSz="914400" rtl="0" eaLnBrk="1" latinLnBrk="0" hangingPunct="1">
         <a:lnSpc>
-          <a:spcPct val="120000"/>
+          <a:spcPct val="90000"/>
         </a:lnSpc>
         <a:spcBef>
           <a:spcPts val="500"/>
         </a:spcBef>
-        <a:buClr>
-          <a:schemeClr val="tx1"/>
-        </a:buClr>
         <a:buFont typeface="Arial" panose="020B0604020202020204" pitchFamily="34" charset="0"/>
         <a:buChar char="•"/>
-        <a:defRPr sz="1400" kern="1200" cap="all" baseline="0">
+        <a:defRPr sz="1800" kern="1200">
           <a:solidFill>
             <a:schemeClr val="tx1"/>
           </a:solidFill>
-          <a:effectLst>
-            <a:outerShdw blurRad="47625" dist="12700" dir="2700000" algn="tl" rotWithShape="0">
-              <a:srgbClr val="000000">
-                <a:alpha val="36000"/>
-              </a:srgbClr>
-            </a:outerShdw>
-          </a:effectLst>
           <a:latin typeface="+mn-lt"/>
           <a:ea typeface="+mn-ea"/>
           <a:cs typeface="+mn-cs"/>
@@ -5879,27 +2776,17 @@
       </a:lvl4pPr>
       <a:lvl5pPr marL="2057400" indent="-228600" algn="l" defTabSz="914400" rtl="0" eaLnBrk="1" latinLnBrk="0" hangingPunct="1">
         <a:lnSpc>
-          <a:spcPct val="120000"/>
+          <a:spcPct val="90000"/>
         </a:lnSpc>
         <a:spcBef>
           <a:spcPts val="500"/>
         </a:spcBef>
-        <a:buClr>
-          <a:schemeClr val="tx1"/>
-        </a:buClr>
         <a:buFont typeface="Arial" panose="020B0604020202020204" pitchFamily="34" charset="0"/>
         <a:buChar char="•"/>
-        <a:defRPr sz="1400" kern="1200" cap="all" baseline="0">
+        <a:defRPr sz="1800" kern="1200">
           <a:solidFill>
             <a:schemeClr val="tx1"/>
           </a:solidFill>
-          <a:effectLst>
-            <a:outerShdw blurRad="47625" dist="12700" dir="2700000" algn="tl" rotWithShape="0">
-              <a:srgbClr val="000000">
-                <a:alpha val="36000"/>
-              </a:srgbClr>
-            </a:outerShdw>
-          </a:effectLst>
           <a:latin typeface="+mn-lt"/>
           <a:ea typeface="+mn-ea"/>
           <a:cs typeface="+mn-cs"/>
@@ -5907,27 +2794,17 @@
       </a:lvl5pPr>
       <a:lvl6pPr marL="2514600" indent="-228600" algn="l" defTabSz="914400" rtl="0" eaLnBrk="1" latinLnBrk="0" hangingPunct="1">
         <a:lnSpc>
-          <a:spcPct val="120000"/>
+          <a:spcPct val="90000"/>
         </a:lnSpc>
         <a:spcBef>
           <a:spcPts val="500"/>
         </a:spcBef>
-        <a:buClr>
-          <a:schemeClr val="tx1"/>
-        </a:buClr>
         <a:buFont typeface="Arial" panose="020B0604020202020204" pitchFamily="34" charset="0"/>
         <a:buChar char="•"/>
-        <a:defRPr sz="1400" kern="1200" cap="all" baseline="0">
+        <a:defRPr sz="1800" kern="1200">
           <a:solidFill>
             <a:schemeClr val="tx1"/>
           </a:solidFill>
-          <a:effectLst>
-            <a:outerShdw blurRad="47625" dist="12700" dir="2700000" algn="tl" rotWithShape="0">
-              <a:srgbClr val="000000">
-                <a:alpha val="36000"/>
-              </a:srgbClr>
-            </a:outerShdw>
-          </a:effectLst>
           <a:latin typeface="+mn-lt"/>
           <a:ea typeface="+mn-ea"/>
           <a:cs typeface="+mn-cs"/>
@@ -5935,27 +2812,17 @@
       </a:lvl6pPr>
       <a:lvl7pPr marL="2971800" indent="-228600" algn="l" defTabSz="914400" rtl="0" eaLnBrk="1" latinLnBrk="0" hangingPunct="1">
         <a:lnSpc>
-          <a:spcPct val="120000"/>
+          <a:spcPct val="90000"/>
         </a:lnSpc>
         <a:spcBef>
           <a:spcPts val="500"/>
         </a:spcBef>
-        <a:buClr>
-          <a:schemeClr val="tx1"/>
-        </a:buClr>
         <a:buFont typeface="Arial" panose="020B0604020202020204" pitchFamily="34" charset="0"/>
         <a:buChar char="•"/>
-        <a:defRPr sz="1400" kern="1200" cap="all" baseline="0">
+        <a:defRPr sz="1800" kern="1200">
           <a:solidFill>
             <a:schemeClr val="tx1"/>
           </a:solidFill>
-          <a:effectLst>
-            <a:outerShdw blurRad="47625" dist="12700" dir="2700000" algn="tl" rotWithShape="0">
-              <a:srgbClr val="000000">
-                <a:alpha val="36000"/>
-              </a:srgbClr>
-            </a:outerShdw>
-          </a:effectLst>
           <a:latin typeface="+mn-lt"/>
           <a:ea typeface="+mn-ea"/>
           <a:cs typeface="+mn-cs"/>
@@ -5963,27 +2830,17 @@
       </a:lvl7pPr>
       <a:lvl8pPr marL="3429000" indent="-228600" algn="l" defTabSz="914400" rtl="0" eaLnBrk="1" latinLnBrk="0" hangingPunct="1">
         <a:lnSpc>
-          <a:spcPct val="120000"/>
+          <a:spcPct val="90000"/>
         </a:lnSpc>
         <a:spcBef>
           <a:spcPts val="500"/>
         </a:spcBef>
-        <a:buClr>
-          <a:schemeClr val="tx1"/>
-        </a:buClr>
         <a:buFont typeface="Arial" panose="020B0604020202020204" pitchFamily="34" charset="0"/>
         <a:buChar char="•"/>
-        <a:defRPr sz="1400" kern="1200" cap="all" baseline="0">
+        <a:defRPr sz="1800" kern="1200">
           <a:solidFill>
             <a:schemeClr val="tx1"/>
           </a:solidFill>
-          <a:effectLst>
-            <a:outerShdw blurRad="47625" dist="12700" dir="2700000" algn="tl" rotWithShape="0">
-              <a:srgbClr val="000000">
-                <a:alpha val="36000"/>
-              </a:srgbClr>
-            </a:outerShdw>
-          </a:effectLst>
           <a:latin typeface="+mn-lt"/>
           <a:ea typeface="+mn-ea"/>
           <a:cs typeface="+mn-cs"/>
@@ -5991,27 +2848,17 @@
       </a:lvl8pPr>
       <a:lvl9pPr marL="3886200" indent="-228600" algn="l" defTabSz="914400" rtl="0" eaLnBrk="1" latinLnBrk="0" hangingPunct="1">
         <a:lnSpc>
-          <a:spcPct val="120000"/>
+          <a:spcPct val="90000"/>
         </a:lnSpc>
         <a:spcBef>
           <a:spcPts val="500"/>
         </a:spcBef>
-        <a:buClr>
-          <a:schemeClr val="tx1"/>
-        </a:buClr>
         <a:buFont typeface="Arial" panose="020B0604020202020204" pitchFamily="34" charset="0"/>
         <a:buChar char="•"/>
-        <a:defRPr sz="1400" kern="1200" cap="all" baseline="0">
+        <a:defRPr sz="1800" kern="1200">
           <a:solidFill>
             <a:schemeClr val="tx1"/>
           </a:solidFill>
-          <a:effectLst>
-            <a:outerShdw blurRad="47625" dist="12700" dir="2700000" algn="tl" rotWithShape="0">
-              <a:srgbClr val="000000">
-                <a:alpha val="36000"/>
-              </a:srgbClr>
-            </a:outerShdw>
-          </a:effectLst>
           <a:latin typeface="+mn-lt"/>
           <a:ea typeface="+mn-ea"/>
           <a:cs typeface="+mn-cs"/>
@@ -6128,7 +2975,7 @@
           </a:blip>
           <a:srcRect/>
           <a:stretch>
-            <a:fillRect t="-17000" b="-17000"/>
+            <a:fillRect t="-6000" b="-6000"/>
           </a:stretch>
         </a:blipFill>
         <a:effectLst/>
@@ -6172,10 +3019,18 @@
           <a:p>
             <a:pPr algn="l"/>
             <a:r>
-              <a:rPr lang="en-US" sz="6000" b="1" dirty="0" smtClean="0"/>
+              <a:rPr lang="en-US" sz="6000" b="1" dirty="0" smtClean="0">
+                <a:solidFill>
+                  <a:schemeClr val="bg1"/>
+                </a:solidFill>
+              </a:rPr>
               <a:t>The impact of social media on education</a:t>
             </a:r>
-            <a:endParaRPr lang="en-US" sz="6000" b="1" dirty="0"/>
+            <a:endParaRPr lang="en-US" sz="6000" b="1" dirty="0">
+              <a:solidFill>
+                <a:schemeClr val="bg1"/>
+              </a:solidFill>
+            </a:endParaRPr>
           </a:p>
         </p:txBody>
       </p:sp>
@@ -6191,7 +3046,7 @@
         </p:nvSpPr>
         <p:spPr>
           <a:xfrm>
-            <a:off x="1766778" y="2469996"/>
+            <a:off x="1846646" y="2659183"/>
             <a:ext cx="8689976" cy="1371599"/>
           </a:xfrm>
         </p:spPr>
@@ -6205,14 +3060,14 @@
             <a:r>
               <a:rPr lang="en-US" sz="2400" b="1" dirty="0" smtClean="0">
                 <a:solidFill>
-                  <a:schemeClr val="tx1"/>
+                  <a:schemeClr val="bg1"/>
                 </a:solidFill>
               </a:rPr>
               <a:t>Understanding the role of digital platform in learning</a:t>
             </a:r>
             <a:endParaRPr lang="en-US" sz="2400" b="1" dirty="0">
               <a:solidFill>
-                <a:schemeClr val="tx1"/>
+                <a:schemeClr val="bg1"/>
               </a:solidFill>
             </a:endParaRPr>
           </a:p>
@@ -6240,7 +3095,7 @@
         </p:blipFill>
         <p:spPr>
           <a:xfrm>
-            <a:off x="1766778" y="3666729"/>
+            <a:off x="3958185" y="3666729"/>
             <a:ext cx="3675500" cy="2624960"/>
           </a:xfrm>
           <a:prstGeom prst="rect">
@@ -6276,36 +3131,6 @@
               <a:srgbClr val="FFFFFF"/>
             </a:contourClr>
           </a:sp3d>
-        </p:spPr>
-      </p:pic>
-      <p:pic>
-        <p:nvPicPr>
-          <p:cNvPr id="4" name="Picture 3" descr="3 Tools That All Online Home-Based Businesses Need - Easy Day Care ..."/>
-          <p:cNvPicPr>
-            <a:picLocks noChangeAspect="1"/>
-          </p:cNvPicPr>
-          <p:nvPr/>
-        </p:nvPicPr>
-        <p:blipFill>
-          <a:blip r:embed="rId4">
-            <a:extLst>
-              <a:ext uri="{28A0092B-C50C-407E-A947-70E740481C1C}">
-                <a14:useLocalDpi xmlns:a14="http://schemas.microsoft.com/office/drawing/2010/main" val="0"/>
-              </a:ext>
-            </a:extLst>
-          </a:blip>
-          <a:stretch>
-            <a:fillRect/>
-          </a:stretch>
-        </p:blipFill>
-        <p:spPr>
-          <a:xfrm>
-            <a:off x="7078717" y="3666729"/>
-            <a:ext cx="3378037" cy="2624960"/>
-          </a:xfrm>
-          <a:prstGeom prst="rect">
-            <a:avLst/>
-          </a:prstGeom>
         </p:spPr>
       </p:pic>
     </p:spTree>
@@ -6516,97 +3341,6 @@
                                         <p:cTn id="18" dur="500" fill="hold"/>
                                         <p:tgtEl>
                                           <p:spTgt spid="5"/>
-                                        </p:tgtEl>
-                                        <p:attrNameLst>
-                                          <p:attrName>ppt_y</p:attrName>
-                                        </p:attrNameLst>
-                                      </p:cBhvr>
-                                      <p:tavLst>
-                                        <p:tav tm="0">
-                                          <p:val>
-                                            <p:strVal val="1+#ppt_h/2"/>
-                                          </p:val>
-                                        </p:tav>
-                                        <p:tav tm="100000">
-                                          <p:val>
-                                            <p:strVal val="#ppt_y"/>
-                                          </p:val>
-                                        </p:tav>
-                                      </p:tavLst>
-                                    </p:anim>
-                                  </p:childTnLst>
-                                </p:cTn>
-                              </p:par>
-                            </p:childTnLst>
-                          </p:cTn>
-                        </p:par>
-                      </p:childTnLst>
-                    </p:cTn>
-                  </p:par>
-                  <p:par>
-                    <p:cTn id="19" fill="hold">
-                      <p:stCondLst>
-                        <p:cond delay="indefinite"/>
-                      </p:stCondLst>
-                      <p:childTnLst>
-                        <p:par>
-                          <p:cTn id="20" fill="hold">
-                            <p:stCondLst>
-                              <p:cond delay="0"/>
-                            </p:stCondLst>
-                            <p:childTnLst>
-                              <p:par>
-                                <p:cTn id="21" presetID="2" presetClass="entr" presetSubtype="4" fill="hold" nodeType="clickEffect">
-                                  <p:stCondLst>
-                                    <p:cond delay="0"/>
-                                  </p:stCondLst>
-                                  <p:childTnLst>
-                                    <p:set>
-                                      <p:cBhvr>
-                                        <p:cTn id="22" dur="1" fill="hold">
-                                          <p:stCondLst>
-                                            <p:cond delay="0"/>
-                                          </p:stCondLst>
-                                        </p:cTn>
-                                        <p:tgtEl>
-                                          <p:spTgt spid="4"/>
-                                        </p:tgtEl>
-                                        <p:attrNameLst>
-                                          <p:attrName>style.visibility</p:attrName>
-                                        </p:attrNameLst>
-                                      </p:cBhvr>
-                                      <p:to>
-                                        <p:strVal val="visible"/>
-                                      </p:to>
-                                    </p:set>
-                                    <p:anim calcmode="lin" valueType="num">
-                                      <p:cBhvr additive="base">
-                                        <p:cTn id="23" dur="500" fill="hold"/>
-                                        <p:tgtEl>
-                                          <p:spTgt spid="4"/>
-                                        </p:tgtEl>
-                                        <p:attrNameLst>
-                                          <p:attrName>ppt_x</p:attrName>
-                                        </p:attrNameLst>
-                                      </p:cBhvr>
-                                      <p:tavLst>
-                                        <p:tav tm="0">
-                                          <p:val>
-                                            <p:strVal val="#ppt_x"/>
-                                          </p:val>
-                                        </p:tav>
-                                        <p:tav tm="100000">
-                                          <p:val>
-                                            <p:strVal val="#ppt_x"/>
-                                          </p:val>
-                                        </p:tav>
-                                      </p:tavLst>
-                                    </p:anim>
-                                    <p:anim calcmode="lin" valueType="num">
-                                      <p:cBhvr additive="base">
-                                        <p:cTn id="24" dur="500" fill="hold"/>
-                                        <p:tgtEl>
-                                          <p:spTgt spid="4"/>
                                         </p:tgtEl>
                                         <p:attrNameLst>
                                           <p:attrName>ppt_y</p:attrName>
@@ -6674,7 +3408,7 @@
           </a:blip>
           <a:srcRect/>
           <a:stretch>
-            <a:fillRect/>
+            <a:fillRect t="-6000" b="-6000"/>
           </a:stretch>
         </a:blipFill>
         <a:effectLst/>
@@ -6706,7 +3440,7 @@
         </p:nvSpPr>
         <p:spPr>
           <a:xfrm>
-            <a:off x="913774" y="770915"/>
+            <a:off x="1292146" y="692086"/>
             <a:ext cx="10364451" cy="1596177"/>
           </a:xfrm>
         </p:spPr>
@@ -6718,11 +3452,17 @@
           <a:p>
             <a:r>
               <a:rPr lang="en-US" sz="7200" b="1" dirty="0" smtClean="0">
+                <a:solidFill>
+                  <a:schemeClr val="bg1"/>
+                </a:solidFill>
                 <a:latin typeface="Britannic Bold" panose="020B0903060703020204" pitchFamily="34" charset="0"/>
               </a:rPr>
               <a:t>conclusion</a:t>
             </a:r>
             <a:endParaRPr lang="en-US" sz="7200" b="1" dirty="0">
+              <a:solidFill>
+                <a:schemeClr val="bg1"/>
+              </a:solidFill>
               <a:latin typeface="Britannic Bold" panose="020B0903060703020204" pitchFamily="34" charset="0"/>
             </a:endParaRPr>
           </a:p>
@@ -6735,7 +3475,7 @@
             <a:spLocks noGrp="1"/>
           </p:cNvSpPr>
           <p:nvPr>
-            <p:ph sz="quarter" idx="13"/>
+            <p:ph idx="1"/>
           </p:nvPr>
         </p:nvSpPr>
         <p:spPr>
@@ -6757,6 +3497,9 @@
             </a:pPr>
             <a:r>
               <a:rPr lang="en-US" sz="2400" dirty="0" smtClean="0">
+                <a:solidFill>
+                  <a:schemeClr val="bg1"/>
+                </a:solidFill>
                 <a:effectLst>
                   <a:outerShdw blurRad="38100" dist="38100" dir="2700000" algn="tl">
                     <a:srgbClr val="000000">
@@ -6779,6 +3522,9 @@
             </a:pPr>
             <a:r>
               <a:rPr lang="en-US" sz="2400" dirty="0" smtClean="0">
+                <a:solidFill>
+                  <a:schemeClr val="bg1"/>
+                </a:solidFill>
                 <a:effectLst>
                   <a:outerShdw blurRad="38100" dist="38100" dir="2700000" algn="tl">
                     <a:srgbClr val="000000">
@@ -6801,6 +3547,9 @@
             </a:pPr>
             <a:r>
               <a:rPr lang="en-US" sz="2400" dirty="0" smtClean="0">
+                <a:solidFill>
+                  <a:schemeClr val="bg1"/>
+                </a:solidFill>
                 <a:effectLst>
                   <a:outerShdw blurRad="38100" dist="38100" dir="2700000" algn="tl">
                     <a:srgbClr val="000000">
@@ -6814,6 +3563,9 @@
             </a:r>
             <a:r>
               <a:rPr lang="en-US" dirty="0" smtClean="0">
+                <a:solidFill>
+                  <a:schemeClr val="bg1"/>
+                </a:solidFill>
                 <a:effectLst>
                   <a:outerShdw blurRad="38100" dist="38100" dir="2700000" algn="tl">
                     <a:srgbClr val="000000">
@@ -6831,6 +3583,9 @@
               <a:buNone/>
             </a:pPr>
             <a:endParaRPr lang="en-US" dirty="0">
+              <a:solidFill>
+                <a:schemeClr val="bg1"/>
+              </a:solidFill>
               <a:effectLst>
                 <a:outerShdw blurRad="38100" dist="38100" dir="2700000" algn="tl">
                   <a:srgbClr val="000000">
@@ -7192,6 +3947,9 @@
           <a:p>
             <a:r>
               <a:rPr lang="en-US" sz="11500" b="1" dirty="0" smtClean="0">
+                <a:solidFill>
+                  <a:schemeClr val="bg1"/>
+                </a:solidFill>
                 <a:latin typeface="Bradley Hand ITC" panose="03070402050302030203" pitchFamily="66" charset="0"/>
               </a:rPr>
               <a:t>THANK </a:t>
@@ -7200,17 +3958,26 @@
           <a:p>
             <a:r>
               <a:rPr lang="en-US" sz="11500" b="1" dirty="0">
+                <a:solidFill>
+                  <a:schemeClr val="bg1"/>
+                </a:solidFill>
                 <a:latin typeface="Bradley Hand ITC" panose="03070402050302030203" pitchFamily="66" charset="0"/>
               </a:rPr>
               <a:t> </a:t>
             </a:r>
             <a:r>
               <a:rPr lang="en-US" sz="11500" b="1" dirty="0" smtClean="0">
+                <a:solidFill>
+                  <a:schemeClr val="bg1"/>
+                </a:solidFill>
                 <a:latin typeface="Bradley Hand ITC" panose="03070402050302030203" pitchFamily="66" charset="0"/>
               </a:rPr>
               <a:t>      YOU</a:t>
             </a:r>
             <a:endParaRPr lang="en-US" sz="11500" b="1" dirty="0">
+              <a:solidFill>
+                <a:schemeClr val="bg1"/>
+              </a:solidFill>
               <a:latin typeface="Bradley Hand ITC" panose="03070402050302030203" pitchFamily="66" charset="0"/>
             </a:endParaRPr>
           </a:p>
@@ -7224,7 +3991,7 @@
         </p:nvSpPr>
         <p:spPr>
           <a:xfrm>
-            <a:off x="851338" y="4288220"/>
+            <a:off x="1008994" y="4682358"/>
             <a:ext cx="3878317" cy="830997"/>
           </a:xfrm>
           <a:prstGeom prst="rect">
@@ -7240,18 +4007,27 @@
           <a:p>
             <a:r>
               <a:rPr lang="en-US" sz="2400" b="1" dirty="0" smtClean="0">
+                <a:solidFill>
+                  <a:schemeClr val="bg1"/>
+                </a:solidFill>
                 <a:latin typeface="Bradley Hand ITC" panose="03070402050302030203" pitchFamily="66" charset="0"/>
               </a:rPr>
               <a:t>Presented By : </a:t>
             </a:r>
             <a:r>
               <a:rPr lang="en-US" sz="2400" b="1" dirty="0" err="1" smtClean="0">
+                <a:solidFill>
+                  <a:schemeClr val="bg1"/>
+                </a:solidFill>
                 <a:latin typeface="Bradley Hand ITC" panose="03070402050302030203" pitchFamily="66" charset="0"/>
               </a:rPr>
               <a:t>Pratham</a:t>
             </a:r>
             <a:r>
               <a:rPr lang="en-US" sz="2400" b="1" dirty="0" smtClean="0">
+                <a:solidFill>
+                  <a:schemeClr val="bg1"/>
+                </a:solidFill>
                 <a:latin typeface="Bradley Hand ITC" panose="03070402050302030203" pitchFamily="66" charset="0"/>
               </a:rPr>
               <a:t> Joshi</a:t>
@@ -7260,11 +4036,17 @@
           <a:p>
             <a:r>
               <a:rPr lang="en-US" sz="2400" b="1" dirty="0" smtClean="0">
+                <a:solidFill>
+                  <a:schemeClr val="bg1"/>
+                </a:solidFill>
                 <a:latin typeface="Bradley Hand ITC" panose="03070402050302030203" pitchFamily="66" charset="0"/>
               </a:rPr>
               <a:t>Batch ID        : 304</a:t>
             </a:r>
             <a:endParaRPr lang="en-US" sz="2400" b="1" dirty="0">
+              <a:solidFill>
+                <a:schemeClr val="bg1"/>
+              </a:solidFill>
               <a:latin typeface="Bradley Hand ITC" panose="03070402050302030203" pitchFamily="66" charset="0"/>
             </a:endParaRPr>
           </a:p>
@@ -7630,7 +4412,7 @@
           </a:blip>
           <a:srcRect/>
           <a:stretch>
-            <a:fillRect t="-9000" b="-9000"/>
+            <a:fillRect t="-6000" b="-6000"/>
           </a:stretch>
         </a:blipFill>
         <a:effectLst/>
@@ -7674,16 +4456,26 @@
           <a:p>
             <a:pPr algn="l"/>
             <a:r>
-              <a:rPr lang="en-US" sz="6000" dirty="0" smtClean="0"/>
+              <a:rPr lang="en-US" sz="6000" dirty="0" smtClean="0">
+                <a:solidFill>
+                  <a:schemeClr val="bg1"/>
+                </a:solidFill>
+              </a:rPr>
               <a:t>         </a:t>
             </a:r>
             <a:r>
               <a:rPr lang="en-US" sz="6600" b="1" dirty="0" smtClean="0">
+                <a:solidFill>
+                  <a:schemeClr val="bg1"/>
+                </a:solidFill>
                 <a:latin typeface="Algerian" panose="04020705040A02060702" pitchFamily="82" charset="0"/>
               </a:rPr>
               <a:t>Introduction</a:t>
             </a:r>
             <a:endParaRPr lang="en-US" sz="6600" b="1" dirty="0">
+              <a:solidFill>
+                <a:schemeClr val="bg1"/>
+              </a:solidFill>
               <a:latin typeface="Algerian" panose="04020705040A02060702" pitchFamily="82" charset="0"/>
             </a:endParaRPr>
           </a:p>
@@ -7696,7 +4488,7 @@
             <a:spLocks noGrp="1"/>
           </p:cNvSpPr>
           <p:nvPr>
-            <p:ph sz="quarter" idx="13"/>
+            <p:ph idx="1"/>
           </p:nvPr>
         </p:nvSpPr>
         <p:spPr>
@@ -7720,6 +4512,9 @@
             </a:pPr>
             <a:r>
               <a:rPr lang="en-US" sz="2400" b="1" dirty="0" smtClean="0">
+                <a:solidFill>
+                  <a:schemeClr val="bg1"/>
+                </a:solidFill>
                 <a:latin typeface="Agency FB" panose="020B0503020202020204" pitchFamily="34" charset="0"/>
               </a:rPr>
               <a:t>Social media has changed how students interact and learn.</a:t>
@@ -7735,15 +4530,26 @@
             </a:pPr>
             <a:r>
               <a:rPr lang="en-US" sz="2400" b="1" dirty="0" smtClean="0">
+                <a:solidFill>
+                  <a:schemeClr val="bg1"/>
+                </a:solidFill>
                 <a:latin typeface="Agency FB" panose="020B0503020202020204" pitchFamily="34" charset="0"/>
               </a:rPr>
               <a:t>It influence communication, collaboration, and access to information</a:t>
             </a:r>
             <a:r>
-              <a:rPr lang="en-US" sz="2400" dirty="0" smtClean="0"/>
+              <a:rPr lang="en-US" sz="2400" dirty="0" smtClean="0">
+                <a:solidFill>
+                  <a:schemeClr val="bg1"/>
+                </a:solidFill>
+              </a:rPr>
               <a:t>. </a:t>
             </a:r>
-            <a:endParaRPr lang="en-US" sz="2400" dirty="0"/>
+            <a:endParaRPr lang="en-US" sz="2400" dirty="0">
+              <a:solidFill>
+                <a:schemeClr val="bg1"/>
+              </a:solidFill>
+            </a:endParaRPr>
           </a:p>
         </p:txBody>
       </p:sp>
@@ -7769,38 +4575,8 @@
         </p:blipFill>
         <p:spPr>
           <a:xfrm>
-            <a:off x="1540923" y="3572947"/>
-            <a:ext cx="3413547" cy="2380593"/>
-          </a:xfrm>
-          <a:prstGeom prst="rect">
-            <a:avLst/>
-          </a:prstGeom>
-        </p:spPr>
-      </p:pic>
-      <p:pic>
-        <p:nvPicPr>
-          <p:cNvPr id="5" name="Picture 4"/>
-          <p:cNvPicPr>
-            <a:picLocks noChangeAspect="1"/>
-          </p:cNvPicPr>
-          <p:nvPr/>
-        </p:nvPicPr>
-        <p:blipFill>
-          <a:blip r:embed="rId4">
-            <a:extLst>
-              <a:ext uri="{28A0092B-C50C-407E-A947-70E740481C1C}">
-                <a14:useLocalDpi xmlns:a14="http://schemas.microsoft.com/office/drawing/2010/main" val="0"/>
-              </a:ext>
-            </a:extLst>
-          </a:blip>
-          <a:stretch>
-            <a:fillRect/>
-          </a:stretch>
-        </p:blipFill>
-        <p:spPr>
-          <a:xfrm>
-            <a:off x="6474373" y="3572947"/>
-            <a:ext cx="3410712" cy="2380593"/>
+            <a:off x="3222578" y="3632020"/>
+            <a:ext cx="3945477" cy="2685525"/>
           </a:xfrm>
           <a:prstGeom prst="rect">
             <a:avLst/>
@@ -8166,59 +4942,6 @@
                                         <p:cTn id="25" dur="2000"/>
                                         <p:tgtEl>
                                           <p:spTgt spid="4"/>
-                                        </p:tgtEl>
-                                      </p:cBhvr>
-                                    </p:animEffect>
-                                  </p:childTnLst>
-                                </p:cTn>
-                              </p:par>
-                            </p:childTnLst>
-                          </p:cTn>
-                        </p:par>
-                      </p:childTnLst>
-                    </p:cTn>
-                  </p:par>
-                  <p:par>
-                    <p:cTn id="26" fill="hold">
-                      <p:stCondLst>
-                        <p:cond delay="indefinite"/>
-                      </p:stCondLst>
-                      <p:childTnLst>
-                        <p:par>
-                          <p:cTn id="27" fill="hold">
-                            <p:stCondLst>
-                              <p:cond delay="0"/>
-                            </p:stCondLst>
-                            <p:childTnLst>
-                              <p:par>
-                                <p:cTn id="28" presetID="16" presetClass="entr" presetSubtype="21" fill="hold" nodeType="clickEffect">
-                                  <p:stCondLst>
-                                    <p:cond delay="0"/>
-                                  </p:stCondLst>
-                                  <p:childTnLst>
-                                    <p:set>
-                                      <p:cBhvr>
-                                        <p:cTn id="29" dur="1" fill="hold">
-                                          <p:stCondLst>
-                                            <p:cond delay="0"/>
-                                          </p:stCondLst>
-                                        </p:cTn>
-                                        <p:tgtEl>
-                                          <p:spTgt spid="5"/>
-                                        </p:tgtEl>
-                                        <p:attrNameLst>
-                                          <p:attrName>style.visibility</p:attrName>
-                                        </p:attrNameLst>
-                                      </p:cBhvr>
-                                      <p:to>
-                                        <p:strVal val="visible"/>
-                                      </p:to>
-                                    </p:set>
-                                    <p:animEffect transition="in" filter="barn(inVertical)">
-                                      <p:cBhvr>
-                                        <p:cTn id="30" dur="500"/>
-                                        <p:tgtEl>
-                                          <p:spTgt spid="5"/>
                                         </p:tgtEl>
                                       </p:cBhvr>
                                     </p:animEffect>
@@ -8271,7 +4994,7 @@
           </a:blip>
           <a:srcRect/>
           <a:stretch>
-            <a:fillRect t="-17000" b="-17000"/>
+            <a:fillRect t="-6000" b="-6000"/>
           </a:stretch>
         </a:blipFill>
         <a:effectLst/>
@@ -8301,7 +5024,12 @@
             <p:ph type="title"/>
           </p:nvPr>
         </p:nvSpPr>
-        <p:spPr/>
+        <p:spPr>
+          <a:xfrm>
+            <a:off x="1185042" y="129768"/>
+            <a:ext cx="10515600" cy="1325563"/>
+          </a:xfrm>
+        </p:spPr>
         <p:txBody>
           <a:bodyPr>
             <a:normAutofit/>
@@ -8310,11 +5038,17 @@
           <a:p>
             <a:r>
               <a:rPr lang="en-US" sz="5400" dirty="0" smtClean="0">
+                <a:solidFill>
+                  <a:schemeClr val="bg1"/>
+                </a:solidFill>
                 <a:latin typeface="Berlin Sans FB Demi" panose="020E0802020502020306" pitchFamily="34" charset="0"/>
               </a:rPr>
               <a:t>Positive effects</a:t>
             </a:r>
             <a:endParaRPr lang="en-US" sz="5400" dirty="0">
+              <a:solidFill>
+                <a:schemeClr val="bg1"/>
+              </a:solidFill>
               <a:latin typeface="Berlin Sans FB Demi" panose="020E0802020502020306" pitchFamily="34" charset="0"/>
             </a:endParaRPr>
           </a:p>
@@ -8327,12 +5061,12 @@
             <a:spLocks noGrp="1"/>
           </p:cNvSpPr>
           <p:nvPr>
-            <p:ph sz="quarter" idx="13"/>
+            <p:ph idx="1"/>
           </p:nvPr>
         </p:nvSpPr>
         <p:spPr>
           <a:xfrm>
-            <a:off x="913774" y="2278886"/>
+            <a:off x="1037271" y="1238550"/>
             <a:ext cx="10363826" cy="3424107"/>
           </a:xfrm>
         </p:spPr>
@@ -8349,6 +5083,9 @@
             </a:pPr>
             <a:r>
               <a:rPr lang="en-US" b="1" dirty="0" smtClean="0">
+                <a:solidFill>
+                  <a:schemeClr val="bg1"/>
+                </a:solidFill>
                 <a:latin typeface="Arial Black" panose="020B0A04020102020204" pitchFamily="34" charset="0"/>
               </a:rPr>
               <a:t>Enhance learning through video and article </a:t>
@@ -8364,6 +5101,9 @@
             </a:pPr>
             <a:r>
               <a:rPr lang="en-US" b="1" dirty="0" smtClean="0">
+                <a:solidFill>
+                  <a:schemeClr val="bg1"/>
+                </a:solidFill>
                 <a:latin typeface="Arial Black" panose="020B0A04020102020204" pitchFamily="34" charset="0"/>
               </a:rPr>
               <a:t>Encourage collaboration through group chats and forums</a:t>
@@ -8379,11 +5119,17 @@
             </a:pPr>
             <a:r>
               <a:rPr lang="en-US" b="1" dirty="0" smtClean="0">
+                <a:solidFill>
+                  <a:schemeClr val="bg1"/>
+                </a:solidFill>
                 <a:latin typeface="Arial Black" panose="020B0A04020102020204" pitchFamily="34" charset="0"/>
               </a:rPr>
               <a:t>Offers real-time updates and discussions</a:t>
             </a:r>
             <a:endParaRPr lang="en-US" b="1" dirty="0">
+              <a:solidFill>
+                <a:schemeClr val="bg1"/>
+              </a:solidFill>
               <a:latin typeface="Arial Black" panose="020B0A04020102020204" pitchFamily="34" charset="0"/>
             </a:endParaRPr>
           </a:p>
@@ -8411,68 +5157,8 @@
         </p:blipFill>
         <p:spPr>
           <a:xfrm>
-            <a:off x="2199353" y="4644081"/>
-            <a:ext cx="2995448" cy="1623848"/>
-          </a:xfrm>
-          <a:prstGeom prst="rect">
-            <a:avLst/>
-          </a:prstGeom>
-          <a:solidFill>
-            <a:srgbClr val="FFFFFF">
-              <a:shade val="85000"/>
-            </a:srgbClr>
-          </a:solidFill>
-          <a:ln w="88900" cap="sq">
-            <a:solidFill>
-              <a:srgbClr val="FFFFFF"/>
-            </a:solidFill>
-            <a:miter lim="800000"/>
-          </a:ln>
-          <a:effectLst>
-            <a:outerShdw blurRad="55000" dist="18000" dir="5400000" algn="tl" rotWithShape="0">
-              <a:srgbClr val="000000">
-                <a:alpha val="40000"/>
-              </a:srgbClr>
-            </a:outerShdw>
-          </a:effectLst>
-          <a:scene3d>
-            <a:camera prst="orthographicFront"/>
-            <a:lightRig rig="twoPt" dir="t">
-              <a:rot lat="0" lon="0" rev="7200000"/>
-            </a:lightRig>
-          </a:scene3d>
-          <a:sp3d>
-            <a:bevelT w="25400" h="19050"/>
-            <a:contourClr>
-              <a:srgbClr val="FFFFFF"/>
-            </a:contourClr>
-          </a:sp3d>
-        </p:spPr>
-      </p:pic>
-      <p:pic>
-        <p:nvPicPr>
-          <p:cNvPr id="5" name="Picture 4"/>
-          <p:cNvPicPr>
-            <a:picLocks noChangeAspect="1"/>
-          </p:cNvPicPr>
-          <p:nvPr/>
-        </p:nvPicPr>
-        <p:blipFill>
-          <a:blip r:embed="rId4">
-            <a:extLst>
-              <a:ext uri="{28A0092B-C50C-407E-A947-70E740481C1C}">
-                <a14:useLocalDpi xmlns:a14="http://schemas.microsoft.com/office/drawing/2010/main" val="0"/>
-              </a:ext>
-            </a:extLst>
-          </a:blip>
-          <a:stretch>
-            <a:fillRect/>
-          </a:stretch>
-        </p:blipFill>
-        <p:spPr>
-          <a:xfrm>
-            <a:off x="6980120" y="4644081"/>
-            <a:ext cx="3052755" cy="1623848"/>
+            <a:off x="3831021" y="4303986"/>
+            <a:ext cx="3815254" cy="2207173"/>
           </a:xfrm>
           <a:prstGeom prst="rect">
             <a:avLst/>
@@ -9073,59 +5759,6 @@
                       </p:childTnLst>
                     </p:cTn>
                   </p:par>
-                  <p:par>
-                    <p:cTn id="38" fill="hold">
-                      <p:stCondLst>
-                        <p:cond delay="indefinite"/>
-                      </p:stCondLst>
-                      <p:childTnLst>
-                        <p:par>
-                          <p:cTn id="39" fill="hold">
-                            <p:stCondLst>
-                              <p:cond delay="0"/>
-                            </p:stCondLst>
-                            <p:childTnLst>
-                              <p:par>
-                                <p:cTn id="40" presetID="14" presetClass="entr" presetSubtype="10" fill="hold" nodeType="clickEffect">
-                                  <p:stCondLst>
-                                    <p:cond delay="0"/>
-                                  </p:stCondLst>
-                                  <p:childTnLst>
-                                    <p:set>
-                                      <p:cBhvr>
-                                        <p:cTn id="41" dur="1" fill="hold">
-                                          <p:stCondLst>
-                                            <p:cond delay="0"/>
-                                          </p:stCondLst>
-                                        </p:cTn>
-                                        <p:tgtEl>
-                                          <p:spTgt spid="5"/>
-                                        </p:tgtEl>
-                                        <p:attrNameLst>
-                                          <p:attrName>style.visibility</p:attrName>
-                                        </p:attrNameLst>
-                                      </p:cBhvr>
-                                      <p:to>
-                                        <p:strVal val="visible"/>
-                                      </p:to>
-                                    </p:set>
-                                    <p:animEffect transition="in" filter="randombar(horizontal)">
-                                      <p:cBhvr>
-                                        <p:cTn id="42" dur="500"/>
-                                        <p:tgtEl>
-                                          <p:spTgt spid="5"/>
-                                        </p:tgtEl>
-                                      </p:cBhvr>
-                                    </p:animEffect>
-                                  </p:childTnLst>
-                                </p:cTn>
-                              </p:par>
-                            </p:childTnLst>
-                          </p:cTn>
-                        </p:par>
-                      </p:childTnLst>
-                    </p:cTn>
-                  </p:par>
                 </p:childTnLst>
               </p:cTn>
               <p:prevCondLst>
@@ -9166,7 +5799,7 @@
           </a:blip>
           <a:srcRect/>
           <a:stretch>
-            <a:fillRect/>
+            <a:fillRect t="-6000" b="-6000"/>
           </a:stretch>
         </a:blipFill>
         <a:effectLst/>
@@ -9198,7 +5831,7 @@
         </p:nvSpPr>
         <p:spPr>
           <a:xfrm>
-            <a:off x="550542" y="303206"/>
+            <a:off x="645135" y="880514"/>
             <a:ext cx="10364451" cy="1596177"/>
           </a:xfrm>
         </p:spPr>
@@ -9211,17 +5844,44 @@
             <a:pPr algn="l"/>
             <a:r>
               <a:rPr lang="en-US" sz="4800" b="1" dirty="0" smtClean="0">
+                <a:solidFill>
+                  <a:schemeClr val="bg1"/>
+                </a:solidFill>
                 <a:latin typeface="Berlin Sans FB" panose="020E0602020502020306" pitchFamily="34" charset="0"/>
               </a:rPr>
               <a:t>      </a:t>
             </a:r>
             <a:r>
               <a:rPr lang="en-US" sz="5400" b="1" dirty="0" smtClean="0">
+                <a:solidFill>
+                  <a:schemeClr val="bg1"/>
+                </a:solidFill>
                 <a:latin typeface="Berlin Sans FB" panose="020E0602020502020306" pitchFamily="34" charset="0"/>
               </a:rPr>
-              <a:t>Access to education	     			         content</a:t>
+              <a:t>Access to education	 </a:t>
+            </a:r>
+            <a:r>
+              <a:rPr lang="en-US" sz="5400" b="1" dirty="0" smtClean="0">
+                <a:solidFill>
+                  <a:schemeClr val="bg1"/>
+                </a:solidFill>
+                <a:latin typeface="Berlin Sans FB" panose="020E0602020502020306" pitchFamily="34" charset="0"/>
+              </a:rPr>
+              <a:t>     </a:t>
+            </a:r>
+            <a:r>
+              <a:rPr lang="en-US" sz="5400" b="1" dirty="0" smtClean="0">
+                <a:solidFill>
+                  <a:schemeClr val="bg1"/>
+                </a:solidFill>
+                <a:latin typeface="Berlin Sans FB" panose="020E0602020502020306" pitchFamily="34" charset="0"/>
+              </a:rPr>
+              <a:t>			         content</a:t>
             </a:r>
             <a:endParaRPr lang="en-US" sz="5400" b="1" dirty="0">
+              <a:solidFill>
+                <a:schemeClr val="bg1"/>
+              </a:solidFill>
               <a:latin typeface="Berlin Sans FB" panose="020E0602020502020306" pitchFamily="34" charset="0"/>
             </a:endParaRPr>
           </a:p>
@@ -9234,10 +5894,15 @@
             <a:spLocks noGrp="1"/>
           </p:cNvSpPr>
           <p:nvPr>
-            <p:ph sz="quarter" idx="13"/>
+            <p:ph idx="1"/>
           </p:nvPr>
         </p:nvSpPr>
-        <p:spPr/>
+        <p:spPr>
+          <a:xfrm>
+            <a:off x="1011620" y="2953317"/>
+            <a:ext cx="10515600" cy="4351338"/>
+          </a:xfrm>
+        </p:spPr>
         <p:txBody>
           <a:bodyPr/>
           <a:lstStyle/>
@@ -9251,6 +5916,9 @@
             </a:pPr>
             <a:r>
               <a:rPr lang="en-US" sz="2400" b="1" dirty="0" smtClean="0">
+                <a:solidFill>
+                  <a:schemeClr val="bg1"/>
+                </a:solidFill>
                 <a:latin typeface="Segoe UI Black" panose="020B0A02040204020203" pitchFamily="34" charset="0"/>
                 <a:ea typeface="Segoe UI Black" panose="020B0A02040204020203" pitchFamily="34" charset="0"/>
               </a:rPr>
@@ -9267,6 +5935,9 @@
             </a:pPr>
             <a:r>
               <a:rPr lang="en-US" sz="2400" b="1" dirty="0" smtClean="0">
+                <a:solidFill>
+                  <a:schemeClr val="bg1"/>
+                </a:solidFill>
                 <a:latin typeface="Segoe UI Black" panose="020B0A02040204020203" pitchFamily="34" charset="0"/>
                 <a:ea typeface="Segoe UI Black" panose="020B0A02040204020203" pitchFamily="34" charset="0"/>
               </a:rPr>
@@ -9283,6 +5954,9 @@
             </a:pPr>
             <a:r>
               <a:rPr lang="en-US" sz="2400" b="1" dirty="0" smtClean="0">
+                <a:solidFill>
+                  <a:schemeClr val="bg1"/>
+                </a:solidFill>
                 <a:latin typeface="Segoe UI Black" panose="020B0A02040204020203" pitchFamily="34" charset="0"/>
                 <a:ea typeface="Segoe UI Black" panose="020B0A02040204020203" pitchFamily="34" charset="0"/>
               </a:rPr>
@@ -9294,7 +5968,11 @@
               <a:buFont typeface="Wingdings" panose="05000000000000000000" pitchFamily="2" charset="2"/>
               <a:buChar char="Ø"/>
             </a:pPr>
-            <a:endParaRPr lang="en-US" dirty="0"/>
+            <a:endParaRPr lang="en-US" dirty="0">
+              <a:solidFill>
+                <a:schemeClr val="bg1"/>
+              </a:solidFill>
+            </a:endParaRPr>
           </a:p>
         </p:txBody>
       </p:sp>
@@ -9320,7 +5998,7 @@
         </p:blipFill>
         <p:spPr>
           <a:xfrm>
-            <a:off x="8290502" y="4209392"/>
+            <a:off x="8858061" y="629442"/>
             <a:ext cx="2987098" cy="2476691"/>
           </a:xfrm>
           <a:prstGeom prst="rect">
@@ -9717,7 +6395,12 @@
             <p:ph type="title"/>
           </p:nvPr>
         </p:nvSpPr>
-        <p:spPr/>
+        <p:spPr>
+          <a:xfrm>
+            <a:off x="914400" y="749868"/>
+            <a:ext cx="10515600" cy="1325563"/>
+          </a:xfrm>
+        </p:spPr>
         <p:txBody>
           <a:bodyPr>
             <a:normAutofit/>
@@ -9726,11 +6409,17 @@
           <a:p>
             <a:r>
               <a:rPr lang="en-US" sz="5400" b="1" dirty="0" smtClean="0">
+                <a:solidFill>
+                  <a:schemeClr val="bg1"/>
+                </a:solidFill>
                 <a:latin typeface="Berlin Sans FB Demi" panose="020E0802020502020306" pitchFamily="34" charset="0"/>
               </a:rPr>
               <a:t>Improved communication</a:t>
             </a:r>
             <a:endParaRPr lang="en-US" sz="5400" b="1" dirty="0">
+              <a:solidFill>
+                <a:schemeClr val="bg1"/>
+              </a:solidFill>
               <a:latin typeface="Berlin Sans FB Demi" panose="020E0802020502020306" pitchFamily="34" charset="0"/>
             </a:endParaRPr>
           </a:p>
@@ -9743,7 +6432,7 @@
             <a:spLocks noGrp="1"/>
           </p:cNvSpPr>
           <p:nvPr>
-            <p:ph sz="quarter" idx="13"/>
+            <p:ph idx="1"/>
           </p:nvPr>
         </p:nvSpPr>
         <p:spPr>
@@ -9765,6 +6454,9 @@
             </a:pPr>
             <a:r>
               <a:rPr lang="en-US" dirty="0" smtClean="0">
+                <a:solidFill>
+                  <a:schemeClr val="bg1"/>
+                </a:solidFill>
                 <a:latin typeface="Berlin Sans FB Demi" panose="020E0802020502020306" pitchFamily="34" charset="0"/>
               </a:rPr>
               <a:t>Easier interaction between student and teachers</a:t>
@@ -9780,6 +6472,9 @@
             </a:pPr>
             <a:r>
               <a:rPr lang="en-US" dirty="0" smtClean="0">
+                <a:solidFill>
+                  <a:schemeClr val="bg1"/>
+                </a:solidFill>
                 <a:latin typeface="Berlin Sans FB Demi" panose="020E0802020502020306" pitchFamily="34" charset="0"/>
               </a:rPr>
               <a:t>Quick sharing of notes and announcements</a:t>
@@ -9795,13 +6490,20 @@
             </a:pPr>
             <a:r>
               <a:rPr lang="en-US" dirty="0" smtClean="0">
+                <a:solidFill>
+                  <a:schemeClr val="bg1"/>
+                </a:solidFill>
                 <a:latin typeface="Berlin Sans FB Demi" panose="020E0802020502020306" pitchFamily="34" charset="0"/>
               </a:rPr>
               <a:t>Builds academic support networks</a:t>
             </a:r>
           </a:p>
           <a:p>
-            <a:endParaRPr lang="en-US" dirty="0"/>
+            <a:endParaRPr lang="en-US" dirty="0">
+              <a:solidFill>
+                <a:schemeClr val="bg1"/>
+              </a:solidFill>
+            </a:endParaRPr>
           </a:p>
         </p:txBody>
       </p:sp>
@@ -9827,7 +6529,7 @@
         </p:blipFill>
         <p:spPr>
           <a:xfrm>
-            <a:off x="8017586" y="2729699"/>
+            <a:off x="8585145" y="3423382"/>
             <a:ext cx="3606855" cy="2178926"/>
           </a:xfrm>
           <a:prstGeom prst="rect">
@@ -10202,7 +6904,7 @@
           </a:blip>
           <a:srcRect/>
           <a:stretch>
-            <a:fillRect t="-19000" b="-19000"/>
+            <a:fillRect t="-6000" b="-6000"/>
           </a:stretch>
         </a:blipFill>
         <a:effectLst/>
@@ -10246,16 +6948,26 @@
           <a:p>
             <a:pPr algn="l"/>
             <a:r>
-              <a:rPr lang="en-US" sz="4800" b="1" dirty="0" smtClean="0"/>
+              <a:rPr lang="en-US" sz="4800" b="1" dirty="0" smtClean="0">
+                <a:solidFill>
+                  <a:schemeClr val="bg1"/>
+                </a:solidFill>
+              </a:rPr>
               <a:t>     </a:t>
             </a:r>
             <a:r>
               <a:rPr lang="en-US" sz="5400" b="1" dirty="0" smtClean="0">
+                <a:solidFill>
+                  <a:schemeClr val="bg1"/>
+                </a:solidFill>
                 <a:latin typeface="Cooper Black" panose="0208090404030B020404" pitchFamily="18" charset="0"/>
               </a:rPr>
               <a:t>Skill development</a:t>
             </a:r>
             <a:endParaRPr lang="en-US" sz="4800" b="1" dirty="0">
+              <a:solidFill>
+                <a:schemeClr val="bg1"/>
+              </a:solidFill>
               <a:latin typeface="Cooper Black" panose="0208090404030B020404" pitchFamily="18" charset="0"/>
             </a:endParaRPr>
           </a:p>
@@ -10268,7 +6980,7 @@
             <a:spLocks noGrp="1"/>
           </p:cNvSpPr>
           <p:nvPr>
-            <p:ph sz="quarter" idx="13"/>
+            <p:ph idx="1"/>
           </p:nvPr>
         </p:nvSpPr>
         <p:spPr>
@@ -10290,6 +7002,9 @@
             </a:pPr>
             <a:r>
               <a:rPr lang="en-US" dirty="0" smtClean="0">
+                <a:solidFill>
+                  <a:schemeClr val="bg1"/>
+                </a:solidFill>
                 <a:latin typeface="Cooper Black" panose="0208090404030B020404" pitchFamily="18" charset="0"/>
               </a:rPr>
               <a:t>Promotes digital literacy and tech skills</a:t>
@@ -10305,6 +7020,9 @@
             </a:pPr>
             <a:r>
               <a:rPr lang="en-US" dirty="0" smtClean="0">
+                <a:solidFill>
+                  <a:schemeClr val="bg1"/>
+                </a:solidFill>
                 <a:latin typeface="Cooper Black" panose="0208090404030B020404" pitchFamily="18" charset="0"/>
               </a:rPr>
               <a:t>Encourages creativity through content creation.</a:t>
@@ -10320,6 +7038,9 @@
             </a:pPr>
             <a:r>
               <a:rPr lang="en-US" dirty="0" smtClean="0">
+                <a:solidFill>
+                  <a:schemeClr val="bg1"/>
+                </a:solidFill>
                 <a:latin typeface="Cooper Black" panose="0208090404030B020404" pitchFamily="18" charset="0"/>
               </a:rPr>
               <a:t>Builds communications and collaboration skills</a:t>
@@ -10334,6 +7055,9 @@
               <a:buChar char="Ø"/>
             </a:pPr>
             <a:endParaRPr lang="en-US" dirty="0">
+              <a:solidFill>
+                <a:schemeClr val="bg1"/>
+              </a:solidFill>
               <a:latin typeface="Cooper Black" panose="0208090404030B020404" pitchFamily="18" charset="0"/>
             </a:endParaRPr>
           </a:p>
@@ -10982,7 +7706,7 @@
           </a:blip>
           <a:srcRect/>
           <a:stretch>
-            <a:fillRect/>
+            <a:fillRect t="-6000" b="-6000"/>
           </a:stretch>
         </a:blipFill>
         <a:effectLst/>
@@ -11026,16 +7750,25 @@
           <a:p>
             <a:r>
               <a:rPr lang="en-US" sz="4800" b="1" dirty="0" smtClean="0">
+                <a:solidFill>
+                  <a:schemeClr val="bg1"/>
+                </a:solidFill>
                 <a:latin typeface="Eras Bold ITC" panose="020B0907030504020204" pitchFamily="34" charset="0"/>
               </a:rPr>
               <a:t>Distractions and time management</a:t>
             </a:r>
             <a:br>
               <a:rPr lang="en-US" sz="4800" b="1" dirty="0" smtClean="0">
+                <a:solidFill>
+                  <a:schemeClr val="bg1"/>
+                </a:solidFill>
                 <a:latin typeface="Eras Bold ITC" panose="020B0907030504020204" pitchFamily="34" charset="0"/>
               </a:rPr>
             </a:br>
             <a:endParaRPr lang="en-US" sz="4800" b="1" dirty="0">
+              <a:solidFill>
+                <a:schemeClr val="bg1"/>
+              </a:solidFill>
               <a:latin typeface="Eras Bold ITC" panose="020B0907030504020204" pitchFamily="34" charset="0"/>
             </a:endParaRPr>
           </a:p>
@@ -11048,7 +7781,7 @@
             <a:spLocks noGrp="1"/>
           </p:cNvSpPr>
           <p:nvPr>
-            <p:ph sz="quarter" idx="13"/>
+            <p:ph idx="1"/>
           </p:nvPr>
         </p:nvSpPr>
         <p:spPr>
@@ -11070,6 +7803,9 @@
             </a:pPr>
             <a:r>
               <a:rPr lang="en-US" dirty="0" smtClean="0">
+                <a:solidFill>
+                  <a:schemeClr val="bg1"/>
+                </a:solidFill>
                 <a:latin typeface="Cooper Black" panose="0208090404030B020404" pitchFamily="18" charset="0"/>
               </a:rPr>
               <a:t>Excessive use can distract from studies </a:t>
@@ -11085,6 +7821,9 @@
             </a:pPr>
             <a:r>
               <a:rPr lang="en-US" dirty="0" smtClean="0">
+                <a:solidFill>
+                  <a:schemeClr val="bg1"/>
+                </a:solidFill>
                 <a:latin typeface="Cooper Black" panose="0208090404030B020404" pitchFamily="18" charset="0"/>
               </a:rPr>
               <a:t>Time spent on entertainment affects productivity </a:t>
@@ -11100,16 +7839,27 @@
             </a:pPr>
             <a:r>
               <a:rPr lang="en-US" dirty="0" smtClean="0">
+                <a:solidFill>
+                  <a:schemeClr val="bg1"/>
+                </a:solidFill>
                 <a:latin typeface="Cooper Black" panose="0208090404030B020404" pitchFamily="18" charset="0"/>
               </a:rPr>
               <a:t>Poor focus and procrastination.</a:t>
             </a:r>
           </a:p>
           <a:p>
-            <a:endParaRPr lang="en-US" dirty="0"/>
-          </a:p>
-          <a:p>
-            <a:endParaRPr lang="en-US" dirty="0"/>
+            <a:endParaRPr lang="en-US" dirty="0">
+              <a:solidFill>
+                <a:schemeClr val="bg1"/>
+              </a:solidFill>
+            </a:endParaRPr>
+          </a:p>
+          <a:p>
+            <a:endParaRPr lang="en-US" dirty="0">
+              <a:solidFill>
+                <a:schemeClr val="bg1"/>
+              </a:solidFill>
+            </a:endParaRPr>
           </a:p>
         </p:txBody>
       </p:sp>
@@ -11135,7 +7885,7 @@
         </p:blipFill>
         <p:spPr>
           <a:xfrm>
-            <a:off x="7819699" y="3860283"/>
+            <a:off x="8923286" y="644117"/>
             <a:ext cx="2680138" cy="2340818"/>
           </a:xfrm>
           <a:prstGeom prst="rect">
@@ -11570,7 +8320,7 @@
           </a:blip>
           <a:srcRect/>
           <a:stretch>
-            <a:fillRect/>
+            <a:fillRect t="-6000" b="-6000"/>
           </a:stretch>
         </a:blipFill>
         <a:effectLst/>
@@ -11600,7 +8350,12 @@
             <p:ph type="title"/>
           </p:nvPr>
         </p:nvSpPr>
-        <p:spPr/>
+        <p:spPr>
+          <a:xfrm>
+            <a:off x="585952" y="749870"/>
+            <a:ext cx="10515600" cy="1325563"/>
+          </a:xfrm>
+        </p:spPr>
         <p:txBody>
           <a:bodyPr>
             <a:normAutofit/>
@@ -11610,17 +8365,26 @@
             <a:pPr algn="l"/>
             <a:r>
               <a:rPr lang="en-US" sz="4800" b="1" dirty="0" smtClean="0">
+                <a:solidFill>
+                  <a:schemeClr val="bg1"/>
+                </a:solidFill>
                 <a:latin typeface="Britannic Bold" panose="020B0903060703020204" pitchFamily="34" charset="0"/>
               </a:rPr>
               <a:t>       </a:t>
             </a:r>
             <a:r>
-              <a:rPr lang="en-US" sz="5400" b="1" dirty="0" smtClean="0">
+              <a:rPr lang="en-US" sz="6000" b="1" dirty="0" smtClean="0">
+                <a:solidFill>
+                  <a:schemeClr val="bg1"/>
+                </a:solidFill>
                 <a:latin typeface="Britannic Bold" panose="020B0903060703020204" pitchFamily="34" charset="0"/>
               </a:rPr>
               <a:t>Misinformation</a:t>
             </a:r>
-            <a:endParaRPr lang="en-US" sz="5400" b="1" dirty="0">
+            <a:endParaRPr lang="en-US" sz="6000" b="1" dirty="0">
+              <a:solidFill>
+                <a:schemeClr val="bg1"/>
+              </a:solidFill>
               <a:latin typeface="Britannic Bold" panose="020B0903060703020204" pitchFamily="34" charset="0"/>
             </a:endParaRPr>
           </a:p>
@@ -11633,12 +8397,12 @@
             <a:spLocks noGrp="1"/>
           </p:cNvSpPr>
           <p:nvPr>
-            <p:ph sz="quarter" idx="13"/>
+            <p:ph idx="1"/>
           </p:nvPr>
         </p:nvSpPr>
         <p:spPr>
           <a:xfrm>
-            <a:off x="330450" y="2493216"/>
+            <a:off x="1087194" y="2577301"/>
             <a:ext cx="10363826" cy="3424107"/>
           </a:xfrm>
         </p:spPr>
@@ -11655,6 +8419,9 @@
             </a:pPr>
             <a:r>
               <a:rPr lang="en-US" sz="2400" dirty="0" smtClean="0">
+                <a:solidFill>
+                  <a:schemeClr val="bg1"/>
+                </a:solidFill>
                 <a:latin typeface="Berlin Sans FB Demi" panose="020E0802020502020306" pitchFamily="34" charset="0"/>
               </a:rPr>
               <a:t>Not all content is accurate or verified</a:t>
@@ -11670,6 +8437,9 @@
             </a:pPr>
             <a:r>
               <a:rPr lang="en-US" sz="2400" dirty="0" smtClean="0">
+                <a:solidFill>
+                  <a:schemeClr val="bg1"/>
+                </a:solidFill>
                 <a:latin typeface="Berlin Sans FB Demi" panose="020E0802020502020306" pitchFamily="34" charset="0"/>
               </a:rPr>
               <a:t>Risk of consuming fake news</a:t>
@@ -11685,6 +8455,9 @@
             </a:pPr>
             <a:r>
               <a:rPr lang="en-US" sz="2400" dirty="0" smtClean="0">
+                <a:solidFill>
+                  <a:schemeClr val="bg1"/>
+                </a:solidFill>
                 <a:latin typeface="Berlin Sans FB Demi" panose="020E0802020502020306" pitchFamily="34" charset="0"/>
               </a:rPr>
               <a:t>Can negatively influence learning if not careful.</a:t>
@@ -11694,7 +8467,11 @@
             <a:pPr marL="0" indent="0">
               <a:buNone/>
             </a:pPr>
-            <a:endParaRPr lang="en-US" dirty="0"/>
+            <a:endParaRPr lang="en-US" dirty="0">
+              <a:solidFill>
+                <a:schemeClr val="bg1"/>
+              </a:solidFill>
+            </a:endParaRPr>
           </a:p>
         </p:txBody>
       </p:sp>
@@ -11720,7 +8497,7 @@
         </p:blipFill>
         <p:spPr>
           <a:xfrm>
-            <a:off x="8597462" y="2214694"/>
+            <a:off x="8077200" y="2577301"/>
             <a:ext cx="3594538" cy="2409860"/>
           </a:xfrm>
           <a:prstGeom prst="rect">
@@ -12116,7 +8893,7 @@
           </a:blip>
           <a:srcRect/>
           <a:stretch>
-            <a:fillRect/>
+            <a:fillRect t="-6000" b="-6000"/>
           </a:stretch>
         </a:blipFill>
         <a:effectLst/>
@@ -12160,11 +8937,17 @@
           <a:p>
             <a:r>
               <a:rPr lang="en-US" sz="4800" b="1" dirty="0" smtClean="0">
+                <a:solidFill>
+                  <a:schemeClr val="bg1"/>
+                </a:solidFill>
                 <a:latin typeface="Rockwell" panose="02060603020205020403" pitchFamily="18" charset="0"/>
               </a:rPr>
               <a:t>Cyberbullying and privacy issues</a:t>
             </a:r>
             <a:endParaRPr lang="en-US" sz="4800" b="1" dirty="0">
+              <a:solidFill>
+                <a:schemeClr val="bg1"/>
+              </a:solidFill>
               <a:latin typeface="Rockwell" panose="02060603020205020403" pitchFamily="18" charset="0"/>
             </a:endParaRPr>
           </a:p>
@@ -12177,12 +8960,12 @@
             <a:spLocks noGrp="1"/>
           </p:cNvSpPr>
           <p:nvPr>
-            <p:ph sz="quarter" idx="13"/>
+            <p:ph idx="1"/>
           </p:nvPr>
         </p:nvSpPr>
         <p:spPr>
           <a:xfrm>
-            <a:off x="914399" y="2903119"/>
+            <a:off x="961070" y="2650121"/>
             <a:ext cx="10363826" cy="3424107"/>
           </a:xfrm>
         </p:spPr>
@@ -12193,11 +8976,17 @@
           <a:lstStyle/>
           <a:p>
             <a:pPr>
+              <a:lnSpc>
+                <a:spcPct val="150000"/>
+              </a:lnSpc>
               <a:buFont typeface="Wingdings" panose="05000000000000000000" pitchFamily="2" charset="2"/>
               <a:buChar char="Ø"/>
             </a:pPr>
             <a:r>
               <a:rPr lang="en-US" sz="2400" dirty="0" smtClean="0">
+                <a:solidFill>
+                  <a:schemeClr val="bg1"/>
+                </a:solidFill>
                 <a:latin typeface="Britannic Bold" panose="020B0903060703020204" pitchFamily="34" charset="0"/>
               </a:rPr>
               <a:t>Online harassment among students</a:t>
@@ -12205,11 +8994,17 @@
           </a:p>
           <a:p>
             <a:pPr>
+              <a:lnSpc>
+                <a:spcPct val="150000"/>
+              </a:lnSpc>
               <a:buFont typeface="Wingdings" panose="05000000000000000000" pitchFamily="2" charset="2"/>
               <a:buChar char="Ø"/>
             </a:pPr>
             <a:r>
               <a:rPr lang="en-US" sz="2400" dirty="0" smtClean="0">
+                <a:solidFill>
+                  <a:schemeClr val="bg1"/>
+                </a:solidFill>
                 <a:latin typeface="Britannic Bold" panose="020B0903060703020204" pitchFamily="34" charset="0"/>
               </a:rPr>
               <a:t>Sharing personal data without caution </a:t>
@@ -12217,11 +9012,17 @@
           </a:p>
           <a:p>
             <a:pPr>
+              <a:lnSpc>
+                <a:spcPct val="150000"/>
+              </a:lnSpc>
               <a:buFont typeface="Wingdings" panose="05000000000000000000" pitchFamily="2" charset="2"/>
               <a:buChar char="Ø"/>
             </a:pPr>
             <a:r>
               <a:rPr lang="en-US" sz="2400" dirty="0" smtClean="0">
+                <a:solidFill>
+                  <a:schemeClr val="bg1"/>
+                </a:solidFill>
                 <a:latin typeface="Britannic Bold" panose="020B0903060703020204" pitchFamily="34" charset="0"/>
               </a:rPr>
               <a:t>Affects mental well-being and focus on studies</a:t>
@@ -12229,10 +9030,16 @@
           </a:p>
           <a:p>
             <a:pPr>
+              <a:lnSpc>
+                <a:spcPct val="150000"/>
+              </a:lnSpc>
               <a:buFont typeface="Wingdings" panose="05000000000000000000" pitchFamily="2" charset="2"/>
               <a:buChar char="Ø"/>
             </a:pPr>
             <a:endParaRPr lang="en-US" sz="2400" dirty="0" smtClean="0">
+              <a:solidFill>
+                <a:schemeClr val="bg1"/>
+              </a:solidFill>
               <a:latin typeface="Britannic Bold" panose="020B0903060703020204" pitchFamily="34" charset="0"/>
             </a:endParaRPr>
           </a:p>
@@ -12631,9 +9438,9 @@
 </file>
 
 <file path=ppt/theme/theme1.xml><?xml version="1.0" encoding="utf-8"?>
-<a:theme xmlns:a="http://schemas.openxmlformats.org/drawingml/2006/main" name="Droplet">
+<a:theme xmlns:a="http://schemas.openxmlformats.org/drawingml/2006/main" name="Office Theme">
   <a:themeElements>
-    <a:clrScheme name="Droplet">
+    <a:clrScheme name="Office">
       <a:dk1>
         <a:sysClr val="windowText" lastClr="000000"/>
       </a:dk1>
@@ -12641,44 +9448,44 @@
         <a:sysClr val="window" lastClr="FFFFFF"/>
       </a:lt1>
       <a:dk2>
-        <a:srgbClr val="4B4B4B"/>
+        <a:srgbClr val="44546A"/>
       </a:dk2>
       <a:lt2>
-        <a:srgbClr val="B5B5B5"/>
+        <a:srgbClr val="E7E6E6"/>
       </a:lt2>
       <a:accent1>
-        <a:srgbClr val="9AC43E"/>
+        <a:srgbClr val="5B9BD5"/>
       </a:accent1>
       <a:accent2>
-        <a:srgbClr val="44BA98"/>
+        <a:srgbClr val="ED7D31"/>
       </a:accent2>
       <a:accent3>
-        <a:srgbClr val="43A9D9"/>
+        <a:srgbClr val="A5A5A5"/>
       </a:accent3>
       <a:accent4>
-        <a:srgbClr val="6274D8"/>
+        <a:srgbClr val="FFC000"/>
       </a:accent4>
       <a:accent5>
-        <a:srgbClr val="AB54D7"/>
+        <a:srgbClr val="4472C4"/>
       </a:accent5>
       <a:accent6>
-        <a:srgbClr val="D15B37"/>
+        <a:srgbClr val="70AD47"/>
       </a:accent6>
       <a:hlink>
-        <a:srgbClr val="BFE962"/>
+        <a:srgbClr val="0563C1"/>
       </a:hlink>
       <a:folHlink>
-        <a:srgbClr val="C0D591"/>
+        <a:srgbClr val="954F72"/>
       </a:folHlink>
     </a:clrScheme>
-    <a:fontScheme name="Droplet">
+    <a:fontScheme name="Office">
       <a:majorFont>
-        <a:latin typeface="Tw Cen MT" panose="020B0602020104020603"/>
+        <a:latin typeface="Calibri Light" panose="020F0302020204030204"/>
         <a:ea typeface=""/>
         <a:cs typeface=""/>
-        <a:font script="Jpan" typeface="ＭＳ Ｐゴシック"/>
+        <a:font script="Jpan" typeface="游ゴシック Light"/>
         <a:font script="Hang" typeface="맑은 고딕"/>
-        <a:font script="Hans" typeface="宋体"/>
+        <a:font script="Hans" typeface="等线 Light"/>
         <a:font script="Hant" typeface="新細明體"/>
         <a:font script="Arab" typeface="Times New Roman"/>
         <a:font script="Hebr" typeface="Times New Roman"/>
@@ -12708,12 +9515,12 @@
         <a:font script="Geor" typeface="Sylfaen"/>
       </a:majorFont>
       <a:minorFont>
-        <a:latin typeface="Tw Cen MT" panose="020B0602020104020603"/>
+        <a:latin typeface="Calibri" panose="020F0502020204030204"/>
         <a:ea typeface=""/>
         <a:cs typeface=""/>
-        <a:font script="Jpan" typeface="ＭＳ Ｐゴシック"/>
+        <a:font script="Jpan" typeface="游ゴシック"/>
         <a:font script="Hang" typeface="맑은 고딕"/>
-        <a:font script="Hans" typeface="宋体"/>
+        <a:font script="Hans" typeface="等线"/>
         <a:font script="Hant" typeface="新細明體"/>
         <a:font script="Arab" typeface="Arial"/>
         <a:font script="Hebr" typeface="Arial"/>
@@ -12743,103 +9550,8 @@
         <a:font script="Geor" typeface="Sylfaen"/>
       </a:minorFont>
     </a:fontScheme>
-    <a:fmtScheme name="Droplet">
+    <a:fmtScheme name="Office">
       <a:fillStyleLst>
-        <a:solidFill>
-          <a:schemeClr val="phClr"/>
-        </a:solidFill>
-        <a:solidFill>
-          <a:schemeClr val="phClr">
-            <a:tint val="69000"/>
-            <a:satMod val="105000"/>
-            <a:lumMod val="110000"/>
-          </a:schemeClr>
-        </a:solidFill>
-        <a:gradFill rotWithShape="1">
-          <a:gsLst>
-            <a:gs pos="0">
-              <a:schemeClr val="phClr">
-                <a:tint val="94000"/>
-                <a:satMod val="100000"/>
-                <a:lumMod val="108000"/>
-              </a:schemeClr>
-            </a:gs>
-            <a:gs pos="50000">
-              <a:schemeClr val="phClr">
-                <a:tint val="98000"/>
-                <a:shade val="100000"/>
-                <a:satMod val="100000"/>
-                <a:lumMod val="100000"/>
-              </a:schemeClr>
-            </a:gs>
-            <a:gs pos="100000">
-              <a:schemeClr val="phClr">
-                <a:shade val="72000"/>
-                <a:satMod val="120000"/>
-                <a:lumMod val="100000"/>
-              </a:schemeClr>
-            </a:gs>
-          </a:gsLst>
-          <a:lin ang="5400000" scaled="0"/>
-        </a:gradFill>
-      </a:fillStyleLst>
-      <a:lnStyleLst>
-        <a:ln w="9525" cap="flat" cmpd="sng" algn="ctr">
-          <a:solidFill>
-            <a:schemeClr val="phClr">
-              <a:shade val="60000"/>
-            </a:schemeClr>
-          </a:solidFill>
-          <a:prstDash val="solid"/>
-        </a:ln>
-        <a:ln w="15875" cap="flat" cmpd="sng" algn="ctr">
-          <a:solidFill>
-            <a:schemeClr val="phClr"/>
-          </a:solidFill>
-          <a:prstDash val="solid"/>
-        </a:ln>
-        <a:ln w="22225" cap="flat" cmpd="sng" algn="ctr">
-          <a:solidFill>
-            <a:schemeClr val="phClr"/>
-          </a:solidFill>
-          <a:prstDash val="solid"/>
-        </a:ln>
-      </a:lnStyleLst>
-      <a:effectStyleLst>
-        <a:effectStyle>
-          <a:effectLst/>
-        </a:effectStyle>
-        <a:effectStyle>
-          <a:effectLst>
-            <a:outerShdw blurRad="50800" dist="25400" dir="5400000" rotWithShape="0">
-              <a:srgbClr val="000000">
-                <a:alpha val="28000"/>
-              </a:srgbClr>
-            </a:outerShdw>
-          </a:effectLst>
-        </a:effectStyle>
-        <a:effectStyle>
-          <a:effectLst>
-            <a:outerShdw blurRad="63500" dist="25400" dir="5400000" algn="ctr" rotWithShape="0">
-              <a:srgbClr val="000000">
-                <a:alpha val="69000"/>
-              </a:srgbClr>
-            </a:outerShdw>
-          </a:effectLst>
-          <a:scene3d>
-            <a:camera prst="orthographicFront">
-              <a:rot lat="0" lon="0" rev="0"/>
-            </a:camera>
-            <a:lightRig rig="balanced" dir="t">
-              <a:rot lat="0" lon="0" rev="1200000"/>
-            </a:lightRig>
-          </a:scene3d>
-          <a:sp3d prstMaterial="plastic">
-            <a:bevelT w="25400" h="25400"/>
-          </a:sp3d>
-        </a:effectStyle>
-      </a:effectStyleLst>
-      <a:bgFillStyleLst>
         <a:solidFill>
           <a:schemeClr val="phClr"/>
         </a:solidFill>
@@ -12847,14 +9559,23 @@
           <a:gsLst>
             <a:gs pos="0">
               <a:schemeClr val="phClr">
-                <a:tint val="90000"/>
                 <a:lumMod val="110000"/>
+                <a:satMod val="105000"/>
+                <a:tint val="67000"/>
+              </a:schemeClr>
+            </a:gs>
+            <a:gs pos="50000">
+              <a:schemeClr val="phClr">
+                <a:lumMod val="105000"/>
+                <a:satMod val="103000"/>
+                <a:tint val="73000"/>
               </a:schemeClr>
             </a:gs>
             <a:gs pos="100000">
               <a:schemeClr val="phClr">
-                <a:shade val="64000"/>
-                <a:lumMod val="88000"/>
+                <a:lumMod val="105000"/>
+                <a:satMod val="109000"/>
+                <a:tint val="81000"/>
               </a:schemeClr>
             </a:gs>
           </a:gsLst>
@@ -12864,18 +9585,101 @@
           <a:gsLst>
             <a:gs pos="0">
               <a:schemeClr val="phClr">
-                <a:tint val="84000"/>
+                <a:satMod val="103000"/>
+                <a:lumMod val="102000"/>
+                <a:tint val="94000"/>
+              </a:schemeClr>
+            </a:gs>
+            <a:gs pos="50000">
+              <a:schemeClr val="phClr">
+                <a:satMod val="110000"/>
+                <a:lumMod val="100000"/>
                 <a:shade val="100000"/>
-                <a:hueMod val="92000"/>
-                <a:satMod val="180000"/>
-                <a:lumMod val="114000"/>
               </a:schemeClr>
             </a:gs>
             <a:gs pos="100000">
               <a:schemeClr val="phClr">
-                <a:shade val="92000"/>
-                <a:satMod val="170000"/>
-                <a:lumMod val="96000"/>
+                <a:lumMod val="99000"/>
+                <a:satMod val="120000"/>
+                <a:shade val="78000"/>
+              </a:schemeClr>
+            </a:gs>
+          </a:gsLst>
+          <a:lin ang="5400000" scaled="0"/>
+        </a:gradFill>
+      </a:fillStyleLst>
+      <a:lnStyleLst>
+        <a:ln w="6350" cap="flat" cmpd="sng" algn="ctr">
+          <a:solidFill>
+            <a:schemeClr val="phClr"/>
+          </a:solidFill>
+          <a:prstDash val="solid"/>
+          <a:miter lim="800000"/>
+        </a:ln>
+        <a:ln w="12700" cap="flat" cmpd="sng" algn="ctr">
+          <a:solidFill>
+            <a:schemeClr val="phClr"/>
+          </a:solidFill>
+          <a:prstDash val="solid"/>
+          <a:miter lim="800000"/>
+        </a:ln>
+        <a:ln w="19050" cap="flat" cmpd="sng" algn="ctr">
+          <a:solidFill>
+            <a:schemeClr val="phClr"/>
+          </a:solidFill>
+          <a:prstDash val="solid"/>
+          <a:miter lim="800000"/>
+        </a:ln>
+      </a:lnStyleLst>
+      <a:effectStyleLst>
+        <a:effectStyle>
+          <a:effectLst/>
+        </a:effectStyle>
+        <a:effectStyle>
+          <a:effectLst/>
+        </a:effectStyle>
+        <a:effectStyle>
+          <a:effectLst>
+            <a:outerShdw blurRad="57150" dist="19050" dir="5400000" algn="ctr" rotWithShape="0">
+              <a:srgbClr val="000000">
+                <a:alpha val="63000"/>
+              </a:srgbClr>
+            </a:outerShdw>
+          </a:effectLst>
+        </a:effectStyle>
+      </a:effectStyleLst>
+      <a:bgFillStyleLst>
+        <a:solidFill>
+          <a:schemeClr val="phClr"/>
+        </a:solidFill>
+        <a:solidFill>
+          <a:schemeClr val="phClr">
+            <a:tint val="95000"/>
+            <a:satMod val="170000"/>
+          </a:schemeClr>
+        </a:solidFill>
+        <a:gradFill rotWithShape="1">
+          <a:gsLst>
+            <a:gs pos="0">
+              <a:schemeClr val="phClr">
+                <a:tint val="93000"/>
+                <a:satMod val="150000"/>
+                <a:shade val="98000"/>
+                <a:lumMod val="102000"/>
+              </a:schemeClr>
+            </a:gs>
+            <a:gs pos="50000">
+              <a:schemeClr val="phClr">
+                <a:tint val="98000"/>
+                <a:satMod val="130000"/>
+                <a:shade val="90000"/>
+                <a:lumMod val="103000"/>
+              </a:schemeClr>
+            </a:gs>
+            <a:gs pos="100000">
+              <a:schemeClr val="phClr">
+                <a:shade val="63000"/>
+                <a:satMod val="120000"/>
               </a:schemeClr>
             </a:gs>
           </a:gsLst>
@@ -12888,7 +9692,7 @@
   <a:extraClrSchemeLst/>
   <a:extLst>
     <a:ext uri="{05A4C25C-085E-4340-85A3-A5531E510DB2}">
-      <thm15:themeFamily xmlns:thm15="http://schemas.microsoft.com/office/thememl/2012/main" name="Droplet" id="{8984A317-299A-4E50-B45D-BFC9EDE2337A}" vid="{892FADA9-420D-4323-A7A4-C1060166525B}"/>
+      <thm15:themeFamily xmlns:thm15="http://schemas.microsoft.com/office/thememl/2012/main" name="Office Theme" id="{62F939B6-93AF-4DB8-9C6B-D6C7DFDC589F}" vid="{4A3C46E8-61CC-4603-A589-7422A47A8E4A}"/>
     </a:ext>
   </a:extLst>
 </a:theme>
